--- a/Test Driven Development/materials/pptx/8. TDD-Acceptance-Testing.pptx
+++ b/Test Driven Development/materials/pptx/8. TDD-Acceptance-Testing.pptx
@@ -6,24 +6,25 @@
     <p:sldMasterId id="2147483694" r:id="rId2"/>
   </p:sldMasterIdLst>
   <p:notesMasterIdLst>
-    <p:notesMasterId r:id="rId18"/>
+    <p:notesMasterId r:id="rId19"/>
   </p:notesMasterIdLst>
   <p:sldIdLst>
     <p:sldId id="355" r:id="rId3"/>
     <p:sldId id="375" r:id="rId4"/>
-    <p:sldId id="376" r:id="rId5"/>
-    <p:sldId id="377" r:id="rId6"/>
-    <p:sldId id="378" r:id="rId7"/>
-    <p:sldId id="380" r:id="rId8"/>
-    <p:sldId id="381" r:id="rId9"/>
-    <p:sldId id="382" r:id="rId10"/>
-    <p:sldId id="386" r:id="rId11"/>
-    <p:sldId id="387" r:id="rId12"/>
-    <p:sldId id="385" r:id="rId13"/>
-    <p:sldId id="383" r:id="rId14"/>
-    <p:sldId id="388" r:id="rId15"/>
-    <p:sldId id="357" r:id="rId16"/>
-    <p:sldId id="356" r:id="rId17"/>
+    <p:sldId id="389" r:id="rId5"/>
+    <p:sldId id="376" r:id="rId6"/>
+    <p:sldId id="377" r:id="rId7"/>
+    <p:sldId id="378" r:id="rId8"/>
+    <p:sldId id="380" r:id="rId9"/>
+    <p:sldId id="381" r:id="rId10"/>
+    <p:sldId id="382" r:id="rId11"/>
+    <p:sldId id="386" r:id="rId12"/>
+    <p:sldId id="387" r:id="rId13"/>
+    <p:sldId id="385" r:id="rId14"/>
+    <p:sldId id="383" r:id="rId15"/>
+    <p:sldId id="388" r:id="rId16"/>
+    <p:sldId id="357" r:id="rId17"/>
+    <p:sldId id="356" r:id="rId18"/>
   </p:sldIdLst>
   <p:sldSz cx="9144000" cy="6858000" type="screen4x3"/>
   <p:notesSz cx="6858000" cy="9144000"/>
@@ -207,7 +208,7 @@
           <a:p>
             <a:fld id="{B946ECE3-FD69-FE4C-B5B3-E9526994F809}" type="datetimeFigureOut">
               <a:rPr lang="en-US" smtClean="0"/>
-              <a:t>12/7/2012</a:t>
+              <a:t>12/21/12</a:t>
             </a:fld>
             <a:endParaRPr lang="en-US"/>
           </a:p>
@@ -576,6 +577,90 @@
 </p:notes>
 </file>
 
+<file path=ppt/notesSlides/notesSlide10.xml><?xml version="1.0" encoding="utf-8"?>
+<p:notes xmlns:a="http://schemas.openxmlformats.org/drawingml/2006/main" xmlns:r="http://schemas.openxmlformats.org/officeDocument/2006/relationships" xmlns:p="http://schemas.openxmlformats.org/presentationml/2006/main">
+  <p:cSld>
+    <p:spTree>
+      <p:nvGrpSpPr>
+        <p:cNvPr id="1" name=""/>
+        <p:cNvGrpSpPr/>
+        <p:nvPr/>
+      </p:nvGrpSpPr>
+      <p:grpSpPr>
+        <a:xfrm>
+          <a:off x="0" y="0"/>
+          <a:ext cx="0" cy="0"/>
+          <a:chOff x="0" y="0"/>
+          <a:chExt cx="0" cy="0"/>
+        </a:xfrm>
+      </p:grpSpPr>
+      <p:sp>
+        <p:nvSpPr>
+          <p:cNvPr id="2" name="Slide Image Placeholder 1"/>
+          <p:cNvSpPr>
+            <a:spLocks noGrp="1" noRot="1" noChangeAspect="1"/>
+          </p:cNvSpPr>
+          <p:nvPr>
+            <p:ph type="sldImg"/>
+          </p:nvPr>
+        </p:nvSpPr>
+        <p:spPr/>
+      </p:sp>
+      <p:sp>
+        <p:nvSpPr>
+          <p:cNvPr id="3" name="Notes Placeholder 2"/>
+          <p:cNvSpPr>
+            <a:spLocks noGrp="1"/>
+          </p:cNvSpPr>
+          <p:nvPr>
+            <p:ph type="body" idx="1"/>
+          </p:nvPr>
+        </p:nvSpPr>
+        <p:spPr/>
+        <p:txBody>
+          <a:bodyPr/>
+          <a:lstStyle/>
+          <a:p>
+            <a:endParaRPr lang="ru-RU" dirty="0"/>
+          </a:p>
+        </p:txBody>
+      </p:sp>
+      <p:sp>
+        <p:nvSpPr>
+          <p:cNvPr id="4" name="Slide Number Placeholder 3"/>
+          <p:cNvSpPr>
+            <a:spLocks noGrp="1"/>
+          </p:cNvSpPr>
+          <p:nvPr>
+            <p:ph type="sldNum" sz="quarter" idx="10"/>
+          </p:nvPr>
+        </p:nvSpPr>
+        <p:spPr/>
+        <p:txBody>
+          <a:bodyPr/>
+          <a:lstStyle/>
+          <a:p>
+            <a:fld id="{3A3568CC-110C-4346-A0AE-B1FBECAA9176}" type="slidenum">
+              <a:rPr lang="en-US" smtClean="0"/>
+              <a:t>12</a:t>
+            </a:fld>
+            <a:endParaRPr lang="en-US"/>
+          </a:p>
+        </p:txBody>
+      </p:sp>
+    </p:spTree>
+    <p:extLst>
+      <p:ext uri="{BB962C8B-B14F-4D97-AF65-F5344CB8AC3E}">
+        <p14:creationId xmlns:p14="http://schemas.microsoft.com/office/powerpoint/2010/main" val="2205010114"/>
+      </p:ext>
+    </p:extLst>
+  </p:cSld>
+  <p:clrMapOvr>
+    <a:masterClrMapping/>
+  </p:clrMapOvr>
+</p:notes>
+</file>
+
 <file path=ppt/notesSlides/notesSlide2.xml><?xml version="1.0" encoding="utf-8"?>
 <p:notes xmlns:a="http://schemas.openxmlformats.org/drawingml/2006/main" xmlns:r="http://schemas.openxmlformats.org/officeDocument/2006/relationships" xmlns:p="http://schemas.openxmlformats.org/presentationml/2006/main">
   <p:cSld>
@@ -621,7 +706,7 @@
           <a:lstStyle/>
           <a:p>
             <a:r>
-              <a:rPr lang="ru-RU" sz="1200" b="1" i="1" kern="1200" dirty="0" smtClean="0">
+              <a:rPr lang="ru-RU" sz="1200" b="0" i="0" kern="1200" dirty="0" smtClean="0">
                 <a:solidFill>
                   <a:schemeClr val="tx1"/>
                 </a:solidFill>
@@ -630,336 +715,9 @@
                 <a:ea typeface="+mn-ea"/>
                 <a:cs typeface="+mn-cs"/>
               </a:rPr>
-              <a:t>Функциональные требования</a:t>
-            </a:r>
-            <a:r>
-              <a:rPr lang="ru-RU" sz="1200" b="0" i="0" kern="1200" dirty="0" smtClean="0">
-                <a:solidFill>
-                  <a:schemeClr val="tx1"/>
-                </a:solidFill>
-                <a:effectLst/>
-                <a:latin typeface="+mn-lt"/>
-                <a:ea typeface="+mn-ea"/>
-                <a:cs typeface="+mn-cs"/>
-              </a:rPr>
-              <a:t> включают в себя:</a:t>
-            </a:r>
-          </a:p>
-          <a:p>
-            <a:r>
-              <a:rPr lang="ru-RU" sz="1200" b="0" i="0" kern="1200" dirty="0" smtClean="0">
-                <a:solidFill>
-                  <a:schemeClr val="tx1"/>
-                </a:solidFill>
-                <a:effectLst/>
-                <a:latin typeface="+mn-lt"/>
-                <a:ea typeface="+mn-ea"/>
-                <a:cs typeface="+mn-cs"/>
-              </a:rPr>
-              <a:t>Функциональная пригодность (</a:t>
-            </a:r>
-            <a:r>
-              <a:rPr lang="ru-RU" sz="1200" b="0" i="0" kern="1200" dirty="0" smtClean="0">
-                <a:solidFill>
-                  <a:schemeClr val="tx1"/>
-                </a:solidFill>
-                <a:effectLst/>
-                <a:latin typeface="+mn-lt"/>
-                <a:ea typeface="+mn-ea"/>
-                <a:cs typeface="+mn-cs"/>
-                <a:hlinkClick r:id="rId3" tooltip="Английский язык"/>
-              </a:rPr>
-              <a:t>англ.</a:t>
-            </a:r>
-            <a:r>
-              <a:rPr lang="ru-RU" sz="1200" b="0" i="0" kern="1200" dirty="0" smtClean="0">
-                <a:solidFill>
-                  <a:schemeClr val="tx1"/>
-                </a:solidFill>
-                <a:effectLst/>
-                <a:latin typeface="+mn-lt"/>
-                <a:ea typeface="+mn-ea"/>
-                <a:cs typeface="+mn-cs"/>
-              </a:rPr>
-              <a:t> </a:t>
-            </a:r>
-            <a:r>
-              <a:rPr lang="ru-RU" sz="1200" b="0" i="1" kern="1200" dirty="0" smtClean="0">
-                <a:solidFill>
-                  <a:schemeClr val="tx1"/>
-                </a:solidFill>
-                <a:effectLst/>
-                <a:latin typeface="+mn-lt"/>
-                <a:ea typeface="+mn-ea"/>
-                <a:cs typeface="+mn-cs"/>
-              </a:rPr>
-              <a:t>suitability</a:t>
-            </a:r>
-            <a:r>
-              <a:rPr lang="ru-RU" sz="1200" b="0" i="0" kern="1200" dirty="0" smtClean="0">
-                <a:solidFill>
-                  <a:schemeClr val="tx1"/>
-                </a:solidFill>
-                <a:effectLst/>
-                <a:latin typeface="+mn-lt"/>
-                <a:ea typeface="+mn-ea"/>
-                <a:cs typeface="+mn-cs"/>
-              </a:rPr>
-              <a:t>).</a:t>
-            </a:r>
-          </a:p>
-          <a:p>
-            <a:r>
-              <a:rPr lang="ru-RU" sz="1200" b="0" i="0" kern="1200" dirty="0" smtClean="0">
-                <a:solidFill>
-                  <a:schemeClr val="tx1"/>
-                </a:solidFill>
-                <a:effectLst/>
-                <a:latin typeface="+mn-lt"/>
-                <a:ea typeface="+mn-ea"/>
-                <a:cs typeface="+mn-cs"/>
-              </a:rPr>
-              <a:t>Точность (</a:t>
-            </a:r>
-            <a:r>
-              <a:rPr lang="ru-RU" sz="1200" b="0" i="0" kern="1200" dirty="0" smtClean="0">
-                <a:solidFill>
-                  <a:schemeClr val="tx1"/>
-                </a:solidFill>
-                <a:effectLst/>
-                <a:latin typeface="+mn-lt"/>
-                <a:ea typeface="+mn-ea"/>
-                <a:cs typeface="+mn-cs"/>
-                <a:hlinkClick r:id="rId3" tooltip="Английский язык"/>
-              </a:rPr>
-              <a:t>англ.</a:t>
-            </a:r>
-            <a:r>
-              <a:rPr lang="ru-RU" sz="1200" b="0" i="0" kern="1200" dirty="0" smtClean="0">
-                <a:solidFill>
-                  <a:schemeClr val="tx1"/>
-                </a:solidFill>
-                <a:effectLst/>
-                <a:latin typeface="+mn-lt"/>
-                <a:ea typeface="+mn-ea"/>
-                <a:cs typeface="+mn-cs"/>
-              </a:rPr>
-              <a:t> </a:t>
-            </a:r>
-            <a:r>
-              <a:rPr lang="ru-RU" sz="1200" b="0" i="1" kern="1200" dirty="0" smtClean="0">
-                <a:solidFill>
-                  <a:schemeClr val="tx1"/>
-                </a:solidFill>
-                <a:effectLst/>
-                <a:latin typeface="+mn-lt"/>
-                <a:ea typeface="+mn-ea"/>
-                <a:cs typeface="+mn-cs"/>
-              </a:rPr>
-              <a:t>accuracy</a:t>
-            </a:r>
-            <a:r>
-              <a:rPr lang="ru-RU" sz="1200" b="0" i="0" kern="1200" dirty="0" smtClean="0">
-                <a:solidFill>
-                  <a:schemeClr val="tx1"/>
-                </a:solidFill>
-                <a:effectLst/>
-                <a:latin typeface="+mn-lt"/>
-                <a:ea typeface="+mn-ea"/>
-                <a:cs typeface="+mn-cs"/>
-              </a:rPr>
-              <a:t>).</a:t>
-            </a:r>
-          </a:p>
-          <a:p>
-            <a:r>
-              <a:rPr lang="ru-RU" sz="1200" b="0" i="0" kern="1200" dirty="0" smtClean="0">
-                <a:solidFill>
-                  <a:schemeClr val="tx1"/>
-                </a:solidFill>
-                <a:effectLst/>
-                <a:latin typeface="+mn-lt"/>
-                <a:ea typeface="+mn-ea"/>
-                <a:cs typeface="+mn-cs"/>
-              </a:rPr>
-              <a:t>Способность к взаимодействию (</a:t>
-            </a:r>
-            <a:r>
-              <a:rPr lang="ru-RU" sz="1200" b="0" i="0" kern="1200" dirty="0" smtClean="0">
-                <a:solidFill>
-                  <a:schemeClr val="tx1"/>
-                </a:solidFill>
-                <a:effectLst/>
-                <a:latin typeface="+mn-lt"/>
-                <a:ea typeface="+mn-ea"/>
-                <a:cs typeface="+mn-cs"/>
-                <a:hlinkClick r:id="rId3" tooltip="Английский язык"/>
-              </a:rPr>
-              <a:t>англ.</a:t>
-            </a:r>
-            <a:r>
-              <a:rPr lang="ru-RU" sz="1200" b="0" i="0" kern="1200" dirty="0" smtClean="0">
-                <a:solidFill>
-                  <a:schemeClr val="tx1"/>
-                </a:solidFill>
-                <a:effectLst/>
-                <a:latin typeface="+mn-lt"/>
-                <a:ea typeface="+mn-ea"/>
-                <a:cs typeface="+mn-cs"/>
-              </a:rPr>
-              <a:t> </a:t>
-            </a:r>
-            <a:r>
-              <a:rPr lang="ru-RU" sz="1200" b="0" i="1" kern="1200" dirty="0" smtClean="0">
-                <a:solidFill>
-                  <a:schemeClr val="tx1"/>
-                </a:solidFill>
-                <a:effectLst/>
-                <a:latin typeface="+mn-lt"/>
-                <a:ea typeface="+mn-ea"/>
-                <a:cs typeface="+mn-cs"/>
-              </a:rPr>
-              <a:t>interoperability</a:t>
-            </a:r>
-            <a:r>
-              <a:rPr lang="ru-RU" sz="1200" b="0" i="0" kern="1200" dirty="0" smtClean="0">
-                <a:solidFill>
-                  <a:schemeClr val="tx1"/>
-                </a:solidFill>
-                <a:effectLst/>
-                <a:latin typeface="+mn-lt"/>
-                <a:ea typeface="+mn-ea"/>
-                <a:cs typeface="+mn-cs"/>
-              </a:rPr>
-              <a:t>).</a:t>
-            </a:r>
-          </a:p>
-          <a:p>
-            <a:r>
-              <a:rPr lang="ru-RU" sz="1200" b="0" i="0" kern="1200" dirty="0" smtClean="0">
-                <a:solidFill>
-                  <a:schemeClr val="tx1"/>
-                </a:solidFill>
-                <a:effectLst/>
-                <a:latin typeface="+mn-lt"/>
-                <a:ea typeface="+mn-ea"/>
-                <a:cs typeface="+mn-cs"/>
-              </a:rPr>
-              <a:t>Соответствие стандартам и правилам (</a:t>
-            </a:r>
-            <a:r>
-              <a:rPr lang="ru-RU" sz="1200" b="0" i="0" kern="1200" dirty="0" smtClean="0">
-                <a:solidFill>
-                  <a:schemeClr val="tx1"/>
-                </a:solidFill>
-                <a:effectLst/>
-                <a:latin typeface="+mn-lt"/>
-                <a:ea typeface="+mn-ea"/>
-                <a:cs typeface="+mn-cs"/>
-                <a:hlinkClick r:id="rId3" tooltip="Английский язык"/>
-              </a:rPr>
-              <a:t>англ.</a:t>
-            </a:r>
-            <a:r>
-              <a:rPr lang="ru-RU" sz="1200" b="0" i="0" kern="1200" dirty="0" smtClean="0">
-                <a:solidFill>
-                  <a:schemeClr val="tx1"/>
-                </a:solidFill>
-                <a:effectLst/>
-                <a:latin typeface="+mn-lt"/>
-                <a:ea typeface="+mn-ea"/>
-                <a:cs typeface="+mn-cs"/>
-              </a:rPr>
-              <a:t> </a:t>
-            </a:r>
-            <a:r>
-              <a:rPr lang="ru-RU" sz="1200" b="0" i="1" kern="1200" dirty="0" smtClean="0">
-                <a:solidFill>
-                  <a:schemeClr val="tx1"/>
-                </a:solidFill>
-                <a:effectLst/>
-                <a:latin typeface="+mn-lt"/>
-                <a:ea typeface="+mn-ea"/>
-                <a:cs typeface="+mn-cs"/>
-              </a:rPr>
-              <a:t>compliance</a:t>
-            </a:r>
-            <a:r>
-              <a:rPr lang="ru-RU" sz="1200" b="0" i="0" kern="1200" dirty="0" smtClean="0">
-                <a:solidFill>
-                  <a:schemeClr val="tx1"/>
-                </a:solidFill>
-                <a:effectLst/>
-                <a:latin typeface="+mn-lt"/>
-                <a:ea typeface="+mn-ea"/>
-                <a:cs typeface="+mn-cs"/>
-              </a:rPr>
-              <a:t>).</a:t>
-            </a:r>
-          </a:p>
-          <a:p>
-            <a:r>
-              <a:rPr lang="ru-RU" sz="1200" b="0" i="0" kern="1200" dirty="0" smtClean="0">
-                <a:solidFill>
-                  <a:schemeClr val="tx1"/>
-                </a:solidFill>
-                <a:effectLst/>
-                <a:latin typeface="+mn-lt"/>
-                <a:ea typeface="+mn-ea"/>
-                <a:cs typeface="+mn-cs"/>
-              </a:rPr>
-              <a:t>Защищённость (</a:t>
-            </a:r>
-            <a:r>
-              <a:rPr lang="ru-RU" sz="1200" b="0" i="0" kern="1200" dirty="0" smtClean="0">
-                <a:solidFill>
-                  <a:schemeClr val="tx1"/>
-                </a:solidFill>
-                <a:effectLst/>
-                <a:latin typeface="+mn-lt"/>
-                <a:ea typeface="+mn-ea"/>
-                <a:cs typeface="+mn-cs"/>
-                <a:hlinkClick r:id="rId3" tooltip="Английский язык"/>
-              </a:rPr>
-              <a:t>англ.</a:t>
-            </a:r>
-            <a:r>
-              <a:rPr lang="ru-RU" sz="1200" b="0" i="0" kern="1200" dirty="0" smtClean="0">
-                <a:solidFill>
-                  <a:schemeClr val="tx1"/>
-                </a:solidFill>
-                <a:effectLst/>
-                <a:latin typeface="+mn-lt"/>
-                <a:ea typeface="+mn-ea"/>
-                <a:cs typeface="+mn-cs"/>
-              </a:rPr>
-              <a:t> </a:t>
-            </a:r>
-            <a:r>
-              <a:rPr lang="ru-RU" sz="1200" b="0" i="1" kern="1200" dirty="0" smtClean="0">
-                <a:solidFill>
-                  <a:schemeClr val="tx1"/>
-                </a:solidFill>
-                <a:effectLst/>
-                <a:latin typeface="+mn-lt"/>
-                <a:ea typeface="+mn-ea"/>
-                <a:cs typeface="+mn-cs"/>
-              </a:rPr>
-              <a:t>security</a:t>
-            </a:r>
-            <a:r>
-              <a:rPr lang="ru-RU" sz="1200" b="0" i="0" kern="1200" dirty="0" smtClean="0">
-                <a:solidFill>
-                  <a:schemeClr val="tx1"/>
-                </a:solidFill>
-                <a:effectLst/>
-                <a:latin typeface="+mn-lt"/>
-                <a:ea typeface="+mn-ea"/>
-                <a:cs typeface="+mn-cs"/>
-              </a:rPr>
-              <a:t>).</a:t>
-            </a:r>
-            <a:endParaRPr lang="ru-RU" sz="1200" b="0" i="0" kern="1200" dirty="0">
+              <a:t>Мышление в терминах функциональности (того, что код должен делать), приводит к подходу, когда сначала пишутся классы для проверки спецификации, которые, в свою очередь, могут оказаться очень эффективным инструментом реализации</a:t>
+            </a:r>
+            <a:endParaRPr lang="en-US" sz="1200" b="0" i="0" kern="1200" dirty="0" smtClean="0">
               <a:solidFill>
                 <a:schemeClr val="tx1"/>
               </a:solidFill>
@@ -968,6 +726,309 @@
               <a:ea typeface="+mn-ea"/>
               <a:cs typeface="+mn-cs"/>
             </a:endParaRPr>
+          </a:p>
+          <a:p>
+            <a:endParaRPr lang="en-US" sz="1200" b="0" i="0" kern="1200" dirty="0" smtClean="0">
+              <a:solidFill>
+                <a:schemeClr val="tx1"/>
+              </a:solidFill>
+              <a:effectLst/>
+              <a:latin typeface="+mn-lt"/>
+              <a:ea typeface="+mn-ea"/>
+              <a:cs typeface="+mn-cs"/>
+            </a:endParaRPr>
+          </a:p>
+          <a:p>
+            <a:r>
+              <a:rPr lang="en-US" sz="1200" b="0" i="0" kern="1200" dirty="0" smtClean="0">
+                <a:solidFill>
+                  <a:schemeClr val="tx1"/>
+                </a:solidFill>
+                <a:effectLst/>
+                <a:latin typeface="+mn-lt"/>
+                <a:ea typeface="+mn-ea"/>
+                <a:cs typeface="+mn-cs"/>
+                <a:hlinkClick r:id="rId3"/>
+              </a:rPr>
+              <a:t>BDD</a:t>
+            </a:r>
+            <a:r>
+              <a:rPr lang="en-US" sz="1200" b="0" i="0" kern="1200" dirty="0" smtClean="0">
+                <a:solidFill>
+                  <a:schemeClr val="tx1"/>
+                </a:solidFill>
+                <a:effectLst/>
+                <a:latin typeface="+mn-lt"/>
+                <a:ea typeface="+mn-ea"/>
+                <a:cs typeface="+mn-cs"/>
+              </a:rPr>
+              <a:t> aims to bridge the gap between the differing views of computer systems held by Business users and Technologists. It is deeply rooted in the success of </a:t>
+            </a:r>
+            <a:r>
+              <a:rPr lang="en-US" sz="1200" b="0" i="0" kern="1200" dirty="0" smtClean="0">
+                <a:solidFill>
+                  <a:schemeClr val="tx1"/>
+                </a:solidFill>
+                <a:effectLst/>
+                <a:latin typeface="+mn-lt"/>
+                <a:ea typeface="+mn-ea"/>
+                <a:cs typeface="+mn-cs"/>
+                <a:hlinkClick r:id="rId4"/>
+              </a:rPr>
+              <a:t>TDD</a:t>
+            </a:r>
+            <a:r>
+              <a:rPr lang="en-US" sz="1200" b="0" i="0" kern="1200" dirty="0" smtClean="0">
+                <a:solidFill>
+                  <a:schemeClr val="tx1"/>
+                </a:solidFill>
+                <a:effectLst/>
+                <a:latin typeface="+mn-lt"/>
+                <a:ea typeface="+mn-ea"/>
+                <a:cs typeface="+mn-cs"/>
+              </a:rPr>
+              <a:t> and is influenced by ideas like </a:t>
+            </a:r>
+            <a:r>
+              <a:rPr lang="en-US" sz="1200" b="0" i="0" kern="1200" dirty="0" smtClean="0">
+                <a:solidFill>
+                  <a:schemeClr val="tx1"/>
+                </a:solidFill>
+                <a:effectLst/>
+                <a:latin typeface="+mn-lt"/>
+                <a:ea typeface="+mn-ea"/>
+                <a:cs typeface="+mn-cs"/>
+                <a:hlinkClick r:id="rId5"/>
+              </a:rPr>
+              <a:t>Domain </a:t>
+            </a:r>
+            <a:r>
+              <a:rPr lang="en-US" sz="1200" b="0" i="0" kern="1200" dirty="0" smtClean="0">
+                <a:solidFill>
+                  <a:srgbClr val="FF0000"/>
+                </a:solidFill>
+                <a:effectLst/>
+                <a:latin typeface="+mn-lt"/>
+                <a:ea typeface="+mn-ea"/>
+                <a:cs typeface="+mn-cs"/>
+                <a:hlinkClick r:id="rId5"/>
+              </a:rPr>
+              <a:t>Driven</a:t>
+            </a:r>
+            <a:r>
+              <a:rPr lang="en-US" sz="1200" b="0" i="0" kern="1200" dirty="0" smtClean="0">
+                <a:solidFill>
+                  <a:schemeClr val="tx1"/>
+                </a:solidFill>
+                <a:effectLst/>
+                <a:latin typeface="+mn-lt"/>
+                <a:ea typeface="+mn-ea"/>
+                <a:cs typeface="+mn-cs"/>
+                <a:hlinkClick r:id="rId5"/>
+              </a:rPr>
+              <a:t> Design</a:t>
+            </a:r>
+            <a:r>
+              <a:rPr lang="en-US" sz="1200" b="0" i="0" kern="1200" dirty="0" smtClean="0">
+                <a:solidFill>
+                  <a:schemeClr val="tx1"/>
+                </a:solidFill>
+                <a:effectLst/>
+                <a:latin typeface="+mn-lt"/>
+                <a:ea typeface="+mn-ea"/>
+                <a:cs typeface="+mn-cs"/>
+              </a:rPr>
+              <a:t>. Its focus is on minimizing the hurdles between specification, design, implementation and confirmation of the </a:t>
+            </a:r>
+            <a:r>
+              <a:rPr lang="en-US" sz="1200" b="0" i="0" kern="1200" dirty="0" err="1" smtClean="0">
+                <a:solidFill>
+                  <a:schemeClr val="tx1"/>
+                </a:solidFill>
+                <a:effectLst/>
+                <a:latin typeface="+mn-lt"/>
+                <a:ea typeface="+mn-ea"/>
+                <a:cs typeface="+mn-cs"/>
+              </a:rPr>
+              <a:t>behaviour</a:t>
+            </a:r>
+            <a:r>
+              <a:rPr lang="en-US" sz="1200" b="0" i="0" kern="1200" dirty="0" smtClean="0">
+                <a:solidFill>
+                  <a:schemeClr val="tx1"/>
+                </a:solidFill>
+                <a:effectLst/>
+                <a:latin typeface="+mn-lt"/>
+                <a:ea typeface="+mn-ea"/>
+                <a:cs typeface="+mn-cs"/>
+              </a:rPr>
+              <a:t> of a system. Thus enabling the incremental delivery of business systems, and in particular in allowing teams new to agile development to quickly get up to speed using </a:t>
+            </a:r>
+            <a:r>
+              <a:rPr lang="en-US" sz="1200" b="0" i="0" kern="1200" dirty="0" smtClean="0">
+                <a:solidFill>
+                  <a:srgbClr val="FF0000"/>
+                </a:solidFill>
+                <a:effectLst/>
+                <a:latin typeface="+mn-lt"/>
+                <a:ea typeface="+mn-ea"/>
+                <a:cs typeface="+mn-cs"/>
+              </a:rPr>
+              <a:t>these</a:t>
+            </a:r>
+            <a:r>
+              <a:rPr lang="en-US" sz="1200" b="0" i="0" kern="1200" dirty="0" smtClean="0">
+                <a:solidFill>
+                  <a:schemeClr val="tx1"/>
+                </a:solidFill>
+                <a:effectLst/>
+                <a:latin typeface="+mn-lt"/>
+                <a:ea typeface="+mn-ea"/>
+                <a:cs typeface="+mn-cs"/>
+              </a:rPr>
+              <a:t> extremely productive techniques.</a:t>
+            </a:r>
+          </a:p>
+          <a:p>
+            <a:endParaRPr lang="en-US" sz="1200" b="0" i="0" kern="1200" dirty="0" smtClean="0">
+              <a:solidFill>
+                <a:schemeClr val="tx1"/>
+              </a:solidFill>
+              <a:effectLst/>
+              <a:latin typeface="+mn-lt"/>
+              <a:ea typeface="+mn-ea"/>
+              <a:cs typeface="+mn-cs"/>
+            </a:endParaRPr>
+          </a:p>
+          <a:p>
+            <a:r>
+              <a:rPr lang="en-US" sz="1200" b="0" i="0" kern="1200" dirty="0" smtClean="0">
+                <a:solidFill>
+                  <a:schemeClr val="tx1"/>
+                </a:solidFill>
+                <a:effectLst/>
+                <a:latin typeface="+mn-lt"/>
+                <a:ea typeface="+mn-ea"/>
+                <a:cs typeface="+mn-cs"/>
+                <a:hlinkClick r:id="rId3"/>
+              </a:rPr>
+              <a:t>BDD</a:t>
+            </a:r>
+            <a:r>
+              <a:rPr lang="en-US" sz="1200" b="0" i="0" kern="1200" dirty="0" smtClean="0">
+                <a:solidFill>
+                  <a:schemeClr val="tx1"/>
+                </a:solidFill>
+                <a:effectLst/>
+                <a:latin typeface="+mn-lt"/>
+                <a:ea typeface="+mn-ea"/>
+                <a:cs typeface="+mn-cs"/>
+              </a:rPr>
+              <a:t> relies on the use of a very specific (and small) vocabulary to minimize miscommunication and to ensure that everyone – the business, developers, testers, analysts and managers – are not only on the same page but using the same words. It must be stressed that </a:t>
+            </a:r>
+            <a:r>
+              <a:rPr lang="en-US" sz="1200" b="0" i="0" kern="1200" dirty="0" smtClean="0">
+                <a:solidFill>
+                  <a:schemeClr val="tx1"/>
+                </a:solidFill>
+                <a:effectLst/>
+                <a:latin typeface="+mn-lt"/>
+                <a:ea typeface="+mn-ea"/>
+                <a:cs typeface="+mn-cs"/>
+                <a:hlinkClick r:id="rId3"/>
+              </a:rPr>
+              <a:t>BDD</a:t>
+            </a:r>
+            <a:r>
+              <a:rPr lang="en-US" sz="1200" b="0" i="0" kern="1200" dirty="0" smtClean="0">
+                <a:solidFill>
+                  <a:schemeClr val="tx1"/>
+                </a:solidFill>
+                <a:effectLst/>
+                <a:latin typeface="+mn-lt"/>
+                <a:ea typeface="+mn-ea"/>
+                <a:cs typeface="+mn-cs"/>
+              </a:rPr>
+              <a:t> is a rephrasing of existing good practice, it is not a radically new departure. Its aim is to bring together existing, well-established techniques under a common banner and with a consistent and unambiguous terminology. In fact, </a:t>
+            </a:r>
+            <a:r>
+              <a:rPr lang="en-US" sz="1200" b="0" i="0" kern="1200" dirty="0" smtClean="0">
+                <a:solidFill>
+                  <a:schemeClr val="tx1"/>
+                </a:solidFill>
+                <a:effectLst/>
+                <a:latin typeface="+mn-lt"/>
+                <a:ea typeface="+mn-ea"/>
+                <a:cs typeface="+mn-cs"/>
+                <a:hlinkClick r:id="rId6"/>
+              </a:rPr>
+              <a:t>“Getting the Words Right”</a:t>
+            </a:r>
+            <a:r>
+              <a:rPr lang="en-US" sz="1200" b="0" i="0" kern="1200" dirty="0" smtClean="0">
+                <a:solidFill>
+                  <a:schemeClr val="tx1"/>
+                </a:solidFill>
+                <a:effectLst/>
+                <a:latin typeface="+mn-lt"/>
+                <a:ea typeface="+mn-ea"/>
+                <a:cs typeface="+mn-cs"/>
+              </a:rPr>
+              <a:t> was the starting point for the development of </a:t>
+            </a:r>
+            <a:r>
+              <a:rPr lang="en-US" sz="1200" b="0" i="0" kern="1200" dirty="0" smtClean="0">
+                <a:solidFill>
+                  <a:schemeClr val="tx1"/>
+                </a:solidFill>
+                <a:effectLst/>
+                <a:latin typeface="+mn-lt"/>
+                <a:ea typeface="+mn-ea"/>
+                <a:cs typeface="+mn-cs"/>
+                <a:hlinkClick r:id="rId3"/>
+              </a:rPr>
+              <a:t>BDD</a:t>
+            </a:r>
+            <a:r>
+              <a:rPr lang="en-US" sz="1200" b="0" i="0" kern="1200" dirty="0" smtClean="0">
+                <a:solidFill>
+                  <a:schemeClr val="tx1"/>
+                </a:solidFill>
+                <a:effectLst/>
+                <a:latin typeface="+mn-lt"/>
+                <a:ea typeface="+mn-ea"/>
+                <a:cs typeface="+mn-cs"/>
+              </a:rPr>
+              <a:t>, and is still very much at its core. </a:t>
+            </a:r>
+            <a:r>
+              <a:rPr lang="en-US" sz="1200" b="0" i="0" kern="1200" dirty="0" smtClean="0">
+                <a:solidFill>
+                  <a:schemeClr val="tx1"/>
+                </a:solidFill>
+                <a:effectLst/>
+                <a:latin typeface="+mn-lt"/>
+                <a:ea typeface="+mn-ea"/>
+                <a:cs typeface="+mn-cs"/>
+                <a:hlinkClick r:id="rId6"/>
+              </a:rPr>
+              <a:t>“Getting the Words Right”</a:t>
+            </a:r>
+            <a:r>
+              <a:rPr lang="en-US" sz="1200" b="0" i="0" kern="1200" dirty="0" smtClean="0">
+                <a:solidFill>
+                  <a:schemeClr val="tx1"/>
+                </a:solidFill>
+                <a:effectLst/>
+                <a:latin typeface="+mn-lt"/>
+                <a:ea typeface="+mn-ea"/>
+                <a:cs typeface="+mn-cs"/>
+              </a:rPr>
+              <a:t> is intended to produce a vocabulary that is accurate, accessible, descriptive and consistent.</a:t>
+            </a:r>
+          </a:p>
+          <a:p>
+            <a:endParaRPr lang="ru-RU" dirty="0"/>
           </a:p>
         </p:txBody>
       </p:sp>
@@ -997,7 +1058,7 @@
     </p:spTree>
     <p:extLst>
       <p:ext uri="{BB962C8B-B14F-4D97-AF65-F5344CB8AC3E}">
-        <p14:creationId xmlns:p14="http://schemas.microsoft.com/office/powerpoint/2010/main" val="3391406722"/>
+        <p14:creationId xmlns:p14="http://schemas.microsoft.com/office/powerpoint/2010/main" val="2202391838"/>
       </p:ext>
     </p:extLst>
   </p:cSld>
@@ -1052,7 +1113,7 @@
           <a:lstStyle/>
           <a:p>
             <a:r>
-              <a:rPr lang="ru-RU" sz="1200" b="1" i="0" kern="1200" dirty="0" smtClean="0">
+              <a:rPr lang="ru-RU" sz="1200" b="1" i="1" kern="1200" dirty="0" smtClean="0">
                 <a:solidFill>
                   <a:schemeClr val="tx1"/>
                 </a:solidFill>
@@ -1061,10 +1122,8 @@
                 <a:ea typeface="+mn-ea"/>
                 <a:cs typeface="+mn-cs"/>
               </a:rPr>
-              <a:t>Приемочное тестирование или Приемо-сдаточное испытание (Acceptance Testing)</a:t>
-            </a:r>
-          </a:p>
-          <a:p>
+              <a:t>Функциональные требования</a:t>
+            </a:r>
             <a:r>
               <a:rPr lang="ru-RU" sz="1200" b="0" i="0" kern="1200" dirty="0" smtClean="0">
                 <a:solidFill>
@@ -1075,7 +1134,7 @@
                 <a:ea typeface="+mn-ea"/>
                 <a:cs typeface="+mn-cs"/>
               </a:rPr>
-              <a:t>Формальный процесс тестирования, который проверяет соответствие системы требованиям и проводится с целью:</a:t>
+              <a:t> включают в себя:</a:t>
             </a:r>
           </a:p>
           <a:p>
@@ -1089,10 +1148,8 @@
                 <a:ea typeface="+mn-ea"/>
                 <a:cs typeface="+mn-cs"/>
               </a:rPr>
-              <a:t>определения удовлетворяет ли система приемочным критериям;</a:t>
-            </a:r>
-          </a:p>
-          <a:p>
+              <a:t>Функциональная пригодность (</a:t>
+            </a:r>
             <a:r>
               <a:rPr lang="ru-RU" sz="1200" b="0" i="0" kern="1200" dirty="0" smtClean="0">
                 <a:solidFill>
@@ -1102,11 +1159,10 @@
                 <a:latin typeface="+mn-lt"/>
                 <a:ea typeface="+mn-ea"/>
                 <a:cs typeface="+mn-cs"/>
-              </a:rPr>
-              <a:t>вынесения решения заказчиком или другим уполномоченным лицом принимается приложение или нет.</a:t>
-            </a:r>
-          </a:p>
-          <a:p>
+                <a:hlinkClick r:id="rId3" tooltip="Английский язык"/>
+              </a:rPr>
+              <a:t>англ.</a:t>
+            </a:r>
             <a:r>
               <a:rPr lang="ru-RU" sz="1200" b="0" i="0" kern="1200" dirty="0" smtClean="0">
                 <a:solidFill>
@@ -1117,10 +1173,10 @@
                 <a:ea typeface="+mn-ea"/>
                 <a:cs typeface="+mn-cs"/>
               </a:rPr>
-              <a:t>Приемочное тестирование </a:t>
-            </a:r>
-            <a:r>
-              <a:rPr lang="ru-RU" sz="1200" b="1" i="0" kern="1200" dirty="0" smtClean="0">
+              <a:t> </a:t>
+            </a:r>
+            <a:r>
+              <a:rPr lang="ru-RU" sz="1200" b="0" i="1" kern="1200" dirty="0" smtClean="0">
                 <a:solidFill>
                   <a:schemeClr val="tx1"/>
                 </a:solidFill>
@@ -1129,10 +1185,10 @@
                 <a:ea typeface="+mn-ea"/>
                 <a:cs typeface="+mn-cs"/>
               </a:rPr>
-              <a:t>выполняется на основании набора типичных </a:t>
-            </a:r>
-            <a:r>
-              <a:rPr lang="ru-RU" sz="1200" b="1" i="0" kern="1200" dirty="0" smtClean="0">
+              <a:t>suitability</a:t>
+            </a:r>
+            <a:r>
+              <a:rPr lang="ru-RU" sz="1200" b="0" i="0" kern="1200" dirty="0" smtClean="0">
                 <a:solidFill>
                   <a:schemeClr val="tx1"/>
                 </a:solidFill>
@@ -1140,12 +1196,13 @@
                 <a:latin typeface="+mn-lt"/>
                 <a:ea typeface="+mn-ea"/>
                 <a:cs typeface="+mn-cs"/>
-                <a:hlinkClick r:id="rId3"/>
-              </a:rPr>
-              <a:t>тестовых случаев</a:t>
-            </a:r>
-            <a:r>
-              <a:rPr lang="ru-RU" sz="1200" b="1" i="0" kern="1200" dirty="0" smtClean="0">
+              </a:rPr>
+              <a:t>).</a:t>
+            </a:r>
+          </a:p>
+          <a:p>
+            <a:r>
+              <a:rPr lang="ru-RU" sz="1200" b="0" i="0" kern="1200" dirty="0" smtClean="0">
                 <a:solidFill>
                   <a:schemeClr val="tx1"/>
                 </a:solidFill>
@@ -1154,7 +1211,7 @@
                 <a:ea typeface="+mn-ea"/>
                 <a:cs typeface="+mn-cs"/>
               </a:rPr>
-              <a:t> и сценариев</a:t>
+              <a:t>Точность (</a:t>
             </a:r>
             <a:r>
               <a:rPr lang="ru-RU" sz="1200" b="0" i="0" kern="1200" dirty="0" smtClean="0">
@@ -1165,10 +1222,11 @@
                 <a:latin typeface="+mn-lt"/>
                 <a:ea typeface="+mn-ea"/>
                 <a:cs typeface="+mn-cs"/>
-              </a:rPr>
-              <a:t>, разработанных на основании требований к данному приложению. </a:t>
-            </a:r>
-            <a:br>
+                <a:hlinkClick r:id="rId3" tooltip="Английский язык"/>
+              </a:rPr>
+              <a:t>англ.</a:t>
+            </a:r>
+            <a:r>
               <a:rPr lang="ru-RU" sz="1200" b="0" i="0" kern="1200" dirty="0" smtClean="0">
                 <a:solidFill>
                   <a:schemeClr val="tx1"/>
@@ -1178,9 +1236,10 @@
                 <a:ea typeface="+mn-ea"/>
                 <a:cs typeface="+mn-cs"/>
               </a:rPr>
-            </a:br>
-            <a:r>
-              <a:rPr lang="ru-RU" sz="1200" b="1" i="0" kern="1200" dirty="0" smtClean="0">
+              <a:t> </a:t>
+            </a:r>
+            <a:r>
+              <a:rPr lang="ru-RU" sz="1200" b="0" i="1" kern="1200" dirty="0" smtClean="0">
                 <a:solidFill>
                   <a:schemeClr val="tx1"/>
                 </a:solidFill>
@@ -1189,7 +1248,7 @@
                 <a:ea typeface="+mn-ea"/>
                 <a:cs typeface="+mn-cs"/>
               </a:rPr>
-              <a:t>Решение о проведении приемочного тестирования</a:t>
+              <a:t>accuracy</a:t>
             </a:r>
             <a:r>
               <a:rPr lang="ru-RU" sz="1200" b="0" i="0" kern="1200" dirty="0" smtClean="0">
@@ -1201,7 +1260,7 @@
                 <a:ea typeface="+mn-ea"/>
                 <a:cs typeface="+mn-cs"/>
               </a:rPr>
-              <a:t> принимается, когда:</a:t>
+              <a:t>).</a:t>
             </a:r>
           </a:p>
           <a:p>
@@ -1215,10 +1274,8 @@
                 <a:ea typeface="+mn-ea"/>
                 <a:cs typeface="+mn-cs"/>
               </a:rPr>
-              <a:t>продукт достиг необходимого уровня качества;</a:t>
-            </a:r>
-          </a:p>
-          <a:p>
+              <a:t>Способность к взаимодействию (</a:t>
+            </a:r>
             <a:r>
               <a:rPr lang="ru-RU" sz="1200" b="0" i="0" kern="1200" dirty="0" smtClean="0">
                 <a:solidFill>
@@ -1228,11 +1285,12 @@
                 <a:latin typeface="+mn-lt"/>
                 <a:ea typeface="+mn-ea"/>
                 <a:cs typeface="+mn-cs"/>
-              </a:rPr>
-              <a:t>заказчик ознакомлен с </a:t>
-            </a:r>
-            <a:r>
-              <a:rPr lang="ru-RU" sz="1200" b="1" i="0" kern="1200" dirty="0" smtClean="0">
+                <a:hlinkClick r:id="rId3" tooltip="Английский язык"/>
+              </a:rPr>
+              <a:t>англ.</a:t>
+            </a:r>
+            <a:r>
+              <a:rPr lang="ru-RU" sz="1200" b="0" i="0" kern="1200" dirty="0" smtClean="0">
                 <a:solidFill>
                   <a:schemeClr val="tx1"/>
                 </a:solidFill>
@@ -1241,10 +1299,10 @@
                 <a:ea typeface="+mn-ea"/>
                 <a:cs typeface="+mn-cs"/>
               </a:rPr>
-              <a:t>Планом Приемочных Работ</a:t>
-            </a:r>
-            <a:r>
-              <a:rPr lang="ru-RU" sz="1200" b="0" i="0" kern="1200" dirty="0" smtClean="0">
+              <a:t> </a:t>
+            </a:r>
+            <a:r>
+              <a:rPr lang="ru-RU" sz="1200" b="0" i="1" kern="1200" dirty="0" smtClean="0">
                 <a:solidFill>
                   <a:schemeClr val="tx1"/>
                 </a:solidFill>
@@ -1253,10 +1311,10 @@
                 <a:ea typeface="+mn-ea"/>
                 <a:cs typeface="+mn-cs"/>
               </a:rPr>
-              <a:t> (</a:t>
-            </a:r>
-            <a:r>
-              <a:rPr lang="ru-RU" sz="1200" b="1" i="0" kern="1200" dirty="0" smtClean="0">
+              <a:t>interoperability</a:t>
+            </a:r>
+            <a:r>
+              <a:rPr lang="ru-RU" sz="1200" b="0" i="0" kern="1200" dirty="0" smtClean="0">
                 <a:solidFill>
                   <a:schemeClr val="tx1"/>
                 </a:solidFill>
@@ -1265,8 +1323,10 @@
                 <a:ea typeface="+mn-ea"/>
                 <a:cs typeface="+mn-cs"/>
               </a:rPr>
-              <a:t>Product Acceptance Plan</a:t>
-            </a:r>
+              <a:t>).</a:t>
+            </a:r>
+          </a:p>
+          <a:p>
             <a:r>
               <a:rPr lang="ru-RU" sz="1200" b="0" i="0" kern="1200" dirty="0" smtClean="0">
                 <a:solidFill>
@@ -1277,12 +1337,10 @@
                 <a:ea typeface="+mn-ea"/>
                 <a:cs typeface="+mn-cs"/>
               </a:rPr>
-              <a:t>) или иным документом, где описан набор действий, связанных с проведением приемочного тестирования, дата проведения, ответственные и т.д.</a:t>
-            </a:r>
-          </a:p>
-          <a:p>
-            <a:r>
-              <a:rPr lang="ru-RU" sz="1200" b="1" i="0" kern="1200" dirty="0" smtClean="0">
+              <a:t>Соответствие стандартам и правилам (</a:t>
+            </a:r>
+            <a:r>
+              <a:rPr lang="ru-RU" sz="1200" b="0" i="0" kern="1200" dirty="0" smtClean="0">
                 <a:solidFill>
                   <a:schemeClr val="tx1"/>
                 </a:solidFill>
@@ -1290,8 +1348,9 @@
                 <a:latin typeface="+mn-lt"/>
                 <a:ea typeface="+mn-ea"/>
                 <a:cs typeface="+mn-cs"/>
-              </a:rPr>
-              <a:t>Фаза приемочного тестирования</a:t>
+                <a:hlinkClick r:id="rId3" tooltip="Английский язык"/>
+              </a:rPr>
+              <a:t>англ.</a:t>
             </a:r>
             <a:r>
               <a:rPr lang="ru-RU" sz="1200" b="0" i="0" kern="1200" dirty="0" smtClean="0">
@@ -1303,12 +1362,10 @@
                 <a:ea typeface="+mn-ea"/>
                 <a:cs typeface="+mn-cs"/>
               </a:rPr>
-              <a:t> длится до тех пор, пока заказчик не выносит решение об отправлении приложения на доработку или выдаче приложения.</a:t>
-            </a:r>
-          </a:p>
-          <a:p>
-            <a:r>
-              <a:rPr lang="ru-RU" sz="1200" b="1" i="0" kern="1200" dirty="0" smtClean="0">
+              <a:t> </a:t>
+            </a:r>
+            <a:r>
+              <a:rPr lang="ru-RU" sz="1200" b="0" i="1" kern="1200" dirty="0" smtClean="0">
                 <a:solidFill>
                   <a:schemeClr val="tx1"/>
                 </a:solidFill>
@@ -1317,7 +1374,7 @@
                 <a:ea typeface="+mn-ea"/>
                 <a:cs typeface="+mn-cs"/>
               </a:rPr>
-              <a:t>Шаблон плана приемо-сдаточных испытаний</a:t>
+              <a:t>compliance</a:t>
             </a:r>
             <a:r>
               <a:rPr lang="ru-RU" sz="1200" b="0" i="0" kern="1200" dirty="0" smtClean="0">
@@ -1329,8 +1386,10 @@
                 <a:ea typeface="+mn-ea"/>
                 <a:cs typeface="+mn-cs"/>
               </a:rPr>
-              <a:t> от RUP можно скачать, кликнув по ссылке: </a:t>
-            </a:r>
+              <a:t>).</a:t>
+            </a:r>
+          </a:p>
+          <a:p>
             <a:r>
               <a:rPr lang="ru-RU" sz="1200" b="0" i="0" kern="1200" dirty="0" smtClean="0">
                 <a:solidFill>
@@ -1340,9 +1399,57 @@
                 <a:latin typeface="+mn-lt"/>
                 <a:ea typeface="+mn-ea"/>
                 <a:cs typeface="+mn-cs"/>
-                <a:hlinkClick r:id="rId4"/>
-              </a:rPr>
-              <a:t>RUP Product Acceptance Plan</a:t>
+              </a:rPr>
+              <a:t>Защищённость (</a:t>
+            </a:r>
+            <a:r>
+              <a:rPr lang="ru-RU" sz="1200" b="0" i="0" kern="1200" dirty="0" smtClean="0">
+                <a:solidFill>
+                  <a:schemeClr val="tx1"/>
+                </a:solidFill>
+                <a:effectLst/>
+                <a:latin typeface="+mn-lt"/>
+                <a:ea typeface="+mn-ea"/>
+                <a:cs typeface="+mn-cs"/>
+                <a:hlinkClick r:id="rId3" tooltip="Английский язык"/>
+              </a:rPr>
+              <a:t>англ.</a:t>
+            </a:r>
+            <a:r>
+              <a:rPr lang="ru-RU" sz="1200" b="0" i="0" kern="1200" dirty="0" smtClean="0">
+                <a:solidFill>
+                  <a:schemeClr val="tx1"/>
+                </a:solidFill>
+                <a:effectLst/>
+                <a:latin typeface="+mn-lt"/>
+                <a:ea typeface="+mn-ea"/>
+                <a:cs typeface="+mn-cs"/>
+              </a:rPr>
+              <a:t> </a:t>
+            </a:r>
+            <a:r>
+              <a:rPr lang="ru-RU" sz="1200" b="0" i="1" kern="1200" dirty="0" smtClean="0">
+                <a:solidFill>
+                  <a:schemeClr val="tx1"/>
+                </a:solidFill>
+                <a:effectLst/>
+                <a:latin typeface="+mn-lt"/>
+                <a:ea typeface="+mn-ea"/>
+                <a:cs typeface="+mn-cs"/>
+              </a:rPr>
+              <a:t>security</a:t>
+            </a:r>
+            <a:r>
+              <a:rPr lang="ru-RU" sz="1200" b="0" i="0" kern="1200" dirty="0" smtClean="0">
+                <a:solidFill>
+                  <a:schemeClr val="tx1"/>
+                </a:solidFill>
+                <a:effectLst/>
+                <a:latin typeface="+mn-lt"/>
+                <a:ea typeface="+mn-ea"/>
+                <a:cs typeface="+mn-cs"/>
+              </a:rPr>
+              <a:t>).</a:t>
             </a:r>
             <a:endParaRPr lang="ru-RU" sz="1200" b="0" i="0" kern="1200" dirty="0">
               <a:solidFill>
@@ -1729,7 +1836,7 @@
               </a:rPr>
               <a:t>RUP Product Acceptance Plan</a:t>
             </a:r>
-            <a:endParaRPr lang="ru-RU" sz="1200" b="0" i="0" kern="1200" dirty="0" smtClean="0">
+            <a:endParaRPr lang="ru-RU" sz="1200" b="0" i="0" kern="1200" dirty="0">
               <a:solidFill>
                 <a:schemeClr val="tx1"/>
               </a:solidFill>
@@ -1738,9 +1845,6 @@
               <a:ea typeface="+mn-ea"/>
               <a:cs typeface="+mn-cs"/>
             </a:endParaRPr>
-          </a:p>
-          <a:p>
-            <a:endParaRPr lang="en-US" dirty="0"/>
           </a:p>
         </p:txBody>
       </p:sp>
@@ -1825,7 +1929,7 @@
           <a:lstStyle/>
           <a:p>
             <a:r>
-              <a:rPr lang="ru-RU" sz="1200" b="0" i="0" kern="1200" dirty="0" smtClean="0">
+              <a:rPr lang="ru-RU" sz="1200" b="1" i="0" kern="1200" dirty="0" smtClean="0">
                 <a:solidFill>
                   <a:schemeClr val="tx1"/>
                 </a:solidFill>
@@ -1834,7 +1938,7 @@
                 <a:ea typeface="+mn-ea"/>
                 <a:cs typeface="+mn-cs"/>
               </a:rPr>
-              <a:t>В настоящий момент в среде разработчиков ни один продукт не используется как стандарт для функционального тестирования web-приложений.</a:t>
+              <a:t>Приемочное тестирование или Приемо-сдаточное испытание (Acceptance Testing)</a:t>
             </a:r>
           </a:p>
           <a:p>
@@ -1848,7 +1952,7 @@
                 <a:ea typeface="+mn-ea"/>
                 <a:cs typeface="+mn-cs"/>
               </a:rPr>
-              <a:t>Существует 2 типа продуктов для функционального тестирования:</a:t>
+              <a:t>Формальный процесс тестирования, который проверяет соответствие системы требованиям и проводится с целью:</a:t>
             </a:r>
           </a:p>
           <a:p>
@@ -1862,7 +1966,7 @@
                 <a:ea typeface="+mn-ea"/>
                 <a:cs typeface="+mn-cs"/>
               </a:rPr>
-              <a:t>Продукты, эмулирующие поведение браузера, написанные на языке высокого уровня, обычно на том же языке, что и приложение (но не обязательно). В качестве примеров можно привести httpUnit, JWebUnit, WebTester из SimpleTest и другие.</a:t>
+              <a:t>определения удовлетворяет ли система приемочным критериям;</a:t>
             </a:r>
           </a:p>
           <a:p>
@@ -1876,8 +1980,10 @@
                 <a:ea typeface="+mn-ea"/>
                 <a:cs typeface="+mn-cs"/>
               </a:rPr>
-              <a:t>Продукты реализованные на JavaScript и реализующие проверки непосредственно средствами браузера. В качестве примеров можно привести </a:t>
-            </a:r>
+              <a:t>вынесения решения заказчиком или другим уполномоченным лицом принимается приложение или нет.</a:t>
+            </a:r>
+          </a:p>
+          <a:p>
             <a:r>
               <a:rPr lang="ru-RU" sz="1200" b="0" i="0" kern="1200" dirty="0" smtClean="0">
                 <a:solidFill>
@@ -1887,12 +1993,11 @@
                 <a:latin typeface="+mn-lt"/>
                 <a:ea typeface="+mn-ea"/>
                 <a:cs typeface="+mn-cs"/>
-                <a:hlinkClick r:id="rId3" tooltip="http://openqa.org/watir/"/>
-              </a:rPr>
-              <a:t>Watir</a:t>
-            </a:r>
-            <a:r>
-              <a:rPr lang="ru-RU" sz="1200" b="0" i="0" kern="1200" dirty="0" smtClean="0">
+              </a:rPr>
+              <a:t>Приемочное тестирование </a:t>
+            </a:r>
+            <a:r>
+              <a:rPr lang="ru-RU" sz="1200" b="1" i="0" kern="1200" dirty="0" smtClean="0">
                 <a:solidFill>
                   <a:schemeClr val="tx1"/>
                 </a:solidFill>
@@ -1901,10 +2006,10 @@
                 <a:ea typeface="+mn-ea"/>
                 <a:cs typeface="+mn-cs"/>
               </a:rPr>
-              <a:t> и</a:t>
-            </a:r>
-            <a:r>
-              <a:rPr lang="ru-RU" sz="1200" b="0" i="0" kern="1200" dirty="0" smtClean="0">
+              <a:t>выполняется на основании набора типичных </a:t>
+            </a:r>
+            <a:r>
+              <a:rPr lang="ru-RU" sz="1200" b="1" i="0" kern="1200" dirty="0" smtClean="0">
                 <a:solidFill>
                   <a:schemeClr val="tx1"/>
                 </a:solidFill>
@@ -1912,12 +2017,12 @@
                 <a:latin typeface="+mn-lt"/>
                 <a:ea typeface="+mn-ea"/>
                 <a:cs typeface="+mn-cs"/>
-                <a:hlinkClick r:id="rId4" tooltip="http://openqa.org/selenium/"/>
-              </a:rPr>
-              <a:t>Selenium</a:t>
-            </a:r>
-            <a:r>
-              <a:rPr lang="ru-RU" sz="1200" b="0" i="0" kern="1200" dirty="0" smtClean="0">
+                <a:hlinkClick r:id="rId3"/>
+              </a:rPr>
+              <a:t>тестовых случаев</a:t>
+            </a:r>
+            <a:r>
+              <a:rPr lang="ru-RU" sz="1200" b="1" i="0" kern="1200" dirty="0" smtClean="0">
                 <a:solidFill>
                   <a:schemeClr val="tx1"/>
                 </a:solidFill>
@@ -1926,7 +2031,7 @@
                 <a:ea typeface="+mn-ea"/>
                 <a:cs typeface="+mn-cs"/>
               </a:rPr>
-              <a:t> (</a:t>
+              <a:t> и сценариев</a:t>
             </a:r>
             <a:r>
               <a:rPr lang="ru-RU" sz="1200" b="0" i="0" kern="1200" dirty="0" smtClean="0">
@@ -1937,11 +2042,10 @@
                 <a:latin typeface="+mn-lt"/>
                 <a:ea typeface="+mn-ea"/>
                 <a:cs typeface="+mn-cs"/>
-                <a:hlinkClick r:id="rId5" tooltip="acceptance_testing:selenium"/>
-              </a:rPr>
-              <a:t>статья про Selenium</a:t>
-            </a:r>
-            <a:r>
+              </a:rPr>
+              <a:t>, разработанных на основании требований к данному приложению. </a:t>
+            </a:r>
+            <a:br>
               <a:rPr lang="ru-RU" sz="1200" b="0" i="0" kern="1200" dirty="0" smtClean="0">
                 <a:solidFill>
                   <a:schemeClr val="tx1"/>
@@ -1951,12 +2055,9 @@
                 <a:ea typeface="+mn-ea"/>
                 <a:cs typeface="+mn-cs"/>
               </a:rPr>
-              <a:t>).</a:t>
-            </a:r>
-          </a:p>
-          <a:p>
-            <a:r>
-              <a:rPr lang="ru-RU" sz="1200" b="0" i="0" kern="1200" dirty="0" smtClean="0">
+            </a:br>
+            <a:r>
+              <a:rPr lang="ru-RU" sz="1200" b="1" i="0" kern="1200" dirty="0" smtClean="0">
                 <a:solidFill>
                   <a:schemeClr val="tx1"/>
                 </a:solidFill>
@@ -1965,10 +2066,8 @@
                 <a:ea typeface="+mn-ea"/>
                 <a:cs typeface="+mn-cs"/>
               </a:rPr>
-              <a:t>Первые хорошо себя зарекомендовали, так как они могут использовать всю мощь языков программирования, использовать код, который написан для приложения, немаловажен и такой показатель как высокая скорость исполнения. Но эмуляторы браузеров не могут справиться с одной задачей – они не могут выполнять JavaScript код, который используется на страницах сайтов. Это накладывает ограничения или на процесс тестирования, или на процесс создания сайтов. То есть невозможно проверить работу сайта, как если бы это делал реальный пользователь, так как эмуляция работы браузера – вовсе не эквивалентна реальной работе браузера. Из-за этого автоматизированное тестирование приходится дополнять тестированием ручным.</a:t>
-            </a:r>
-          </a:p>
-          <a:p>
+              <a:t>Решение о проведении приемочного тестирования</a:t>
+            </a:r>
             <a:r>
               <a:rPr lang="ru-RU" sz="1200" b="0" i="0" kern="1200" dirty="0" smtClean="0">
                 <a:solidFill>
@@ -1979,8 +2078,10 @@
                 <a:ea typeface="+mn-ea"/>
                 <a:cs typeface="+mn-cs"/>
               </a:rPr>
-              <a:t>Этого недостатка лишены продукты для функционального тестирования второго типа. Они контролируют работу браузера, выполняют команды и делают проверки при помощи JavaScript-кода, что практически гарантирует 100% адекватность автоматизированного тестирования ручному. К сожалению, до недавнего времени у разработчиков не было возможности пользоваться хорошим, удобным, а главное, бесплатным продуктом второго типа. Некоторые из них были заточены только под определенные типы браузеров, некоторые были слишком ограничены по возможностям. </a:t>
-            </a:r>
+              <a:t> принимается, когда:</a:t>
+            </a:r>
+          </a:p>
+          <a:p>
             <a:r>
               <a:rPr lang="ru-RU" sz="1200" b="0" i="0" kern="1200" dirty="0" smtClean="0">
                 <a:solidFill>
@@ -1990,10 +2091,11 @@
                 <a:latin typeface="+mn-lt"/>
                 <a:ea typeface="+mn-ea"/>
                 <a:cs typeface="+mn-cs"/>
-                <a:hlinkClick r:id="rId5" tooltip="acceptance_testing:selenium"/>
-              </a:rPr>
-              <a:t>Selenium</a:t>
-            </a:r>
+              </a:rPr>
+              <a:t>продукт достиг необходимого уровня качества;</a:t>
+            </a:r>
+          </a:p>
+          <a:p>
             <a:r>
               <a:rPr lang="ru-RU" sz="1200" b="0" i="0" kern="1200" dirty="0" smtClean="0">
                 <a:solidFill>
@@ -2004,9 +2106,122 @@
                 <a:ea typeface="+mn-ea"/>
                 <a:cs typeface="+mn-cs"/>
               </a:rPr>
-              <a:t> - один на новых проектов, который возможно скоро станет настоящим стандартом для автоматизированного функционального тестирования web-приложний. Он лишен большинства недостатков продуктов второго типа и совмещает в себе положительные стороны как продуктов первой группы, так и второй.</a:t>
-            </a:r>
-            <a:endParaRPr lang="ru-RU" sz="1200" b="0" i="0" kern="1200" dirty="0">
+              <a:t>заказчик ознакомлен с </a:t>
+            </a:r>
+            <a:r>
+              <a:rPr lang="ru-RU" sz="1200" b="1" i="0" kern="1200" dirty="0" smtClean="0">
+                <a:solidFill>
+                  <a:schemeClr val="tx1"/>
+                </a:solidFill>
+                <a:effectLst/>
+                <a:latin typeface="+mn-lt"/>
+                <a:ea typeface="+mn-ea"/>
+                <a:cs typeface="+mn-cs"/>
+              </a:rPr>
+              <a:t>Планом Приемочных Работ</a:t>
+            </a:r>
+            <a:r>
+              <a:rPr lang="ru-RU" sz="1200" b="0" i="0" kern="1200" dirty="0" smtClean="0">
+                <a:solidFill>
+                  <a:schemeClr val="tx1"/>
+                </a:solidFill>
+                <a:effectLst/>
+                <a:latin typeface="+mn-lt"/>
+                <a:ea typeface="+mn-ea"/>
+                <a:cs typeface="+mn-cs"/>
+              </a:rPr>
+              <a:t> (</a:t>
+            </a:r>
+            <a:r>
+              <a:rPr lang="ru-RU" sz="1200" b="1" i="0" kern="1200" dirty="0" smtClean="0">
+                <a:solidFill>
+                  <a:schemeClr val="tx1"/>
+                </a:solidFill>
+                <a:effectLst/>
+                <a:latin typeface="+mn-lt"/>
+                <a:ea typeface="+mn-ea"/>
+                <a:cs typeface="+mn-cs"/>
+              </a:rPr>
+              <a:t>Product Acceptance Plan</a:t>
+            </a:r>
+            <a:r>
+              <a:rPr lang="ru-RU" sz="1200" b="0" i="0" kern="1200" dirty="0" smtClean="0">
+                <a:solidFill>
+                  <a:schemeClr val="tx1"/>
+                </a:solidFill>
+                <a:effectLst/>
+                <a:latin typeface="+mn-lt"/>
+                <a:ea typeface="+mn-ea"/>
+                <a:cs typeface="+mn-cs"/>
+              </a:rPr>
+              <a:t>) или иным документом, где описан набор действий, связанных с проведением приемочного тестирования, дата проведения, ответственные и т.д.</a:t>
+            </a:r>
+          </a:p>
+          <a:p>
+            <a:r>
+              <a:rPr lang="ru-RU" sz="1200" b="1" i="0" kern="1200" dirty="0" smtClean="0">
+                <a:solidFill>
+                  <a:schemeClr val="tx1"/>
+                </a:solidFill>
+                <a:effectLst/>
+                <a:latin typeface="+mn-lt"/>
+                <a:ea typeface="+mn-ea"/>
+                <a:cs typeface="+mn-cs"/>
+              </a:rPr>
+              <a:t>Фаза приемочного тестирования</a:t>
+            </a:r>
+            <a:r>
+              <a:rPr lang="ru-RU" sz="1200" b="0" i="0" kern="1200" dirty="0" smtClean="0">
+                <a:solidFill>
+                  <a:schemeClr val="tx1"/>
+                </a:solidFill>
+                <a:effectLst/>
+                <a:latin typeface="+mn-lt"/>
+                <a:ea typeface="+mn-ea"/>
+                <a:cs typeface="+mn-cs"/>
+              </a:rPr>
+              <a:t> длится до тех пор, пока заказчик не выносит решение об отправлении приложения на доработку или выдаче приложения.</a:t>
+            </a:r>
+          </a:p>
+          <a:p>
+            <a:r>
+              <a:rPr lang="ru-RU" sz="1200" b="1" i="0" kern="1200" dirty="0" smtClean="0">
+                <a:solidFill>
+                  <a:schemeClr val="tx1"/>
+                </a:solidFill>
+                <a:effectLst/>
+                <a:latin typeface="+mn-lt"/>
+                <a:ea typeface="+mn-ea"/>
+                <a:cs typeface="+mn-cs"/>
+              </a:rPr>
+              <a:t>Шаблон плана приемо-сдаточных испытаний</a:t>
+            </a:r>
+            <a:r>
+              <a:rPr lang="ru-RU" sz="1200" b="0" i="0" kern="1200" dirty="0" smtClean="0">
+                <a:solidFill>
+                  <a:schemeClr val="tx1"/>
+                </a:solidFill>
+                <a:effectLst/>
+                <a:latin typeface="+mn-lt"/>
+                <a:ea typeface="+mn-ea"/>
+                <a:cs typeface="+mn-cs"/>
+              </a:rPr>
+              <a:t> от RUP можно скачать, кликнув по ссылке: </a:t>
+            </a:r>
+            <a:r>
+              <a:rPr lang="ru-RU" sz="1200" b="0" i="0" kern="1200" dirty="0" smtClean="0">
+                <a:solidFill>
+                  <a:schemeClr val="tx1"/>
+                </a:solidFill>
+                <a:effectLst/>
+                <a:latin typeface="+mn-lt"/>
+                <a:ea typeface="+mn-ea"/>
+                <a:cs typeface="+mn-cs"/>
+                <a:hlinkClick r:id="rId4"/>
+              </a:rPr>
+              <a:t>RUP Product Acceptance Plan</a:t>
+            </a:r>
+            <a:endParaRPr lang="ru-RU" sz="1200" b="0" i="0" kern="1200" dirty="0" smtClean="0">
               <a:solidFill>
                 <a:schemeClr val="tx1"/>
               </a:solidFill>
@@ -2015,6 +2230,9 @@
               <a:ea typeface="+mn-ea"/>
               <a:cs typeface="+mn-cs"/>
             </a:endParaRPr>
+          </a:p>
+          <a:p>
+            <a:endParaRPr lang="en-US" dirty="0"/>
           </a:p>
         </p:txBody>
       </p:sp>
@@ -2098,6 +2316,188 @@
           <a:bodyPr/>
           <a:lstStyle/>
           <a:p>
+            <a:r>
+              <a:rPr lang="ru-RU" sz="1200" b="0" i="0" kern="1200" dirty="0" smtClean="0">
+                <a:solidFill>
+                  <a:schemeClr val="tx1"/>
+                </a:solidFill>
+                <a:effectLst/>
+                <a:latin typeface="+mn-lt"/>
+                <a:ea typeface="+mn-ea"/>
+                <a:cs typeface="+mn-cs"/>
+              </a:rPr>
+              <a:t>В настоящий момент в среде разработчиков ни один продукт не используется как стандарт для функционального тестирования web-приложений.</a:t>
+            </a:r>
+          </a:p>
+          <a:p>
+            <a:r>
+              <a:rPr lang="ru-RU" sz="1200" b="0" i="0" kern="1200" dirty="0" smtClean="0">
+                <a:solidFill>
+                  <a:schemeClr val="tx1"/>
+                </a:solidFill>
+                <a:effectLst/>
+                <a:latin typeface="+mn-lt"/>
+                <a:ea typeface="+mn-ea"/>
+                <a:cs typeface="+mn-cs"/>
+              </a:rPr>
+              <a:t>Существует 2 типа продуктов для функционального тестирования:</a:t>
+            </a:r>
+          </a:p>
+          <a:p>
+            <a:r>
+              <a:rPr lang="ru-RU" sz="1200" b="0" i="0" kern="1200" dirty="0" smtClean="0">
+                <a:solidFill>
+                  <a:schemeClr val="tx1"/>
+                </a:solidFill>
+                <a:effectLst/>
+                <a:latin typeface="+mn-lt"/>
+                <a:ea typeface="+mn-ea"/>
+                <a:cs typeface="+mn-cs"/>
+              </a:rPr>
+              <a:t>Продукты, эмулирующие поведение браузера, написанные на языке высокого уровня, обычно на том же языке, что и приложение (но не обязательно). В качестве примеров можно привести httpUnit, JWebUnit, WebTester из SimpleTest и другие.</a:t>
+            </a:r>
+          </a:p>
+          <a:p>
+            <a:r>
+              <a:rPr lang="ru-RU" sz="1200" b="0" i="0" kern="1200" dirty="0" smtClean="0">
+                <a:solidFill>
+                  <a:schemeClr val="tx1"/>
+                </a:solidFill>
+                <a:effectLst/>
+                <a:latin typeface="+mn-lt"/>
+                <a:ea typeface="+mn-ea"/>
+                <a:cs typeface="+mn-cs"/>
+              </a:rPr>
+              <a:t>Продукты реализованные на JavaScript и реализующие проверки непосредственно средствами браузера. В качестве примеров можно привести </a:t>
+            </a:r>
+            <a:r>
+              <a:rPr lang="ru-RU" sz="1200" b="0" i="0" kern="1200" dirty="0" smtClean="0">
+                <a:solidFill>
+                  <a:schemeClr val="tx1"/>
+                </a:solidFill>
+                <a:effectLst/>
+                <a:latin typeface="+mn-lt"/>
+                <a:ea typeface="+mn-ea"/>
+                <a:cs typeface="+mn-cs"/>
+                <a:hlinkClick r:id="rId3" tooltip="http://openqa.org/watir/"/>
+              </a:rPr>
+              <a:t>Watir</a:t>
+            </a:r>
+            <a:r>
+              <a:rPr lang="ru-RU" sz="1200" b="0" i="0" kern="1200" dirty="0" smtClean="0">
+                <a:solidFill>
+                  <a:schemeClr val="tx1"/>
+                </a:solidFill>
+                <a:effectLst/>
+                <a:latin typeface="+mn-lt"/>
+                <a:ea typeface="+mn-ea"/>
+                <a:cs typeface="+mn-cs"/>
+              </a:rPr>
+              <a:t> и</a:t>
+            </a:r>
+            <a:r>
+              <a:rPr lang="ru-RU" sz="1200" b="0" i="0" kern="1200" dirty="0" smtClean="0">
+                <a:solidFill>
+                  <a:schemeClr val="tx1"/>
+                </a:solidFill>
+                <a:effectLst/>
+                <a:latin typeface="+mn-lt"/>
+                <a:ea typeface="+mn-ea"/>
+                <a:cs typeface="+mn-cs"/>
+                <a:hlinkClick r:id="rId4" tooltip="http://openqa.org/selenium/"/>
+              </a:rPr>
+              <a:t>Selenium</a:t>
+            </a:r>
+            <a:r>
+              <a:rPr lang="ru-RU" sz="1200" b="0" i="0" kern="1200" dirty="0" smtClean="0">
+                <a:solidFill>
+                  <a:schemeClr val="tx1"/>
+                </a:solidFill>
+                <a:effectLst/>
+                <a:latin typeface="+mn-lt"/>
+                <a:ea typeface="+mn-ea"/>
+                <a:cs typeface="+mn-cs"/>
+              </a:rPr>
+              <a:t> (</a:t>
+            </a:r>
+            <a:r>
+              <a:rPr lang="ru-RU" sz="1200" b="0" i="0" kern="1200" dirty="0" smtClean="0">
+                <a:solidFill>
+                  <a:schemeClr val="tx1"/>
+                </a:solidFill>
+                <a:effectLst/>
+                <a:latin typeface="+mn-lt"/>
+                <a:ea typeface="+mn-ea"/>
+                <a:cs typeface="+mn-cs"/>
+                <a:hlinkClick r:id="rId5" tooltip="acceptance_testing:selenium"/>
+              </a:rPr>
+              <a:t>статья про Selenium</a:t>
+            </a:r>
+            <a:r>
+              <a:rPr lang="ru-RU" sz="1200" b="0" i="0" kern="1200" dirty="0" smtClean="0">
+                <a:solidFill>
+                  <a:schemeClr val="tx1"/>
+                </a:solidFill>
+                <a:effectLst/>
+                <a:latin typeface="+mn-lt"/>
+                <a:ea typeface="+mn-ea"/>
+                <a:cs typeface="+mn-cs"/>
+              </a:rPr>
+              <a:t>).</a:t>
+            </a:r>
+          </a:p>
+          <a:p>
+            <a:r>
+              <a:rPr lang="ru-RU" sz="1200" b="0" i="0" kern="1200" dirty="0" smtClean="0">
+                <a:solidFill>
+                  <a:schemeClr val="tx1"/>
+                </a:solidFill>
+                <a:effectLst/>
+                <a:latin typeface="+mn-lt"/>
+                <a:ea typeface="+mn-ea"/>
+                <a:cs typeface="+mn-cs"/>
+              </a:rPr>
+              <a:t>Первые хорошо себя зарекомендовали, так как они могут использовать всю мощь языков программирования, использовать код, который написан для приложения, немаловажен и такой показатель как высокая скорость исполнения. Но эмуляторы браузеров не могут справиться с одной задачей – они не могут выполнять JavaScript код, который используется на страницах сайтов. Это накладывает ограничения или на процесс тестирования, или на процесс создания сайтов. То есть невозможно проверить работу сайта, как если бы это делал реальный пользователь, так как эмуляция работы браузера – вовсе не эквивалентна реальной работе браузера. Из-за этого автоматизированное тестирование приходится дополнять тестированием ручным.</a:t>
+            </a:r>
+          </a:p>
+          <a:p>
+            <a:r>
+              <a:rPr lang="ru-RU" sz="1200" b="0" i="0" kern="1200" dirty="0" smtClean="0">
+                <a:solidFill>
+                  <a:schemeClr val="tx1"/>
+                </a:solidFill>
+                <a:effectLst/>
+                <a:latin typeface="+mn-lt"/>
+                <a:ea typeface="+mn-ea"/>
+                <a:cs typeface="+mn-cs"/>
+              </a:rPr>
+              <a:t>Этого недостатка лишены продукты для функционального тестирования второго типа. Они контролируют работу браузера, выполняют команды и делают проверки при помощи JavaScript-кода, что практически гарантирует 100% адекватность автоматизированного тестирования ручному. К сожалению, до недавнего времени у разработчиков не было возможности пользоваться хорошим, удобным, а главное, бесплатным продуктом второго типа. Некоторые из них были заточены только под определенные типы браузеров, некоторые были слишком ограничены по возможностям. </a:t>
+            </a:r>
+            <a:r>
+              <a:rPr lang="ru-RU" sz="1200" b="0" i="0" kern="1200" dirty="0" smtClean="0">
+                <a:solidFill>
+                  <a:schemeClr val="tx1"/>
+                </a:solidFill>
+                <a:effectLst/>
+                <a:latin typeface="+mn-lt"/>
+                <a:ea typeface="+mn-ea"/>
+                <a:cs typeface="+mn-cs"/>
+                <a:hlinkClick r:id="rId5" tooltip="acceptance_testing:selenium"/>
+              </a:rPr>
+              <a:t>Selenium</a:t>
+            </a:r>
+            <a:r>
+              <a:rPr lang="ru-RU" sz="1200" b="0" i="0" kern="1200" dirty="0" smtClean="0">
+                <a:solidFill>
+                  <a:schemeClr val="tx1"/>
+                </a:solidFill>
+                <a:effectLst/>
+                <a:latin typeface="+mn-lt"/>
+                <a:ea typeface="+mn-ea"/>
+                <a:cs typeface="+mn-cs"/>
+              </a:rPr>
+              <a:t> - один на новых проектов, который возможно скоро станет настоящим стандартом для автоматизированного функционального тестирования web-приложний. Он лишен большинства недостатков продуктов второго типа и совмещает в себе положительные стороны как продуктов первой группы, так и второй.</a:t>
+            </a:r>
             <a:endParaRPr lang="ru-RU" sz="1200" b="0" i="0" kern="1200" dirty="0">
               <a:solidFill>
                 <a:schemeClr val="tx1"/>
@@ -2282,188 +2682,6 @@
           <a:bodyPr/>
           <a:lstStyle/>
           <a:p>
-            <a:r>
-              <a:rPr lang="ru-RU" sz="1200" b="0" i="0" kern="1200" dirty="0" smtClean="0">
-                <a:solidFill>
-                  <a:schemeClr val="tx1"/>
-                </a:solidFill>
-                <a:effectLst/>
-                <a:latin typeface="+mn-lt"/>
-                <a:ea typeface="+mn-ea"/>
-                <a:cs typeface="+mn-cs"/>
-              </a:rPr>
-              <a:t>В настоящий момент в среде разработчиков ни один продукт не используется как стандарт для функционального тестирования web-приложений.</a:t>
-            </a:r>
-          </a:p>
-          <a:p>
-            <a:r>
-              <a:rPr lang="ru-RU" sz="1200" b="0" i="0" kern="1200" dirty="0" smtClean="0">
-                <a:solidFill>
-                  <a:schemeClr val="tx1"/>
-                </a:solidFill>
-                <a:effectLst/>
-                <a:latin typeface="+mn-lt"/>
-                <a:ea typeface="+mn-ea"/>
-                <a:cs typeface="+mn-cs"/>
-              </a:rPr>
-              <a:t>Существует 2 типа продуктов для функционального тестирования:</a:t>
-            </a:r>
-          </a:p>
-          <a:p>
-            <a:r>
-              <a:rPr lang="ru-RU" sz="1200" b="0" i="0" kern="1200" dirty="0" smtClean="0">
-                <a:solidFill>
-                  <a:schemeClr val="tx1"/>
-                </a:solidFill>
-                <a:effectLst/>
-                <a:latin typeface="+mn-lt"/>
-                <a:ea typeface="+mn-ea"/>
-                <a:cs typeface="+mn-cs"/>
-              </a:rPr>
-              <a:t>Продукты, эмулирующие поведение браузера, написанные на языке высокого уровня, обычно на том же языке, что и приложение (но не обязательно). В качестве примеров можно привести httpUnit, JWebUnit, WebTester из SimpleTest и другие.</a:t>
-            </a:r>
-          </a:p>
-          <a:p>
-            <a:r>
-              <a:rPr lang="ru-RU" sz="1200" b="0" i="0" kern="1200" dirty="0" smtClean="0">
-                <a:solidFill>
-                  <a:schemeClr val="tx1"/>
-                </a:solidFill>
-                <a:effectLst/>
-                <a:latin typeface="+mn-lt"/>
-                <a:ea typeface="+mn-ea"/>
-                <a:cs typeface="+mn-cs"/>
-              </a:rPr>
-              <a:t>Продукты реализованные на JavaScript и реализующие проверки непосредственно средствами браузера. В качестве примеров можно привести </a:t>
-            </a:r>
-            <a:r>
-              <a:rPr lang="ru-RU" sz="1200" b="0" i="0" kern="1200" dirty="0" smtClean="0">
-                <a:solidFill>
-                  <a:schemeClr val="tx1"/>
-                </a:solidFill>
-                <a:effectLst/>
-                <a:latin typeface="+mn-lt"/>
-                <a:ea typeface="+mn-ea"/>
-                <a:cs typeface="+mn-cs"/>
-                <a:hlinkClick r:id="rId3" tooltip="http://openqa.org/watir/"/>
-              </a:rPr>
-              <a:t>Watir</a:t>
-            </a:r>
-            <a:r>
-              <a:rPr lang="ru-RU" sz="1200" b="0" i="0" kern="1200" dirty="0" smtClean="0">
-                <a:solidFill>
-                  <a:schemeClr val="tx1"/>
-                </a:solidFill>
-                <a:effectLst/>
-                <a:latin typeface="+mn-lt"/>
-                <a:ea typeface="+mn-ea"/>
-                <a:cs typeface="+mn-cs"/>
-              </a:rPr>
-              <a:t> и</a:t>
-            </a:r>
-            <a:r>
-              <a:rPr lang="ru-RU" sz="1200" b="0" i="0" kern="1200" dirty="0" smtClean="0">
-                <a:solidFill>
-                  <a:schemeClr val="tx1"/>
-                </a:solidFill>
-                <a:effectLst/>
-                <a:latin typeface="+mn-lt"/>
-                <a:ea typeface="+mn-ea"/>
-                <a:cs typeface="+mn-cs"/>
-                <a:hlinkClick r:id="rId4" tooltip="http://openqa.org/selenium/"/>
-              </a:rPr>
-              <a:t>Selenium</a:t>
-            </a:r>
-            <a:r>
-              <a:rPr lang="ru-RU" sz="1200" b="0" i="0" kern="1200" dirty="0" smtClean="0">
-                <a:solidFill>
-                  <a:schemeClr val="tx1"/>
-                </a:solidFill>
-                <a:effectLst/>
-                <a:latin typeface="+mn-lt"/>
-                <a:ea typeface="+mn-ea"/>
-                <a:cs typeface="+mn-cs"/>
-              </a:rPr>
-              <a:t> (</a:t>
-            </a:r>
-            <a:r>
-              <a:rPr lang="ru-RU" sz="1200" b="0" i="0" kern="1200" dirty="0" smtClean="0">
-                <a:solidFill>
-                  <a:schemeClr val="tx1"/>
-                </a:solidFill>
-                <a:effectLst/>
-                <a:latin typeface="+mn-lt"/>
-                <a:ea typeface="+mn-ea"/>
-                <a:cs typeface="+mn-cs"/>
-                <a:hlinkClick r:id="rId5" tooltip="acceptance_testing:selenium"/>
-              </a:rPr>
-              <a:t>статья про Selenium</a:t>
-            </a:r>
-            <a:r>
-              <a:rPr lang="ru-RU" sz="1200" b="0" i="0" kern="1200" dirty="0" smtClean="0">
-                <a:solidFill>
-                  <a:schemeClr val="tx1"/>
-                </a:solidFill>
-                <a:effectLst/>
-                <a:latin typeface="+mn-lt"/>
-                <a:ea typeface="+mn-ea"/>
-                <a:cs typeface="+mn-cs"/>
-              </a:rPr>
-              <a:t>).</a:t>
-            </a:r>
-          </a:p>
-          <a:p>
-            <a:r>
-              <a:rPr lang="ru-RU" sz="1200" b="0" i="0" kern="1200" dirty="0" smtClean="0">
-                <a:solidFill>
-                  <a:schemeClr val="tx1"/>
-                </a:solidFill>
-                <a:effectLst/>
-                <a:latin typeface="+mn-lt"/>
-                <a:ea typeface="+mn-ea"/>
-                <a:cs typeface="+mn-cs"/>
-              </a:rPr>
-              <a:t>Первые хорошо себя зарекомендовали, так как они могут использовать всю мощь языков программирования, использовать код, который написан для приложения, немаловажен и такой показатель как высокая скорость исполнения. Но эмуляторы браузеров не могут справиться с одной задачей – они не могут выполнять JavaScript код, который используется на страницах сайтов. Это накладывает ограничения или на процесс тестирования, или на процесс создания сайтов. То есть невозможно проверить работу сайта, как если бы это делал реальный пользователь, так как эмуляция работы браузера – вовсе не эквивалентна реальной работе браузера. Из-за этого автоматизированное тестирование приходится дополнять тестированием ручным.</a:t>
-            </a:r>
-          </a:p>
-          <a:p>
-            <a:r>
-              <a:rPr lang="ru-RU" sz="1200" b="0" i="0" kern="1200" dirty="0" smtClean="0">
-                <a:solidFill>
-                  <a:schemeClr val="tx1"/>
-                </a:solidFill>
-                <a:effectLst/>
-                <a:latin typeface="+mn-lt"/>
-                <a:ea typeface="+mn-ea"/>
-                <a:cs typeface="+mn-cs"/>
-              </a:rPr>
-              <a:t>Этого недостатка лишены продукты для функционального тестирования второго типа. Они контролируют работу браузера, выполняют команды и делают проверки при помощи JavaScript-кода, что практически гарантирует 100% адекватность автоматизированного тестирования ручному. К сожалению, до недавнего времени у разработчиков не было возможности пользоваться хорошим, удобным, а главное, бесплатным продуктом второго типа. Некоторые из них были заточены только под определенные типы браузеров, некоторые были слишком ограничены по возможностям. </a:t>
-            </a:r>
-            <a:r>
-              <a:rPr lang="ru-RU" sz="1200" b="0" i="0" kern="1200" dirty="0" smtClean="0">
-                <a:solidFill>
-                  <a:schemeClr val="tx1"/>
-                </a:solidFill>
-                <a:effectLst/>
-                <a:latin typeface="+mn-lt"/>
-                <a:ea typeface="+mn-ea"/>
-                <a:cs typeface="+mn-cs"/>
-                <a:hlinkClick r:id="rId5" tooltip="acceptance_testing:selenium"/>
-              </a:rPr>
-              <a:t>Selenium</a:t>
-            </a:r>
-            <a:r>
-              <a:rPr lang="ru-RU" sz="1200" b="0" i="0" kern="1200" dirty="0" smtClean="0">
-                <a:solidFill>
-                  <a:schemeClr val="tx1"/>
-                </a:solidFill>
-                <a:effectLst/>
-                <a:latin typeface="+mn-lt"/>
-                <a:ea typeface="+mn-ea"/>
-                <a:cs typeface="+mn-cs"/>
-              </a:rPr>
-              <a:t> - один на новых проектов, который возможно скоро станет настоящим стандартом для автоматизированного функционального тестирования web-приложний. Он лишен большинства недостатков продуктов второго типа и совмещает в себе положительные стороны как продуктов первой группы, так и второй.</a:t>
-            </a:r>
             <a:endParaRPr lang="ru-RU" sz="1200" b="0" i="0" kern="1200" dirty="0">
               <a:solidFill>
                 <a:schemeClr val="tx1"/>
@@ -2556,7 +2774,197 @@
           <a:bodyPr/>
           <a:lstStyle/>
           <a:p>
-            <a:endParaRPr lang="ru-RU" dirty="0"/>
+            <a:r>
+              <a:rPr lang="ru-RU" sz="1200" b="0" i="0" kern="1200" dirty="0" smtClean="0">
+                <a:solidFill>
+                  <a:schemeClr val="tx1"/>
+                </a:solidFill>
+                <a:effectLst/>
+                <a:latin typeface="+mn-lt"/>
+                <a:ea typeface="+mn-ea"/>
+                <a:cs typeface="+mn-cs"/>
+              </a:rPr>
+              <a:t>В настоящий момент в среде разработчиков ни один продукт не используется как стандарт для функционального тестирования web-приложений.</a:t>
+            </a:r>
+          </a:p>
+          <a:p>
+            <a:r>
+              <a:rPr lang="ru-RU" sz="1200" b="0" i="0" kern="1200" dirty="0" smtClean="0">
+                <a:solidFill>
+                  <a:schemeClr val="tx1"/>
+                </a:solidFill>
+                <a:effectLst/>
+                <a:latin typeface="+mn-lt"/>
+                <a:ea typeface="+mn-ea"/>
+                <a:cs typeface="+mn-cs"/>
+              </a:rPr>
+              <a:t>Существует 2 типа продуктов для функционального тестирования:</a:t>
+            </a:r>
+          </a:p>
+          <a:p>
+            <a:r>
+              <a:rPr lang="ru-RU" sz="1200" b="0" i="0" kern="1200" dirty="0" smtClean="0">
+                <a:solidFill>
+                  <a:schemeClr val="tx1"/>
+                </a:solidFill>
+                <a:effectLst/>
+                <a:latin typeface="+mn-lt"/>
+                <a:ea typeface="+mn-ea"/>
+                <a:cs typeface="+mn-cs"/>
+              </a:rPr>
+              <a:t>Продукты, эмулирующие поведение браузера, написанные на языке высокого уровня, обычно на том же языке, что и приложение (но не обязательно). В качестве примеров можно привести httpUnit, JWebUnit, WebTester из SimpleTest и другие.</a:t>
+            </a:r>
+          </a:p>
+          <a:p>
+            <a:r>
+              <a:rPr lang="ru-RU" sz="1200" b="0" i="0" kern="1200" dirty="0" smtClean="0">
+                <a:solidFill>
+                  <a:schemeClr val="tx1"/>
+                </a:solidFill>
+                <a:effectLst/>
+                <a:latin typeface="+mn-lt"/>
+                <a:ea typeface="+mn-ea"/>
+                <a:cs typeface="+mn-cs"/>
+              </a:rPr>
+              <a:t>Продукты реализованные на JavaScript и реализующие проверки непосредственно средствами браузера. В качестве примеров можно привести </a:t>
+            </a:r>
+            <a:r>
+              <a:rPr lang="ru-RU" sz="1200" b="0" i="0" kern="1200" dirty="0" smtClean="0">
+                <a:solidFill>
+                  <a:schemeClr val="tx1"/>
+                </a:solidFill>
+                <a:effectLst/>
+                <a:latin typeface="+mn-lt"/>
+                <a:ea typeface="+mn-ea"/>
+                <a:cs typeface="+mn-cs"/>
+                <a:hlinkClick r:id="rId3" tooltip="http://openqa.org/watir/"/>
+              </a:rPr>
+              <a:t>Watir</a:t>
+            </a:r>
+            <a:r>
+              <a:rPr lang="ru-RU" sz="1200" b="0" i="0" kern="1200" dirty="0" smtClean="0">
+                <a:solidFill>
+                  <a:schemeClr val="tx1"/>
+                </a:solidFill>
+                <a:effectLst/>
+                <a:latin typeface="+mn-lt"/>
+                <a:ea typeface="+mn-ea"/>
+                <a:cs typeface="+mn-cs"/>
+              </a:rPr>
+              <a:t> и</a:t>
+            </a:r>
+            <a:r>
+              <a:rPr lang="ru-RU" sz="1200" b="0" i="0" kern="1200" dirty="0" smtClean="0">
+                <a:solidFill>
+                  <a:schemeClr val="tx1"/>
+                </a:solidFill>
+                <a:effectLst/>
+                <a:latin typeface="+mn-lt"/>
+                <a:ea typeface="+mn-ea"/>
+                <a:cs typeface="+mn-cs"/>
+                <a:hlinkClick r:id="rId4" tooltip="http://openqa.org/selenium/"/>
+              </a:rPr>
+              <a:t>Selenium</a:t>
+            </a:r>
+            <a:r>
+              <a:rPr lang="ru-RU" sz="1200" b="0" i="0" kern="1200" dirty="0" smtClean="0">
+                <a:solidFill>
+                  <a:schemeClr val="tx1"/>
+                </a:solidFill>
+                <a:effectLst/>
+                <a:latin typeface="+mn-lt"/>
+                <a:ea typeface="+mn-ea"/>
+                <a:cs typeface="+mn-cs"/>
+              </a:rPr>
+              <a:t> (</a:t>
+            </a:r>
+            <a:r>
+              <a:rPr lang="ru-RU" sz="1200" b="0" i="0" kern="1200" dirty="0" smtClean="0">
+                <a:solidFill>
+                  <a:schemeClr val="tx1"/>
+                </a:solidFill>
+                <a:effectLst/>
+                <a:latin typeface="+mn-lt"/>
+                <a:ea typeface="+mn-ea"/>
+                <a:cs typeface="+mn-cs"/>
+                <a:hlinkClick r:id="rId5" tooltip="acceptance_testing:selenium"/>
+              </a:rPr>
+              <a:t>статья про Selenium</a:t>
+            </a:r>
+            <a:r>
+              <a:rPr lang="ru-RU" sz="1200" b="0" i="0" kern="1200" dirty="0" smtClean="0">
+                <a:solidFill>
+                  <a:schemeClr val="tx1"/>
+                </a:solidFill>
+                <a:effectLst/>
+                <a:latin typeface="+mn-lt"/>
+                <a:ea typeface="+mn-ea"/>
+                <a:cs typeface="+mn-cs"/>
+              </a:rPr>
+              <a:t>).</a:t>
+            </a:r>
+          </a:p>
+          <a:p>
+            <a:r>
+              <a:rPr lang="ru-RU" sz="1200" b="0" i="0" kern="1200" dirty="0" smtClean="0">
+                <a:solidFill>
+                  <a:schemeClr val="tx1"/>
+                </a:solidFill>
+                <a:effectLst/>
+                <a:latin typeface="+mn-lt"/>
+                <a:ea typeface="+mn-ea"/>
+                <a:cs typeface="+mn-cs"/>
+              </a:rPr>
+              <a:t>Первые хорошо себя зарекомендовали, так как они могут использовать всю мощь языков программирования, использовать код, который написан для приложения, немаловажен и такой показатель как высокая скорость исполнения. Но эмуляторы браузеров не могут справиться с одной задачей – они не могут выполнять JavaScript код, который используется на страницах сайтов. Это накладывает ограничения или на процесс тестирования, или на процесс создания сайтов. То есть невозможно проверить работу сайта, как если бы это делал реальный пользователь, так как эмуляция работы браузера – вовсе не эквивалентна реальной работе браузера. Из-за этого автоматизированное тестирование приходится дополнять тестированием ручным.</a:t>
+            </a:r>
+          </a:p>
+          <a:p>
+            <a:r>
+              <a:rPr lang="ru-RU" sz="1200" b="0" i="0" kern="1200" dirty="0" smtClean="0">
+                <a:solidFill>
+                  <a:schemeClr val="tx1"/>
+                </a:solidFill>
+                <a:effectLst/>
+                <a:latin typeface="+mn-lt"/>
+                <a:ea typeface="+mn-ea"/>
+                <a:cs typeface="+mn-cs"/>
+              </a:rPr>
+              <a:t>Этого недостатка лишены продукты для функционального тестирования второго типа. Они контролируют работу браузера, выполняют команды и делают проверки при помощи JavaScript-кода, что практически гарантирует 100% адекватность автоматизированного тестирования ручному. К сожалению, до недавнего времени у разработчиков не было возможности пользоваться хорошим, удобным, а главное, бесплатным продуктом второго типа. Некоторые из них были заточены только под определенные типы браузеров, некоторые были слишком ограничены по возможностям. </a:t>
+            </a:r>
+            <a:r>
+              <a:rPr lang="ru-RU" sz="1200" b="0" i="0" kern="1200" dirty="0" smtClean="0">
+                <a:solidFill>
+                  <a:schemeClr val="tx1"/>
+                </a:solidFill>
+                <a:effectLst/>
+                <a:latin typeface="+mn-lt"/>
+                <a:ea typeface="+mn-ea"/>
+                <a:cs typeface="+mn-cs"/>
+                <a:hlinkClick r:id="rId5" tooltip="acceptance_testing:selenium"/>
+              </a:rPr>
+              <a:t>Selenium</a:t>
+            </a:r>
+            <a:r>
+              <a:rPr lang="ru-RU" sz="1200" b="0" i="0" kern="1200" dirty="0" smtClean="0">
+                <a:solidFill>
+                  <a:schemeClr val="tx1"/>
+                </a:solidFill>
+                <a:effectLst/>
+                <a:latin typeface="+mn-lt"/>
+                <a:ea typeface="+mn-ea"/>
+                <a:cs typeface="+mn-cs"/>
+              </a:rPr>
+              <a:t> - один на новых проектов, который возможно скоро станет настоящим стандартом для автоматизированного функционального тестирования web-приложний. Он лишен большинства недостатков продуктов второго типа и совмещает в себе положительные стороны как продуктов первой группы, так и второй.</a:t>
+            </a:r>
+            <a:endParaRPr lang="ru-RU" sz="1200" b="0" i="0" kern="1200" dirty="0">
+              <a:solidFill>
+                <a:schemeClr val="tx1"/>
+              </a:solidFill>
+              <a:effectLst/>
+              <a:latin typeface="+mn-lt"/>
+              <a:ea typeface="+mn-ea"/>
+              <a:cs typeface="+mn-cs"/>
+            </a:endParaRPr>
           </a:p>
         </p:txBody>
       </p:sp>
@@ -2577,7 +2985,7 @@
           <a:p>
             <a:fld id="{3A3568CC-110C-4346-A0AE-B1FBECAA9176}" type="slidenum">
               <a:rPr lang="en-US" smtClean="0"/>
-              <a:t>11</a:t>
+              <a:t>10</a:t>
             </a:fld>
             <a:endParaRPr lang="en-US"/>
           </a:p>
@@ -2586,7 +2994,7 @@
     </p:spTree>
     <p:extLst>
       <p:ext uri="{BB962C8B-B14F-4D97-AF65-F5344CB8AC3E}">
-        <p14:creationId xmlns:p14="http://schemas.microsoft.com/office/powerpoint/2010/main" val="2205010114"/>
+        <p14:creationId xmlns:p14="http://schemas.microsoft.com/office/powerpoint/2010/main" val="3391406722"/>
       </p:ext>
     </p:extLst>
   </p:cSld>
@@ -2647,14 +3055,14 @@
             <a:noFill/>
           </a:ln>
           <a:extLst>
-            <a:ext uri="{909E8E84-426E-40DD-AFC4-6F175D3DCCD1}">
+            <a:ext uri="{909E8E84-426E-40dd-AFC4-6F175D3DCCD1}">
               <a14:hiddenFill xmlns:a14="http://schemas.microsoft.com/office/drawing/2010/main">
                 <a:solidFill>
                   <a:srgbClr val="FFFFFF"/>
                 </a:solidFill>
               </a14:hiddenFill>
             </a:ext>
-            <a:ext uri="{91240B29-F687-4F45-9708-019B960494DF}">
+            <a:ext uri="{91240B29-F687-4f45-9708-019B960494DF}">
               <a14:hiddenLine xmlns:a14="http://schemas.microsoft.com/office/drawing/2010/main" w="9525">
                 <a:solidFill>
                   <a:srgbClr val="000000"/>
@@ -2701,14 +3109,14 @@
             <a:noFill/>
           </a:ln>
           <a:extLst>
-            <a:ext uri="{909E8E84-426E-40DD-AFC4-6F175D3DCCD1}">
+            <a:ext uri="{909E8E84-426E-40dd-AFC4-6F175D3DCCD1}">
               <a14:hiddenFill xmlns:a14="http://schemas.microsoft.com/office/drawing/2010/main">
                 <a:solidFill>
                   <a:srgbClr val="FFFFFF"/>
                 </a:solidFill>
               </a14:hiddenFill>
             </a:ext>
-            <a:ext uri="{91240B29-F687-4F45-9708-019B960494DF}">
+            <a:ext uri="{91240B29-F687-4f45-9708-019B960494DF}">
               <a14:hiddenLine xmlns:a14="http://schemas.microsoft.com/office/drawing/2010/main" w="9525">
                 <a:solidFill>
                   <a:srgbClr val="000000"/>
@@ -2803,7 +3211,7 @@
   <p:clrMapOvr>
     <a:masterClrMapping/>
   </p:clrMapOvr>
-  <p:transition spd="slow">
+  <p:transition xmlns:p14="http://schemas.microsoft.com/office/powerpoint/2010/main" spd="slow">
     <p:fade/>
   </p:transition>
 </p:sldLayout>
@@ -3213,7 +3621,7 @@
   <p:clrMapOvr>
     <a:masterClrMapping/>
   </p:clrMapOvr>
-  <p:transition spd="slow">
+  <p:transition xmlns:p14="http://schemas.microsoft.com/office/powerpoint/2010/main" spd="slow">
     <p:fade/>
   </p:transition>
 </p:sldLayout>
@@ -3538,7 +3946,7 @@
   <p:clrMapOvr>
     <a:masterClrMapping/>
   </p:clrMapOvr>
-  <p:transition spd="slow">
+  <p:transition xmlns:p14="http://schemas.microsoft.com/office/powerpoint/2010/main" spd="slow">
     <p:fade/>
   </p:transition>
 </p:sldLayout>
@@ -3863,7 +4271,7 @@
   <p:clrMapOvr>
     <a:masterClrMapping/>
   </p:clrMapOvr>
-  <p:transition spd="slow">
+  <p:transition xmlns:p14="http://schemas.microsoft.com/office/powerpoint/2010/main" spd="slow">
     <p:fade/>
   </p:transition>
 </p:sldLayout>
@@ -4273,7 +4681,7 @@
   <p:clrMapOvr>
     <a:masterClrMapping/>
   </p:clrMapOvr>
-  <p:transition spd="slow">
+  <p:transition xmlns:p14="http://schemas.microsoft.com/office/powerpoint/2010/main" spd="slow">
     <p:fade/>
   </p:transition>
 </p:sldLayout>
@@ -4683,7 +5091,7 @@
   <p:clrMapOvr>
     <a:masterClrMapping/>
   </p:clrMapOvr>
-  <p:transition spd="slow">
+  <p:transition xmlns:p14="http://schemas.microsoft.com/office/powerpoint/2010/main" spd="slow">
     <p:fade/>
   </p:transition>
 </p:sldLayout>
@@ -4875,7 +5283,7 @@
   <p:clrMapOvr>
     <a:masterClrMapping/>
   </p:clrMapOvr>
-  <p:transition spd="slow">
+  <p:transition xmlns:p14="http://schemas.microsoft.com/office/powerpoint/2010/main" spd="slow">
     <p:fade/>
   </p:transition>
 </p:sldLayout>
@@ -4961,7 +5369,7 @@
   <p:clrMapOvr>
     <a:masterClrMapping/>
   </p:clrMapOvr>
-  <p:transition spd="slow">
+  <p:transition xmlns:p14="http://schemas.microsoft.com/office/powerpoint/2010/main" spd="slow">
     <p:fade/>
   </p:transition>
 </p:sldLayout>
@@ -5115,7 +5523,7 @@
                   <a:spcPct val="0"/>
                 </a:spcAft>
               </a:pPr>
-              <a:t>07.12.2012</a:t>
+              <a:t>12/21/12</a:t>
             </a:fld>
             <a:endParaRPr lang="ru-RU">
               <a:solidFill>
@@ -5285,7 +5693,7 @@
   <p:clrMapOvr>
     <a:masterClrMapping/>
   </p:clrMapOvr>
-  <p:transition spd="slow">
+  <p:transition xmlns:p14="http://schemas.microsoft.com/office/powerpoint/2010/main" spd="slow">
     <p:fade/>
   </p:transition>
 </p:sldLayout>
@@ -5645,7 +6053,7 @@
   <p:clrMapOvr>
     <a:masterClrMapping/>
   </p:clrMapOvr>
-  <p:transition spd="slow">
+  <p:transition xmlns:p14="http://schemas.microsoft.com/office/powerpoint/2010/main" spd="slow">
     <p:fade/>
   </p:transition>
 </p:sldLayout>
@@ -5702,14 +6110,14 @@
             <a:noFill/>
           </a:ln>
           <a:extLst>
-            <a:ext uri="{909E8E84-426E-40DD-AFC4-6F175D3DCCD1}">
+            <a:ext uri="{909E8E84-426E-40dd-AFC4-6F175D3DCCD1}">
               <a14:hiddenFill xmlns:a14="http://schemas.microsoft.com/office/drawing/2010/main">
                 <a:solidFill>
                   <a:srgbClr val="FFFFFF"/>
                 </a:solidFill>
               </a14:hiddenFill>
             </a:ext>
-            <a:ext uri="{91240B29-F687-4F45-9708-019B960494DF}">
+            <a:ext uri="{91240B29-F687-4f45-9708-019B960494DF}">
               <a14:hiddenLine xmlns:a14="http://schemas.microsoft.com/office/drawing/2010/main" w="9525">
                 <a:solidFill>
                   <a:srgbClr val="000000"/>
@@ -5845,14 +6253,14 @@
             <a:noFill/>
           </a:ln>
           <a:extLst>
-            <a:ext uri="{909E8E84-426E-40DD-AFC4-6F175D3DCCD1}">
+            <a:ext uri="{909E8E84-426E-40dd-AFC4-6F175D3DCCD1}">
               <a14:hiddenFill xmlns:a14="http://schemas.microsoft.com/office/drawing/2010/main">
                 <a:solidFill>
                   <a:srgbClr val="FFFFFF"/>
                 </a:solidFill>
               </a14:hiddenFill>
             </a:ext>
-            <a:ext uri="{91240B29-F687-4F45-9708-019B960494DF}">
+            <a:ext uri="{91240B29-F687-4f45-9708-019B960494DF}">
               <a14:hiddenLine xmlns:a14="http://schemas.microsoft.com/office/drawing/2010/main" w="9525">
                 <a:solidFill>
                   <a:srgbClr val="000000"/>
@@ -5899,14 +6307,14 @@
             <a:noFill/>
           </a:ln>
           <a:extLst>
-            <a:ext uri="{909E8E84-426E-40DD-AFC4-6F175D3DCCD1}">
+            <a:ext uri="{909E8E84-426E-40dd-AFC4-6F175D3DCCD1}">
               <a14:hiddenFill xmlns:a14="http://schemas.microsoft.com/office/drawing/2010/main">
                 <a:solidFill>
                   <a:srgbClr val="FFFFFF"/>
                 </a:solidFill>
               </a14:hiddenFill>
             </a:ext>
-            <a:ext uri="{91240B29-F687-4F45-9708-019B960494DF}">
+            <a:ext uri="{91240B29-F687-4f45-9708-019B960494DF}">
               <a14:hiddenLine xmlns:a14="http://schemas.microsoft.com/office/drawing/2010/main" w="9525">
                 <a:solidFill>
                   <a:srgbClr val="000000"/>
@@ -6175,7 +6583,7 @@
   <p:clrMapOvr>
     <a:masterClrMapping/>
   </p:clrMapOvr>
-  <p:transition>
+  <p:transition xmlns:p14="http://schemas.microsoft.com/office/powerpoint/2010/main">
     <p:zoom/>
   </p:transition>
 </p:sldLayout>
@@ -6404,7 +6812,7 @@
   <p:clrMapOvr>
     <a:masterClrMapping/>
   </p:clrMapOvr>
-  <p:transition spd="slow">
+  <p:transition xmlns:p14="http://schemas.microsoft.com/office/powerpoint/2010/main" spd="slow">
     <p:fade/>
   </p:transition>
 </p:sldLayout>
@@ -6461,14 +6869,14 @@
             <a:noFill/>
           </a:ln>
           <a:extLst>
-            <a:ext uri="{909E8E84-426E-40DD-AFC4-6F175D3DCCD1}">
+            <a:ext uri="{909E8E84-426E-40dd-AFC4-6F175D3DCCD1}">
               <a14:hiddenFill xmlns:a14="http://schemas.microsoft.com/office/drawing/2010/main">
                 <a:solidFill>
                   <a:srgbClr val="FFFFFF"/>
                 </a:solidFill>
               </a14:hiddenFill>
             </a:ext>
-            <a:ext uri="{91240B29-F687-4F45-9708-019B960494DF}">
+            <a:ext uri="{91240B29-F687-4f45-9708-019B960494DF}">
               <a14:hiddenLine xmlns:a14="http://schemas.microsoft.com/office/drawing/2010/main" w="9525">
                 <a:solidFill>
                   <a:srgbClr val="000000"/>
@@ -6604,14 +7012,14 @@
             <a:noFill/>
           </a:ln>
           <a:extLst>
-            <a:ext uri="{909E8E84-426E-40DD-AFC4-6F175D3DCCD1}">
+            <a:ext uri="{909E8E84-426E-40dd-AFC4-6F175D3DCCD1}">
               <a14:hiddenFill xmlns:a14="http://schemas.microsoft.com/office/drawing/2010/main">
                 <a:solidFill>
                   <a:srgbClr val="FFFFFF"/>
                 </a:solidFill>
               </a14:hiddenFill>
             </a:ext>
-            <a:ext uri="{91240B29-F687-4F45-9708-019B960494DF}">
+            <a:ext uri="{91240B29-F687-4f45-9708-019B960494DF}">
               <a14:hiddenLine xmlns:a14="http://schemas.microsoft.com/office/drawing/2010/main" w="9525">
                 <a:solidFill>
                   <a:srgbClr val="000000"/>
@@ -6658,14 +7066,14 @@
             <a:noFill/>
           </a:ln>
           <a:extLst>
-            <a:ext uri="{909E8E84-426E-40DD-AFC4-6F175D3DCCD1}">
+            <a:ext uri="{909E8E84-426E-40dd-AFC4-6F175D3DCCD1}">
               <a14:hiddenFill xmlns:a14="http://schemas.microsoft.com/office/drawing/2010/main">
                 <a:solidFill>
                   <a:srgbClr val="FFFFFF"/>
                 </a:solidFill>
               </a14:hiddenFill>
             </a:ext>
-            <a:ext uri="{91240B29-F687-4F45-9708-019B960494DF}">
+            <a:ext uri="{91240B29-F687-4f45-9708-019B960494DF}">
               <a14:hiddenLine xmlns:a14="http://schemas.microsoft.com/office/drawing/2010/main" w="9525">
                 <a:solidFill>
                   <a:srgbClr val="000000"/>
@@ -6934,7 +7342,7 @@
   <p:clrMapOvr>
     <a:masterClrMapping/>
   </p:clrMapOvr>
-  <p:transition>
+  <p:transition xmlns:p14="http://schemas.microsoft.com/office/powerpoint/2010/main">
     <p:zoom/>
   </p:transition>
 </p:sldLayout>
@@ -6991,14 +7399,14 @@
             <a:noFill/>
           </a:ln>
           <a:extLst>
-            <a:ext uri="{909E8E84-426E-40DD-AFC4-6F175D3DCCD1}">
+            <a:ext uri="{909E8E84-426E-40dd-AFC4-6F175D3DCCD1}">
               <a14:hiddenFill xmlns:a14="http://schemas.microsoft.com/office/drawing/2010/main">
                 <a:solidFill>
                   <a:srgbClr val="FFFFFF"/>
                 </a:solidFill>
               </a14:hiddenFill>
             </a:ext>
-            <a:ext uri="{91240B29-F687-4F45-9708-019B960494DF}">
+            <a:ext uri="{91240B29-F687-4f45-9708-019B960494DF}">
               <a14:hiddenLine xmlns:a14="http://schemas.microsoft.com/office/drawing/2010/main" w="9525">
                 <a:solidFill>
                   <a:srgbClr val="000000"/>
@@ -7134,14 +7542,14 @@
             <a:noFill/>
           </a:ln>
           <a:extLst>
-            <a:ext uri="{909E8E84-426E-40DD-AFC4-6F175D3DCCD1}">
+            <a:ext uri="{909E8E84-426E-40dd-AFC4-6F175D3DCCD1}">
               <a14:hiddenFill xmlns:a14="http://schemas.microsoft.com/office/drawing/2010/main">
                 <a:solidFill>
                   <a:srgbClr val="FFFFFF"/>
                 </a:solidFill>
               </a14:hiddenFill>
             </a:ext>
-            <a:ext uri="{91240B29-F687-4F45-9708-019B960494DF}">
+            <a:ext uri="{91240B29-F687-4f45-9708-019B960494DF}">
               <a14:hiddenLine xmlns:a14="http://schemas.microsoft.com/office/drawing/2010/main" w="9525">
                 <a:solidFill>
                   <a:srgbClr val="000000"/>
@@ -7188,14 +7596,14 @@
             <a:noFill/>
           </a:ln>
           <a:extLst>
-            <a:ext uri="{909E8E84-426E-40DD-AFC4-6F175D3DCCD1}">
+            <a:ext uri="{909E8E84-426E-40dd-AFC4-6F175D3DCCD1}">
               <a14:hiddenFill xmlns:a14="http://schemas.microsoft.com/office/drawing/2010/main">
                 <a:solidFill>
                   <a:srgbClr val="FFFFFF"/>
                 </a:solidFill>
               </a14:hiddenFill>
             </a:ext>
-            <a:ext uri="{91240B29-F687-4F45-9708-019B960494DF}">
+            <a:ext uri="{91240B29-F687-4f45-9708-019B960494DF}">
               <a14:hiddenLine xmlns:a14="http://schemas.microsoft.com/office/drawing/2010/main" w="9525">
                 <a:solidFill>
                   <a:srgbClr val="000000"/>
@@ -7464,7 +7872,7 @@
   <p:clrMapOvr>
     <a:masterClrMapping/>
   </p:clrMapOvr>
-  <p:transition>
+  <p:transition xmlns:p14="http://schemas.microsoft.com/office/powerpoint/2010/main">
     <p:zoom/>
   </p:transition>
   <p:hf hdr="0" ftr="0" dt="0"/>
@@ -7576,14 +7984,14 @@
             <a:noFill/>
           </a:ln>
           <a:extLst>
-            <a:ext uri="{909E8E84-426E-40DD-AFC4-6F175D3DCCD1}">
+            <a:ext uri="{909E8E84-426E-40dd-AFC4-6F175D3DCCD1}">
               <a14:hiddenFill xmlns:a14="http://schemas.microsoft.com/office/drawing/2010/main">
                 <a:solidFill>
                   <a:srgbClr val="FFFFFF"/>
                 </a:solidFill>
               </a14:hiddenFill>
             </a:ext>
-            <a:ext uri="{91240B29-F687-4F45-9708-019B960494DF}">
+            <a:ext uri="{91240B29-F687-4f45-9708-019B960494DF}">
               <a14:hiddenLine xmlns:a14="http://schemas.microsoft.com/office/drawing/2010/main" w="9525">
                 <a:solidFill>
                   <a:srgbClr val="000000"/>
@@ -7630,14 +8038,14 @@
             <a:noFill/>
           </a:ln>
           <a:extLst>
-            <a:ext uri="{909E8E84-426E-40DD-AFC4-6F175D3DCCD1}">
+            <a:ext uri="{909E8E84-426E-40dd-AFC4-6F175D3DCCD1}">
               <a14:hiddenFill xmlns:a14="http://schemas.microsoft.com/office/drawing/2010/main">
                 <a:solidFill>
                   <a:srgbClr val="FFFFFF"/>
                 </a:solidFill>
               </a14:hiddenFill>
             </a:ext>
-            <a:ext uri="{91240B29-F687-4F45-9708-019B960494DF}">
+            <a:ext uri="{91240B29-F687-4f45-9708-019B960494DF}">
               <a14:hiddenLine xmlns:a14="http://schemas.microsoft.com/office/drawing/2010/main" w="9525">
                 <a:solidFill>
                   <a:srgbClr val="000000"/>
@@ -7741,14 +8149,14 @@
             <a:noFill/>
           </a:ln>
           <a:extLst>
-            <a:ext uri="{909E8E84-426E-40DD-AFC4-6F175D3DCCD1}">
+            <a:ext uri="{909E8E84-426E-40dd-AFC4-6F175D3DCCD1}">
               <a14:hiddenFill xmlns:a14="http://schemas.microsoft.com/office/drawing/2010/main">
                 <a:solidFill>
                   <a:srgbClr val="FFFFFF"/>
                 </a:solidFill>
               </a14:hiddenFill>
             </a:ext>
-            <a:ext uri="{91240B29-F687-4F45-9708-019B960494DF}">
+            <a:ext uri="{91240B29-F687-4f45-9708-019B960494DF}">
               <a14:hiddenLine xmlns:a14="http://schemas.microsoft.com/office/drawing/2010/main" w="9525">
                 <a:solidFill>
                   <a:srgbClr val="000000"/>
@@ -7860,7 +8268,7 @@
   <p:clrMapOvr>
     <a:masterClrMapping/>
   </p:clrMapOvr>
-  <p:transition>
+  <p:transition xmlns:p14="http://schemas.microsoft.com/office/powerpoint/2010/main">
     <p:zoom/>
   </p:transition>
   <p:hf hdr="0" ftr="0" dt="0"/>
@@ -7974,7 +8382,7 @@
   <p:clrMapOvr>
     <a:masterClrMapping/>
   </p:clrMapOvr>
-  <p:transition>
+  <p:transition xmlns:p14="http://schemas.microsoft.com/office/powerpoint/2010/main">
     <p:zoom/>
   </p:transition>
   <p:hf hdr="0" ftr="0" dt="0"/>
@@ -9251,7 +9659,7 @@
   <p:clrMapOvr>
     <a:masterClrMapping/>
   </p:clrMapOvr>
-  <p:transition>
+  <p:transition xmlns:p14="http://schemas.microsoft.com/office/powerpoint/2010/main">
     <p:zoom/>
   </p:transition>
   <p:hf hdr="0" ftr="0" dt="0"/>
@@ -10052,7 +10460,7 @@
   <p:clrMapOvr>
     <a:masterClrMapping/>
   </p:clrMapOvr>
-  <p:transition>
+  <p:transition xmlns:p14="http://schemas.microsoft.com/office/powerpoint/2010/main">
     <p:zoom/>
   </p:transition>
   <p:hf hdr="0" ftr="0" dt="0"/>
@@ -10195,7 +10603,7 @@
   <p:clrMapOvr>
     <a:masterClrMapping/>
   </p:clrMapOvr>
-  <p:transition>
+  <p:transition xmlns:p14="http://schemas.microsoft.com/office/powerpoint/2010/main">
     <p:zoom/>
   </p:transition>
   <p:hf hdr="0" ftr="0" dt="0"/>
@@ -10348,7 +10756,7 @@
   <p:clrMapOvr>
     <a:masterClrMapping/>
   </p:clrMapOvr>
-  <p:transition>
+  <p:transition xmlns:p14="http://schemas.microsoft.com/office/powerpoint/2010/main">
     <p:zoom/>
   </p:transition>
   <p:hf hdr="0" ftr="0" dt="0"/>
@@ -10591,7 +10999,7 @@
   <p:clrMapOvr>
     <a:masterClrMapping/>
   </p:clrMapOvr>
-  <p:transition spd="slow">
+  <p:transition xmlns:p14="http://schemas.microsoft.com/office/powerpoint/2010/main" spd="slow">
     <p:fade/>
   </p:transition>
 </p:sldLayout>
@@ -10741,7 +11149,7 @@
   <p:clrMapOvr>
     <a:masterClrMapping/>
   </p:clrMapOvr>
-  <p:transition>
+  <p:transition xmlns:p14="http://schemas.microsoft.com/office/powerpoint/2010/main">
     <p:zoom/>
   </p:transition>
   <p:hf hdr="0" ftr="0" dt="0"/>
@@ -10799,14 +11207,14 @@
             <a:noFill/>
           </a:ln>
           <a:extLst>
-            <a:ext uri="{909E8E84-426E-40DD-AFC4-6F175D3DCCD1}">
+            <a:ext uri="{909E8E84-426E-40dd-AFC4-6F175D3DCCD1}">
               <a14:hiddenFill xmlns:a14="http://schemas.microsoft.com/office/drawing/2010/main">
                 <a:solidFill>
                   <a:srgbClr val="FFFFFF"/>
                 </a:solidFill>
               </a14:hiddenFill>
             </a:ext>
-            <a:ext uri="{91240B29-F687-4F45-9708-019B960494DF}">
+            <a:ext uri="{91240B29-F687-4f45-9708-019B960494DF}">
               <a14:hiddenLine xmlns:a14="http://schemas.microsoft.com/office/drawing/2010/main" w="9525">
                 <a:solidFill>
                   <a:srgbClr val="000000"/>
@@ -10909,14 +11317,14 @@
             <a:noFill/>
           </a:ln>
           <a:extLst>
-            <a:ext uri="{909E8E84-426E-40DD-AFC4-6F175D3DCCD1}">
+            <a:ext uri="{909E8E84-426E-40dd-AFC4-6F175D3DCCD1}">
               <a14:hiddenFill xmlns:a14="http://schemas.microsoft.com/office/drawing/2010/main">
                 <a:solidFill>
                   <a:srgbClr val="FFFFFF"/>
                 </a:solidFill>
               </a14:hiddenFill>
             </a:ext>
-            <a:ext uri="{91240B29-F687-4F45-9708-019B960494DF}">
+            <a:ext uri="{91240B29-F687-4f45-9708-019B960494DF}">
               <a14:hiddenLine xmlns:a14="http://schemas.microsoft.com/office/drawing/2010/main" w="9525">
                 <a:solidFill>
                   <a:srgbClr val="000000"/>
@@ -10963,14 +11371,14 @@
             <a:noFill/>
           </a:ln>
           <a:extLst>
-            <a:ext uri="{909E8E84-426E-40DD-AFC4-6F175D3DCCD1}">
+            <a:ext uri="{909E8E84-426E-40dd-AFC4-6F175D3DCCD1}">
               <a14:hiddenFill xmlns:a14="http://schemas.microsoft.com/office/drawing/2010/main">
                 <a:solidFill>
                   <a:srgbClr val="FFFFFF"/>
                 </a:solidFill>
               </a14:hiddenFill>
             </a:ext>
-            <a:ext uri="{91240B29-F687-4F45-9708-019B960494DF}">
+            <a:ext uri="{91240B29-F687-4f45-9708-019B960494DF}">
               <a14:hiddenLine xmlns:a14="http://schemas.microsoft.com/office/drawing/2010/main" w="9525">
                 <a:solidFill>
                   <a:srgbClr val="000000"/>
@@ -11273,7 +11681,7 @@
   <p:clrMapOvr>
     <a:masterClrMapping/>
   </p:clrMapOvr>
-  <p:transition>
+  <p:transition xmlns:p14="http://schemas.microsoft.com/office/powerpoint/2010/main">
     <p:zoom/>
   </p:transition>
   <p:hf hdr="0" ftr="0" dt="0"/>
@@ -11503,7 +11911,7 @@
   <p:clrMapOvr>
     <a:masterClrMapping/>
   </p:clrMapOvr>
-  <p:transition spd="slow">
+  <p:transition xmlns:p14="http://schemas.microsoft.com/office/powerpoint/2010/main" spd="slow">
     <p:fade/>
   </p:transition>
 </p:sldLayout>
@@ -12048,7 +12456,7 @@
   <p:clrMapOvr>
     <a:masterClrMapping/>
   </p:clrMapOvr>
-  <p:transition spd="slow">
+  <p:transition xmlns:p14="http://schemas.microsoft.com/office/powerpoint/2010/main" spd="slow">
     <p:fade/>
   </p:transition>
 </p:sldLayout>
@@ -12418,7 +12826,7 @@
   <p:clrMapOvr>
     <a:masterClrMapping/>
   </p:clrMapOvr>
-  <p:transition spd="slow">
+  <p:transition xmlns:p14="http://schemas.microsoft.com/office/powerpoint/2010/main" spd="slow">
     <p:fade/>
   </p:transition>
 </p:sldLayout>
@@ -13088,7 +13496,7 @@
   <p:clrMapOvr>
     <a:masterClrMapping/>
   </p:clrMapOvr>
-  <p:transition spd="slow">
+  <p:transition xmlns:p14="http://schemas.microsoft.com/office/powerpoint/2010/main" spd="slow">
     <p:fade/>
   </p:transition>
 </p:sldLayout>
@@ -13413,7 +13821,7 @@
   <p:clrMapOvr>
     <a:masterClrMapping/>
   </p:clrMapOvr>
-  <p:transition spd="slow">
+  <p:transition xmlns:p14="http://schemas.microsoft.com/office/powerpoint/2010/main" spd="slow">
     <p:fade/>
   </p:transition>
 </p:sldLayout>
@@ -13823,7 +14231,7 @@
   <p:clrMapOvr>
     <a:masterClrMapping/>
   </p:clrMapOvr>
-  <p:transition spd="slow">
+  <p:transition xmlns:p14="http://schemas.microsoft.com/office/powerpoint/2010/main" spd="slow">
     <p:fade/>
   </p:transition>
 </p:sldLayout>
@@ -14148,7 +14556,7 @@
   <p:clrMapOvr>
     <a:masterClrMapping/>
   </p:clrMapOvr>
-  <p:transition spd="slow">
+  <p:transition xmlns:p14="http://schemas.microsoft.com/office/powerpoint/2010/main" spd="slow">
     <p:fade/>
   </p:transition>
 </p:sldLayout>
@@ -14213,14 +14621,14 @@
             <a:noFill/>
           </a:ln>
           <a:extLst>
-            <a:ext uri="{909E8E84-426E-40DD-AFC4-6F175D3DCCD1}">
+            <a:ext uri="{909E8E84-426E-40dd-AFC4-6F175D3DCCD1}">
               <a14:hiddenFill xmlns:a14="http://schemas.microsoft.com/office/drawing/2010/main">
                 <a:solidFill>
                   <a:srgbClr val="FFFFFF"/>
                 </a:solidFill>
               </a14:hiddenFill>
             </a:ext>
-            <a:ext uri="{91240B29-F687-4F45-9708-019B960494DF}">
+            <a:ext uri="{91240B29-F687-4f45-9708-019B960494DF}">
               <a14:hiddenLine xmlns:a14="http://schemas.microsoft.com/office/drawing/2010/main" w="9525">
                 <a:solidFill>
                   <a:srgbClr val="000000"/>
@@ -14256,14 +14664,14 @@
             <a:noFill/>
           </a:ln>
           <a:extLst>
-            <a:ext uri="{909E8E84-426E-40DD-AFC4-6F175D3DCCD1}">
+            <a:ext uri="{909E8E84-426E-40dd-AFC4-6F175D3DCCD1}">
               <a14:hiddenFill xmlns:a14="http://schemas.microsoft.com/office/drawing/2010/main">
                 <a:solidFill>
                   <a:srgbClr val="FFFFFF"/>
                 </a:solidFill>
               </a14:hiddenFill>
             </a:ext>
-            <a:ext uri="{91240B29-F687-4F45-9708-019B960494DF}">
+            <a:ext uri="{91240B29-F687-4f45-9708-019B960494DF}">
               <a14:hiddenLine xmlns:a14="http://schemas.microsoft.com/office/drawing/2010/main" w="9525">
                 <a:solidFill>
                   <a:srgbClr val="000000"/>
@@ -14274,7 +14682,7 @@
               </a14:hiddenLine>
             </a:ext>
             <a:ext uri="{FAA26D3D-D897-4be2-8F04-BA451C77F1D7}">
-              <ma14:placeholderFlag xmlns="" xmlns:ma14="http://schemas.microsoft.com/office/mac/drawingml/2011/main" val="1"/>
+              <ma14:placeholderFlag xmlns:ma14="http://schemas.microsoft.com/office/mac/drawingml/2011/main" val="1"/>
             </a:ext>
           </a:extLst>
         </p:spPr>
@@ -14317,14 +14725,14 @@
             <a:noFill/>
           </a:ln>
           <a:extLst>
-            <a:ext uri="{909E8E84-426E-40DD-AFC4-6F175D3DCCD1}">
+            <a:ext uri="{909E8E84-426E-40dd-AFC4-6F175D3DCCD1}">
               <a14:hiddenFill xmlns:a14="http://schemas.microsoft.com/office/drawing/2010/main">
                 <a:solidFill>
                   <a:srgbClr val="FFFFFF"/>
                 </a:solidFill>
               </a14:hiddenFill>
             </a:ext>
-            <a:ext uri="{91240B29-F687-4F45-9708-019B960494DF}">
+            <a:ext uri="{91240B29-F687-4f45-9708-019B960494DF}">
               <a14:hiddenLine xmlns:a14="http://schemas.microsoft.com/office/drawing/2010/main" w="9525">
                 <a:solidFill>
                   <a:srgbClr val="000000"/>
@@ -14335,7 +14743,7 @@
               </a14:hiddenLine>
             </a:ext>
             <a:ext uri="{FAA26D3D-D897-4be2-8F04-BA451C77F1D7}">
-              <ma14:placeholderFlag xmlns="" xmlns:ma14="http://schemas.microsoft.com/office/mac/drawingml/2011/main" val="1"/>
+              <ma14:placeholderFlag xmlns:ma14="http://schemas.microsoft.com/office/mac/drawingml/2011/main" val="1"/>
             </a:ext>
           </a:extLst>
         </p:spPr>
@@ -14417,14 +14825,14 @@
             <a:noFill/>
           </a:ln>
           <a:extLst>
-            <a:ext uri="{909E8E84-426E-40DD-AFC4-6F175D3DCCD1}">
+            <a:ext uri="{909E8E84-426E-40dd-AFC4-6F175D3DCCD1}">
               <a14:hiddenFill xmlns:a14="http://schemas.microsoft.com/office/drawing/2010/main">
                 <a:solidFill>
                   <a:srgbClr val="FFFFFF"/>
                 </a:solidFill>
               </a14:hiddenFill>
             </a:ext>
-            <a:ext uri="{91240B29-F687-4F45-9708-019B960494DF}">
+            <a:ext uri="{91240B29-F687-4f45-9708-019B960494DF}">
               <a14:hiddenLine xmlns:a14="http://schemas.microsoft.com/office/drawing/2010/main" w="9525">
                 <a:solidFill>
                   <a:srgbClr val="000000"/>
@@ -14650,14 +15058,14 @@
             <a:noFill/>
           </a:ln>
           <a:extLst>
-            <a:ext uri="{909E8E84-426E-40DD-AFC4-6F175D3DCCD1}">
+            <a:ext uri="{909E8E84-426E-40dd-AFC4-6F175D3DCCD1}">
               <a14:hiddenFill xmlns:a14="http://schemas.microsoft.com/office/drawing/2010/main">
                 <a:solidFill>
                   <a:srgbClr val="FFFFFF"/>
                 </a:solidFill>
               </a14:hiddenFill>
             </a:ext>
-            <a:ext uri="{91240B29-F687-4F45-9708-019B960494DF}">
+            <a:ext uri="{91240B29-F687-4f45-9708-019B960494DF}">
               <a14:hiddenLine xmlns:a14="http://schemas.microsoft.com/office/drawing/2010/main" w="9525">
                 <a:solidFill>
                   <a:srgbClr val="000000"/>
@@ -14701,7 +15109,7 @@
     <p:sldLayoutId id="2147483681" r:id="rId20"/>
     <p:sldLayoutId id="2147483693" r:id="rId21"/>
   </p:sldLayoutIdLst>
-  <p:transition spd="slow">
+  <p:transition xmlns:p14="http://schemas.microsoft.com/office/powerpoint/2010/main" spd="slow">
     <p:fade/>
   </p:transition>
   <p:hf hdr="0" ftr="0" dt="0"/>
@@ -15243,14 +15651,14 @@
             <a:noFill/>
           </a:ln>
           <a:extLst>
-            <a:ext uri="{909E8E84-426E-40DD-AFC4-6F175D3DCCD1}">
+            <a:ext uri="{909E8E84-426E-40dd-AFC4-6F175D3DCCD1}">
               <a14:hiddenFill xmlns:a14="http://schemas.microsoft.com/office/drawing/2010/main">
                 <a:solidFill>
                   <a:srgbClr val="FFFFFF"/>
                 </a:solidFill>
               </a14:hiddenFill>
             </a:ext>
-            <a:ext uri="{91240B29-F687-4F45-9708-019B960494DF}">
+            <a:ext uri="{91240B29-F687-4f45-9708-019B960494DF}">
               <a14:hiddenLine xmlns:a14="http://schemas.microsoft.com/office/drawing/2010/main" w="9525">
                 <a:solidFill>
                   <a:srgbClr val="000000"/>
@@ -15261,7 +15669,7 @@
               </a14:hiddenLine>
             </a:ext>
             <a:ext uri="{FAA26D3D-D897-4be2-8F04-BA451C77F1D7}">
-              <ma14:placeholderFlag xmlns="" xmlns:ma14="http://schemas.microsoft.com/office/mac/drawingml/2011/main" val="1"/>
+              <ma14:placeholderFlag xmlns:ma14="http://schemas.microsoft.com/office/mac/drawingml/2011/main" val="1"/>
             </a:ext>
           </a:extLst>
         </p:spPr>
@@ -15482,14 +15890,14 @@
             <a:noFill/>
           </a:ln>
           <a:extLst>
-            <a:ext uri="{909E8E84-426E-40DD-AFC4-6F175D3DCCD1}">
+            <a:ext uri="{909E8E84-426E-40dd-AFC4-6F175D3DCCD1}">
               <a14:hiddenFill xmlns:a14="http://schemas.microsoft.com/office/drawing/2010/main">
                 <a:solidFill>
                   <a:srgbClr val="FFFFFF"/>
                 </a:solidFill>
               </a14:hiddenFill>
             </a:ext>
-            <a:ext uri="{91240B29-F687-4F45-9708-019B960494DF}">
+            <a:ext uri="{91240B29-F687-4f45-9708-019B960494DF}">
               <a14:hiddenLine xmlns:a14="http://schemas.microsoft.com/office/drawing/2010/main" w="9525">
                 <a:solidFill>
                   <a:srgbClr val="000000"/>
@@ -15651,14 +16059,14 @@
             <a:noFill/>
           </a:ln>
           <a:extLst>
-            <a:ext uri="{909E8E84-426E-40DD-AFC4-6F175D3DCCD1}">
+            <a:ext uri="{909E8E84-426E-40dd-AFC4-6F175D3DCCD1}">
               <a14:hiddenFill xmlns:a14="http://schemas.microsoft.com/office/drawing/2010/main">
                 <a:solidFill>
                   <a:srgbClr val="FFFFFF"/>
                 </a:solidFill>
               </a14:hiddenFill>
             </a:ext>
-            <a:ext uri="{91240B29-F687-4F45-9708-019B960494DF}">
+            <a:ext uri="{91240B29-F687-4f45-9708-019B960494DF}">
               <a14:hiddenLine xmlns:a14="http://schemas.microsoft.com/office/drawing/2010/main" w="9525">
                 <a:solidFill>
                   <a:srgbClr val="000000"/>
@@ -15669,7 +16077,7 @@
               </a14:hiddenLine>
             </a:ext>
             <a:ext uri="{FAA26D3D-D897-4be2-8F04-BA451C77F1D7}">
-              <ma14:placeholderFlag xmlns="" xmlns:ma14="http://schemas.microsoft.com/office/mac/drawingml/2011/main" val="1"/>
+              <ma14:placeholderFlag xmlns:ma14="http://schemas.microsoft.com/office/mac/drawingml/2011/main" val="1"/>
             </a:ext>
           </a:extLst>
         </p:spPr>
@@ -15903,14 +16311,14 @@
             <a:noFill/>
           </a:ln>
           <a:extLst>
-            <a:ext uri="{909E8E84-426E-40DD-AFC4-6F175D3DCCD1}">
+            <a:ext uri="{909E8E84-426E-40dd-AFC4-6F175D3DCCD1}">
               <a14:hiddenFill xmlns:a14="http://schemas.microsoft.com/office/drawing/2010/main">
                 <a:solidFill>
                   <a:srgbClr val="FFFFFF"/>
                 </a:solidFill>
               </a14:hiddenFill>
             </a:ext>
-            <a:ext uri="{91240B29-F687-4F45-9708-019B960494DF}">
+            <a:ext uri="{91240B29-F687-4f45-9708-019B960494DF}">
               <a14:hiddenLine xmlns:a14="http://schemas.microsoft.com/office/drawing/2010/main" w="9525">
                 <a:solidFill>
                   <a:srgbClr val="000000"/>
@@ -15940,13 +16348,13 @@
     <p:sldLayoutId id="2147483705" r:id="rId11"/>
     <p:sldLayoutId id="2147483706" r:id="rId12"/>
   </p:sldLayoutIdLst>
-  <p:transition spd="slow">
+  <p:transition xmlns:p14="http://schemas.microsoft.com/office/powerpoint/2010/main" spd="slow">
     <p:fade/>
   </p:transition>
   <p:timing>
     <p:tnLst>
       <p:par>
-        <p:cTn id="1" dur="indefinite" restart="never" nodeType="tmRoot"/>
+        <p:cTn xmlns:p14="http://schemas.microsoft.com/office/powerpoint/2010/main" id="1" dur="indefinite" restart="never" nodeType="tmRoot"/>
       </p:par>
     </p:tnLst>
   </p:timing>
@@ -16455,18 +16863,18 @@
   <p:clrMapOvr>
     <a:masterClrMapping/>
   </p:clrMapOvr>
-  <mc:AlternateContent xmlns:mc="http://schemas.openxmlformats.org/markup-compatibility/2006">
-    <mc:Choice xmlns:p14="http://schemas.microsoft.com/office/powerpoint/2010/main" Requires="p14">
+  <mc:AlternateContent xmlns:mc="http://schemas.openxmlformats.org/markup-compatibility/2006" xmlns:p14="http://schemas.microsoft.com/office/powerpoint/2010/main">
+    <mc:Choice Requires="p14">
       <p:transition p14:dur="0"/>
     </mc:Choice>
-    <mc:Fallback>
+    <mc:Fallback xmlns="">
       <p:transition/>
     </mc:Fallback>
   </mc:AlternateContent>
   <p:timing>
     <p:tnLst>
       <p:par>
-        <p:cTn id="1" dur="indefinite" restart="never" nodeType="tmRoot"/>
+        <p:cTn xmlns:p14="http://schemas.microsoft.com/office/powerpoint/2010/main" id="1" dur="indefinite" restart="never" nodeType="tmRoot"/>
       </p:par>
     </p:tnLst>
   </p:timing>
@@ -16511,6 +16919,272 @@
                   <a:srgbClr val="161645"/>
                 </a:solidFill>
               </a:rPr>
+              <a:t>Cucumber</a:t>
+            </a:r>
+            <a:endParaRPr lang="en-US" dirty="0">
+              <a:solidFill>
+                <a:srgbClr val="161645"/>
+              </a:solidFill>
+            </a:endParaRPr>
+          </a:p>
+        </p:txBody>
+      </p:sp>
+      <p:sp>
+        <p:nvSpPr>
+          <p:cNvPr id="4" name="TextBox 3"/>
+          <p:cNvSpPr txBox="1"/>
+          <p:nvPr/>
+        </p:nvSpPr>
+        <p:spPr>
+          <a:xfrm>
+            <a:off x="1495426" y="2967335"/>
+            <a:ext cx="6153149" cy="369332"/>
+          </a:xfrm>
+          <a:prstGeom prst="rect">
+            <a:avLst/>
+          </a:prstGeom>
+          <a:noFill/>
+        </p:spPr>
+        <p:txBody>
+          <a:bodyPr wrap="square">
+            <a:spAutoFit/>
+          </a:bodyPr>
+          <a:lstStyle>
+            <a:lvl1pPr eaLnBrk="0" hangingPunct="0">
+              <a:defRPr>
+                <a:solidFill>
+                  <a:schemeClr val="tx1"/>
+                </a:solidFill>
+                <a:latin typeface="Arial" charset="0"/>
+                <a:ea typeface="ＭＳ Ｐゴシック" charset="0"/>
+                <a:cs typeface="Arial" charset="0"/>
+              </a:defRPr>
+            </a:lvl1pPr>
+            <a:lvl2pPr marL="742950" indent="-285750" eaLnBrk="0" hangingPunct="0">
+              <a:defRPr>
+                <a:solidFill>
+                  <a:schemeClr val="tx1"/>
+                </a:solidFill>
+                <a:latin typeface="Arial" charset="0"/>
+                <a:ea typeface="Arial" charset="0"/>
+                <a:cs typeface="Arial" charset="0"/>
+              </a:defRPr>
+            </a:lvl2pPr>
+            <a:lvl3pPr marL="1143000" indent="-228600" eaLnBrk="0" hangingPunct="0">
+              <a:defRPr>
+                <a:solidFill>
+                  <a:schemeClr val="tx1"/>
+                </a:solidFill>
+                <a:latin typeface="Arial" charset="0"/>
+                <a:ea typeface="Arial" charset="0"/>
+                <a:cs typeface="Arial" charset="0"/>
+              </a:defRPr>
+            </a:lvl3pPr>
+            <a:lvl4pPr marL="1600200" indent="-228600" eaLnBrk="0" hangingPunct="0">
+              <a:defRPr>
+                <a:solidFill>
+                  <a:schemeClr val="tx1"/>
+                </a:solidFill>
+                <a:latin typeface="Arial" charset="0"/>
+                <a:ea typeface="Arial" charset="0"/>
+                <a:cs typeface="Arial" charset="0"/>
+              </a:defRPr>
+            </a:lvl4pPr>
+            <a:lvl5pPr marL="2057400" indent="-228600" eaLnBrk="0" hangingPunct="0">
+              <a:defRPr>
+                <a:solidFill>
+                  <a:schemeClr val="tx1"/>
+                </a:solidFill>
+                <a:latin typeface="Arial" charset="0"/>
+                <a:ea typeface="Arial" charset="0"/>
+                <a:cs typeface="Arial" charset="0"/>
+              </a:defRPr>
+            </a:lvl5pPr>
+            <a:lvl6pPr marL="2514600" indent="-228600" eaLnBrk="0" fontAlgn="base" hangingPunct="0">
+              <a:spcBef>
+                <a:spcPct val="0"/>
+              </a:spcBef>
+              <a:spcAft>
+                <a:spcPct val="0"/>
+              </a:spcAft>
+              <a:defRPr>
+                <a:solidFill>
+                  <a:schemeClr val="tx1"/>
+                </a:solidFill>
+                <a:latin typeface="Arial" charset="0"/>
+                <a:ea typeface="Arial" charset="0"/>
+                <a:cs typeface="Arial" charset="0"/>
+              </a:defRPr>
+            </a:lvl6pPr>
+            <a:lvl7pPr marL="2971800" indent="-228600" eaLnBrk="0" fontAlgn="base" hangingPunct="0">
+              <a:spcBef>
+                <a:spcPct val="0"/>
+              </a:spcBef>
+              <a:spcAft>
+                <a:spcPct val="0"/>
+              </a:spcAft>
+              <a:defRPr>
+                <a:solidFill>
+                  <a:schemeClr val="tx1"/>
+                </a:solidFill>
+                <a:latin typeface="Arial" charset="0"/>
+                <a:ea typeface="Arial" charset="0"/>
+                <a:cs typeface="Arial" charset="0"/>
+              </a:defRPr>
+            </a:lvl7pPr>
+            <a:lvl8pPr marL="3429000" indent="-228600" eaLnBrk="0" fontAlgn="base" hangingPunct="0">
+              <a:spcBef>
+                <a:spcPct val="0"/>
+              </a:spcBef>
+              <a:spcAft>
+                <a:spcPct val="0"/>
+              </a:spcAft>
+              <a:defRPr>
+                <a:solidFill>
+                  <a:schemeClr val="tx1"/>
+                </a:solidFill>
+                <a:latin typeface="Arial" charset="0"/>
+                <a:ea typeface="Arial" charset="0"/>
+                <a:cs typeface="Arial" charset="0"/>
+              </a:defRPr>
+            </a:lvl8pPr>
+            <a:lvl9pPr marL="3886200" indent="-228600" eaLnBrk="0" fontAlgn="base" hangingPunct="0">
+              <a:spcBef>
+                <a:spcPct val="0"/>
+              </a:spcBef>
+              <a:spcAft>
+                <a:spcPct val="0"/>
+              </a:spcAft>
+              <a:defRPr>
+                <a:solidFill>
+                  <a:schemeClr val="tx1"/>
+                </a:solidFill>
+                <a:latin typeface="Arial" charset="0"/>
+                <a:ea typeface="Arial" charset="0"/>
+                <a:cs typeface="Arial" charset="0"/>
+              </a:defRPr>
+            </a:lvl9pPr>
+          </a:lstStyle>
+          <a:p>
+            <a:pPr algn="ctr" eaLnBrk="1" hangingPunct="1">
+              <a:buClr>
+                <a:schemeClr val="accent3"/>
+              </a:buClr>
+            </a:pPr>
+            <a:r>
+              <a:rPr lang="en-US" dirty="0" smtClean="0">
+                <a:solidFill>
+                  <a:srgbClr val="004080"/>
+                </a:solidFill>
+              </a:rPr>
+              <a:t>Cucumber syntax</a:t>
+            </a:r>
+            <a:r>
+              <a:rPr lang="ru-RU" dirty="0" smtClean="0">
+                <a:solidFill>
+                  <a:srgbClr val="004080"/>
+                </a:solidFill>
+              </a:rPr>
+              <a:t> </a:t>
+            </a:r>
+            <a:r>
+              <a:rPr lang="en-US" dirty="0" smtClean="0">
+                <a:solidFill>
+                  <a:srgbClr val="004080"/>
+                </a:solidFill>
+              </a:rPr>
+              <a:t>is readable</a:t>
+            </a:r>
+            <a:r>
+              <a:rPr lang="ru-RU" dirty="0" smtClean="0">
+                <a:solidFill>
+                  <a:srgbClr val="004080"/>
+                </a:solidFill>
+              </a:rPr>
+              <a:t> </a:t>
+            </a:r>
+            <a:r>
+              <a:rPr lang="en-US" dirty="0" smtClean="0">
+                <a:solidFill>
+                  <a:srgbClr val="004080"/>
+                </a:solidFill>
+              </a:rPr>
+              <a:t>by business guys</a:t>
+            </a:r>
+            <a:endParaRPr lang="ru-RU" dirty="0">
+              <a:solidFill>
+                <a:srgbClr val="004080"/>
+              </a:solidFill>
+            </a:endParaRPr>
+          </a:p>
+        </p:txBody>
+      </p:sp>
+    </p:spTree>
+    <p:extLst>
+      <p:ext uri="{BB962C8B-B14F-4D97-AF65-F5344CB8AC3E}">
+        <p14:creationId xmlns:p14="http://schemas.microsoft.com/office/powerpoint/2010/main" val="3107486302"/>
+      </p:ext>
+    </p:extLst>
+  </p:cSld>
+  <p:clrMapOvr>
+    <a:masterClrMapping/>
+  </p:clrMapOvr>
+  <mc:AlternateContent xmlns:mc="http://schemas.openxmlformats.org/markup-compatibility/2006" xmlns:p14="http://schemas.microsoft.com/office/powerpoint/2010/main">
+    <mc:Choice Requires="p14">
+      <p:transition p14:dur="0"/>
+    </mc:Choice>
+    <mc:Fallback xmlns="">
+      <p:transition/>
+    </mc:Fallback>
+  </mc:AlternateContent>
+  <p:timing>
+    <p:tnLst>
+      <p:par>
+        <p:cTn xmlns:p14="http://schemas.microsoft.com/office/powerpoint/2010/main" id="1" dur="indefinite" restart="never" nodeType="tmRoot"/>
+      </p:par>
+    </p:tnLst>
+  </p:timing>
+</p:sld>
+</file>
+
+<file path=ppt/slides/slide11.xml><?xml version="1.0" encoding="utf-8"?>
+<p:sld xmlns:a="http://schemas.openxmlformats.org/drawingml/2006/main" xmlns:r="http://schemas.openxmlformats.org/officeDocument/2006/relationships" xmlns:p="http://schemas.openxmlformats.org/presentationml/2006/main">
+  <p:cSld>
+    <p:spTree>
+      <p:nvGrpSpPr>
+        <p:cNvPr id="1" name=""/>
+        <p:cNvGrpSpPr/>
+        <p:nvPr/>
+      </p:nvGrpSpPr>
+      <p:grpSpPr>
+        <a:xfrm>
+          <a:off x="0" y="0"/>
+          <a:ext cx="0" cy="0"/>
+          <a:chOff x="0" y="0"/>
+          <a:chExt cx="0" cy="0"/>
+        </a:xfrm>
+      </p:grpSpPr>
+      <p:sp>
+        <p:nvSpPr>
+          <p:cNvPr id="2" name="Title 1"/>
+          <p:cNvSpPr>
+            <a:spLocks noGrp="1"/>
+          </p:cNvSpPr>
+          <p:nvPr>
+            <p:ph type="title"/>
+          </p:nvPr>
+        </p:nvSpPr>
+        <p:spPr/>
+        <p:txBody>
+          <a:bodyPr/>
+          <a:lstStyle/>
+          <a:p>
+            <a:r>
+              <a:rPr lang="en-US" dirty="0" smtClean="0">
+                <a:solidFill>
+                  <a:srgbClr val="161645"/>
+                </a:solidFill>
+              </a:rPr>
               <a:t>*.feature</a:t>
             </a:r>
             <a:endParaRPr lang="en-US" dirty="0">
@@ -16689,17 +17363,7 @@
                 <a:latin typeface="Monaco"/>
                 <a:cs typeface="Monaco"/>
               </a:rPr>
-              <a:t>	</a:t>
-            </a:r>
-            <a:r>
-              <a:rPr lang="en-US" sz="1400" dirty="0" smtClean="0">
-                <a:solidFill>
-                  <a:srgbClr val="FF6600"/>
-                </a:solidFill>
-                <a:latin typeface="Monaco"/>
-                <a:cs typeface="Monaco"/>
-              </a:rPr>
-              <a:t>Given </a:t>
+              <a:t>	Given </a:t>
             </a:r>
             <a:r>
               <a:rPr lang="en-US" sz="1400" dirty="0" smtClean="0">
@@ -16732,14 +17396,7 @@
                 <a:latin typeface="Monaco"/>
                 <a:cs typeface="Monaco"/>
               </a:rPr>
-              <a:t>	</a:t>
-            </a:r>
-            <a:r>
-              <a:rPr lang="en-US" sz="1400" dirty="0" smtClean="0">
-                <a:latin typeface="Monaco"/>
-                <a:cs typeface="Monaco"/>
-              </a:rPr>
-              <a:t>  </a:t>
+              <a:t>	  </a:t>
             </a:r>
             <a:r>
               <a:rPr lang="en-US" sz="1400" dirty="0" smtClean="0">
@@ -16789,14 +17446,7 @@
                 <a:latin typeface="Monaco"/>
                 <a:cs typeface="Monaco"/>
               </a:rPr>
-              <a:t>	</a:t>
-            </a:r>
-            <a:r>
-              <a:rPr lang="en-US" sz="1400" dirty="0" smtClean="0">
-                <a:latin typeface="Monaco"/>
-                <a:cs typeface="Monaco"/>
-              </a:rPr>
-              <a:t> </a:t>
+              <a:t>	 </a:t>
             </a:r>
             <a:r>
               <a:rPr lang="en-US" sz="1400" dirty="0" smtClean="0">
@@ -16839,14 +17489,7 @@
                 <a:latin typeface="Monaco"/>
                 <a:cs typeface="Monaco"/>
               </a:rPr>
-              <a:t>	</a:t>
-            </a:r>
-            <a:r>
-              <a:rPr lang="en-US" sz="1400" dirty="0" smtClean="0">
-                <a:latin typeface="Monaco"/>
-                <a:cs typeface="Monaco"/>
-              </a:rPr>
-              <a:t> </a:t>
+              <a:t>	 </a:t>
             </a:r>
             <a:r>
               <a:rPr lang="en-US" sz="1400" dirty="0" smtClean="0">
@@ -17017,25 +17660,25 @@
   <p:clrMapOvr>
     <a:masterClrMapping/>
   </p:clrMapOvr>
-  <mc:AlternateContent xmlns:mc="http://schemas.openxmlformats.org/markup-compatibility/2006">
-    <mc:Choice xmlns:p14="http://schemas.microsoft.com/office/powerpoint/2010/main" Requires="p14">
+  <mc:AlternateContent xmlns:mc="http://schemas.openxmlformats.org/markup-compatibility/2006" xmlns:p14="http://schemas.microsoft.com/office/powerpoint/2010/main">
+    <mc:Choice Requires="p14">
       <p:transition p14:dur="0"/>
     </mc:Choice>
-    <mc:Fallback>
+    <mc:Fallback xmlns="">
       <p:transition/>
     </mc:Fallback>
   </mc:AlternateContent>
   <p:timing>
     <p:tnLst>
       <p:par>
-        <p:cTn id="1" dur="indefinite" restart="never" nodeType="tmRoot"/>
+        <p:cTn xmlns:p14="http://schemas.microsoft.com/office/powerpoint/2010/main" id="1" dur="indefinite" restart="never" nodeType="tmRoot"/>
       </p:par>
     </p:tnLst>
   </p:timing>
 </p:sld>
 </file>
 
-<file path=ppt/slides/slide11.xml><?xml version="1.0" encoding="utf-8"?>
+<file path=ppt/slides/slide12.xml><?xml version="1.0" encoding="utf-8"?>
 <p:sld xmlns:a="http://schemas.openxmlformats.org/drawingml/2006/main" xmlns:r="http://schemas.openxmlformats.org/officeDocument/2006/relationships" xmlns:p="http://schemas.openxmlformats.org/presentationml/2006/main">
   <p:cSld>
     <p:spTree>
@@ -17083,7 +17726,7 @@
           </a:prstGeom>
           <a:noFill/>
           <a:extLst>
-            <a:ext uri="{909E8E84-426E-40DD-AFC4-6F175D3DCCD1}">
+            <a:ext uri="{909E8E84-426E-40dd-AFC4-6F175D3DCCD1}">
               <a14:hiddenFill xmlns:a14="http://schemas.microsoft.com/office/drawing/2010/main">
                 <a:solidFill>
                   <a:srgbClr val="FFFFFF"/>
@@ -17124,7 +17767,7 @@
           </a:prstGeom>
           <a:noFill/>
           <a:extLst>
-            <a:ext uri="{909E8E84-426E-40DD-AFC4-6F175D3DCCD1}">
+            <a:ext uri="{909E8E84-426E-40dd-AFC4-6F175D3DCCD1}">
               <a14:hiddenFill xmlns:a14="http://schemas.microsoft.com/office/drawing/2010/main">
                 <a:solidFill>
                   <a:srgbClr val="FFFFFF"/>
@@ -17288,7 +17931,7 @@
           </a:prstGeom>
           <a:noFill/>
           <a:extLst>
-            <a:ext uri="{909E8E84-426E-40DD-AFC4-6F175D3DCCD1}">
+            <a:ext uri="{909E8E84-426E-40dd-AFC4-6F175D3DCCD1}">
               <a14:hiddenFill xmlns:a14="http://schemas.microsoft.com/office/drawing/2010/main">
                 <a:solidFill>
                   <a:srgbClr val="FFFFFF"/>
@@ -17308,599 +17951,18 @@
   <p:clrMapOvr>
     <a:masterClrMapping/>
   </p:clrMapOvr>
-  <mc:AlternateContent xmlns:mc="http://schemas.openxmlformats.org/markup-compatibility/2006">
-    <mc:Choice xmlns:p14="http://schemas.microsoft.com/office/powerpoint/2010/main" Requires="p14">
+  <mc:AlternateContent xmlns:mc="http://schemas.openxmlformats.org/markup-compatibility/2006" xmlns:p14="http://schemas.microsoft.com/office/powerpoint/2010/main">
+    <mc:Choice Requires="p14">
       <p:transition p14:dur="0"/>
     </mc:Choice>
-    <mc:Fallback>
+    <mc:Fallback xmlns="">
       <p:transition/>
     </mc:Fallback>
   </mc:AlternateContent>
   <p:timing>
     <p:tnLst>
       <p:par>
-        <p:cTn id="1" dur="indefinite" restart="never" nodeType="tmRoot"/>
-      </p:par>
-    </p:tnLst>
-  </p:timing>
-</p:sld>
-</file>
-
-<file path=ppt/slides/slide12.xml><?xml version="1.0" encoding="utf-8"?>
-<p:sld xmlns:a="http://schemas.openxmlformats.org/drawingml/2006/main" xmlns:r="http://schemas.openxmlformats.org/officeDocument/2006/relationships" xmlns:p="http://schemas.openxmlformats.org/presentationml/2006/main">
-  <p:cSld>
-    <p:spTree>
-      <p:nvGrpSpPr>
-        <p:cNvPr id="1" name=""/>
-        <p:cNvGrpSpPr/>
-        <p:nvPr/>
-      </p:nvGrpSpPr>
-      <p:grpSpPr>
-        <a:xfrm>
-          <a:off x="0" y="0"/>
-          <a:ext cx="0" cy="0"/>
-          <a:chOff x="0" y="0"/>
-          <a:chExt cx="0" cy="0"/>
-        </a:xfrm>
-      </p:grpSpPr>
-      <p:sp>
-        <p:nvSpPr>
-          <p:cNvPr id="2" name="Title 1"/>
-          <p:cNvSpPr>
-            <a:spLocks noGrp="1"/>
-          </p:cNvSpPr>
-          <p:nvPr>
-            <p:ph type="title"/>
-          </p:nvPr>
-        </p:nvSpPr>
-        <p:spPr/>
-        <p:txBody>
-          <a:bodyPr/>
-          <a:lstStyle/>
-          <a:p>
-            <a:r>
-              <a:rPr lang="en-US" dirty="0" smtClean="0">
-                <a:solidFill>
-                  <a:srgbClr val="161645"/>
-                </a:solidFill>
-              </a:rPr>
-              <a:t>*.feature</a:t>
-            </a:r>
-            <a:endParaRPr lang="en-US" dirty="0">
-              <a:solidFill>
-                <a:srgbClr val="161645"/>
-              </a:solidFill>
-            </a:endParaRPr>
-          </a:p>
-        </p:txBody>
-      </p:sp>
-      <p:sp>
-        <p:nvSpPr>
-          <p:cNvPr id="4" name="Rectangle 3"/>
-          <p:cNvSpPr/>
-          <p:nvPr/>
-        </p:nvSpPr>
-        <p:spPr>
-          <a:xfrm>
-            <a:off x="444500" y="1016000"/>
-            <a:ext cx="8318500" cy="3323987"/>
-          </a:xfrm>
-          <a:prstGeom prst="rect">
-            <a:avLst/>
-          </a:prstGeom>
-        </p:spPr>
-        <p:txBody>
-          <a:bodyPr wrap="square">
-            <a:spAutoFit/>
-          </a:bodyPr>
-          <a:lstStyle/>
-          <a:p>
-            <a:r>
-              <a:rPr lang="ru-RU" sz="1400" i="1" dirty="0">
-                <a:solidFill>
-                  <a:schemeClr val="bg2">
-                    <a:lumMod val="75000"/>
-                  </a:schemeClr>
-                </a:solidFill>
-                <a:latin typeface="Monaco"/>
-                <a:cs typeface="Monaco"/>
-              </a:rPr>
-              <a:t># </a:t>
-            </a:r>
-            <a:r>
-              <a:rPr lang="ru-RU" sz="1400" i="1" dirty="0" err="1">
-                <a:solidFill>
-                  <a:schemeClr val="bg2">
-                    <a:lumMod val="75000"/>
-                  </a:schemeClr>
-                </a:solidFill>
-                <a:latin typeface="Monaco"/>
-                <a:cs typeface="Monaco"/>
-              </a:rPr>
-              <a:t>language</a:t>
-            </a:r>
-            <a:r>
-              <a:rPr lang="ru-RU" sz="1400" i="1" dirty="0">
-                <a:solidFill>
-                  <a:schemeClr val="bg2">
-                    <a:lumMod val="75000"/>
-                  </a:schemeClr>
-                </a:solidFill>
-                <a:latin typeface="Monaco"/>
-                <a:cs typeface="Monaco"/>
-              </a:rPr>
-              <a:t>: </a:t>
-            </a:r>
-            <a:r>
-              <a:rPr lang="ru-RU" sz="1400" i="1" dirty="0" err="1">
-                <a:solidFill>
-                  <a:schemeClr val="bg2">
-                    <a:lumMod val="75000"/>
-                  </a:schemeClr>
-                </a:solidFill>
-                <a:latin typeface="Monaco"/>
-                <a:cs typeface="Monaco"/>
-              </a:rPr>
-              <a:t>ru</a:t>
-            </a:r>
-            <a:endParaRPr lang="ru-RU" sz="1400" i="1" dirty="0">
-              <a:solidFill>
-                <a:schemeClr val="bg2">
-                  <a:lumMod val="75000"/>
-                </a:schemeClr>
-              </a:solidFill>
-              <a:latin typeface="Monaco"/>
-              <a:cs typeface="Monaco"/>
-            </a:endParaRPr>
-          </a:p>
-          <a:p>
-            <a:r>
-              <a:rPr lang="ru-RU" sz="1400" b="1" dirty="0">
-                <a:solidFill>
-                  <a:srgbClr val="FF6600"/>
-                </a:solidFill>
-                <a:latin typeface="Monaco"/>
-                <a:cs typeface="Monaco"/>
-              </a:rPr>
-              <a:t>Функционал: </a:t>
-            </a:r>
-            <a:r>
-              <a:rPr lang="ru-RU" sz="1400" dirty="0">
-                <a:solidFill>
-                  <a:srgbClr val="008000"/>
-                </a:solidFill>
-                <a:latin typeface="Monaco"/>
-                <a:cs typeface="Monaco"/>
-              </a:rPr>
-              <a:t>Авторизация пользователей</a:t>
-            </a:r>
-          </a:p>
-          <a:p>
-            <a:endParaRPr lang="ru-RU" sz="1400" dirty="0">
-              <a:latin typeface="Monaco"/>
-              <a:cs typeface="Monaco"/>
-            </a:endParaRPr>
-          </a:p>
-          <a:p>
-            <a:r>
-              <a:rPr lang="en-US" sz="1400" dirty="0" smtClean="0">
-                <a:latin typeface="Monaco"/>
-                <a:cs typeface="Monaco"/>
-              </a:rPr>
-              <a:t>	</a:t>
-            </a:r>
-            <a:r>
-              <a:rPr lang="ru-RU" sz="1400" dirty="0" smtClean="0">
-                <a:latin typeface="Monaco"/>
-                <a:cs typeface="Monaco"/>
-              </a:rPr>
-              <a:t>Чтобы </a:t>
-            </a:r>
-            <a:r>
-              <a:rPr lang="ru-RU" sz="1400" dirty="0">
-                <a:latin typeface="Monaco"/>
-                <a:cs typeface="Monaco"/>
-              </a:rPr>
-              <a:t>указывать себя автором </a:t>
-            </a:r>
-            <a:r>
-              <a:rPr lang="ru-RU" sz="1400" dirty="0" err="1">
-                <a:latin typeface="Monaco"/>
-                <a:cs typeface="Monaco"/>
-              </a:rPr>
-              <a:t>снипетов</a:t>
-            </a:r>
-            <a:r>
-              <a:rPr lang="ru-RU" sz="1400" dirty="0">
-                <a:latin typeface="Monaco"/>
-                <a:cs typeface="Monaco"/>
-              </a:rPr>
-              <a:t>, голосовать за </a:t>
-            </a:r>
-            <a:r>
-              <a:rPr lang="en-US" sz="1400" dirty="0" smtClean="0">
-                <a:latin typeface="Monaco"/>
-                <a:cs typeface="Monaco"/>
-              </a:rPr>
-              <a:t>	</a:t>
-            </a:r>
-          </a:p>
-          <a:p>
-            <a:r>
-              <a:rPr lang="en-US" sz="1400" dirty="0">
-                <a:latin typeface="Monaco"/>
-                <a:cs typeface="Monaco"/>
-              </a:rPr>
-              <a:t>	</a:t>
-            </a:r>
-            <a:r>
-              <a:rPr lang="ru-RU" sz="1400" dirty="0" err="1" smtClean="0">
-                <a:latin typeface="Monaco"/>
-                <a:cs typeface="Monaco"/>
-              </a:rPr>
-              <a:t>снипеты</a:t>
-            </a:r>
-            <a:r>
-              <a:rPr lang="ru-RU" sz="1400" dirty="0" smtClean="0">
-                <a:latin typeface="Monaco"/>
-                <a:cs typeface="Monaco"/>
-              </a:rPr>
-              <a:t> </a:t>
-            </a:r>
-            <a:r>
-              <a:rPr lang="ru-RU" sz="1400" dirty="0">
-                <a:latin typeface="Monaco"/>
-                <a:cs typeface="Monaco"/>
-              </a:rPr>
-              <a:t>и нарабатывать карму, пользователи должны иметь </a:t>
-            </a:r>
-            <a:r>
-              <a:rPr lang="en-US" sz="1400" dirty="0" smtClean="0">
-                <a:latin typeface="Monaco"/>
-                <a:cs typeface="Monaco"/>
-              </a:rPr>
-              <a:t>	</a:t>
-            </a:r>
-          </a:p>
-          <a:p>
-            <a:r>
-              <a:rPr lang="en-US" sz="1400" dirty="0">
-                <a:latin typeface="Monaco"/>
-                <a:cs typeface="Monaco"/>
-              </a:rPr>
-              <a:t>	</a:t>
-            </a:r>
-            <a:r>
-              <a:rPr lang="ru-RU" sz="1400" dirty="0" smtClean="0">
-                <a:latin typeface="Monaco"/>
-                <a:cs typeface="Monaco"/>
-              </a:rPr>
-              <a:t>возможность регистрироваться</a:t>
-            </a:r>
-            <a:endParaRPr lang="en-US" sz="1400" dirty="0" smtClean="0">
-              <a:latin typeface="Monaco"/>
-              <a:cs typeface="Monaco"/>
-            </a:endParaRPr>
-          </a:p>
-          <a:p>
-            <a:endParaRPr lang="ru-RU" sz="1400" dirty="0">
-              <a:latin typeface="Monaco"/>
-              <a:cs typeface="Monaco"/>
-            </a:endParaRPr>
-          </a:p>
-          <a:p>
-            <a:r>
-              <a:rPr lang="en-US" sz="1400" b="1" dirty="0" smtClean="0">
-                <a:solidFill>
-                  <a:srgbClr val="FF6600"/>
-                </a:solidFill>
-                <a:latin typeface="Monaco"/>
-                <a:cs typeface="Monaco"/>
-              </a:rPr>
-              <a:t>	</a:t>
-            </a:r>
-            <a:r>
-              <a:rPr lang="ru-RU" sz="1400" b="1" dirty="0" smtClean="0">
-                <a:solidFill>
-                  <a:srgbClr val="FF6600"/>
-                </a:solidFill>
-                <a:latin typeface="Monaco"/>
-                <a:cs typeface="Monaco"/>
-              </a:rPr>
-              <a:t>Сценарий</a:t>
-            </a:r>
-            <a:r>
-              <a:rPr lang="ru-RU" sz="1400" b="1" dirty="0">
-                <a:solidFill>
-                  <a:srgbClr val="FF6600"/>
-                </a:solidFill>
-                <a:latin typeface="Monaco"/>
-                <a:cs typeface="Monaco"/>
-              </a:rPr>
-              <a:t>: </a:t>
-            </a:r>
-            <a:r>
-              <a:rPr lang="ru-RU" sz="1400" dirty="0">
-                <a:solidFill>
-                  <a:srgbClr val="008000"/>
-                </a:solidFill>
-                <a:latin typeface="Monaco"/>
-                <a:cs typeface="Monaco"/>
-              </a:rPr>
-              <a:t>Успешная авторизация с указываемыми логином и паролем</a:t>
-            </a:r>
-          </a:p>
-          <a:p>
-            <a:r>
-              <a:rPr lang="en-US" sz="1400" b="1" dirty="0" smtClean="0">
-                <a:solidFill>
-                  <a:srgbClr val="FF6600"/>
-                </a:solidFill>
-                <a:latin typeface="Monaco"/>
-                <a:cs typeface="Monaco"/>
-              </a:rPr>
-              <a:t>	</a:t>
-            </a:r>
-            <a:r>
-              <a:rPr lang="ru-RU" sz="1400" b="1" dirty="0" smtClean="0">
-                <a:solidFill>
-                  <a:srgbClr val="FF6600"/>
-                </a:solidFill>
-                <a:latin typeface="Monaco"/>
-                <a:cs typeface="Monaco"/>
-              </a:rPr>
-              <a:t>Допустим</a:t>
-            </a:r>
-            <a:r>
-              <a:rPr lang="ru-RU" sz="1400" dirty="0" smtClean="0">
-                <a:solidFill>
-                  <a:srgbClr val="FF6600"/>
-                </a:solidFill>
-                <a:latin typeface="Monaco"/>
-                <a:cs typeface="Monaco"/>
-              </a:rPr>
-              <a:t> </a:t>
-            </a:r>
-            <a:r>
-              <a:rPr lang="ru-RU" sz="1400" dirty="0">
-                <a:latin typeface="Monaco"/>
-                <a:cs typeface="Monaco"/>
-              </a:rPr>
-              <a:t>я зарегистрированный пользователь "User12" с паролем "User1212"</a:t>
-            </a:r>
-          </a:p>
-          <a:p>
-            <a:r>
-              <a:rPr lang="en-US" sz="1400" b="1" dirty="0" smtClean="0">
-                <a:latin typeface="Monaco"/>
-                <a:cs typeface="Monaco"/>
-              </a:rPr>
-              <a:t>	</a:t>
-            </a:r>
-            <a:r>
-              <a:rPr lang="ru-RU" sz="1400" b="1" dirty="0" smtClean="0">
-                <a:solidFill>
-                  <a:srgbClr val="FF6600"/>
-                </a:solidFill>
-                <a:latin typeface="Monaco"/>
-                <a:cs typeface="Monaco"/>
-              </a:rPr>
-              <a:t>И</a:t>
-            </a:r>
-            <a:r>
-              <a:rPr lang="ru-RU" sz="1400" dirty="0" smtClean="0">
-                <a:latin typeface="Monaco"/>
-                <a:cs typeface="Monaco"/>
-              </a:rPr>
-              <a:t> </a:t>
-            </a:r>
-            <a:r>
-              <a:rPr lang="ru-RU" sz="1400" dirty="0">
-                <a:latin typeface="Monaco"/>
-                <a:cs typeface="Monaco"/>
-              </a:rPr>
-              <a:t>я на странице Авторизация</a:t>
-            </a:r>
-          </a:p>
-          <a:p>
-            <a:r>
-              <a:rPr lang="en-US" sz="1400" b="1" dirty="0" smtClean="0">
-                <a:latin typeface="Monaco"/>
-                <a:cs typeface="Monaco"/>
-              </a:rPr>
-              <a:t>	</a:t>
-            </a:r>
-            <a:r>
-              <a:rPr lang="ru-RU" sz="1400" b="1" dirty="0" smtClean="0">
-                <a:solidFill>
-                  <a:srgbClr val="FF6600"/>
-                </a:solidFill>
-                <a:latin typeface="Monaco"/>
-                <a:cs typeface="Monaco"/>
-              </a:rPr>
-              <a:t>Если</a:t>
-            </a:r>
-            <a:r>
-              <a:rPr lang="ru-RU" sz="1400" dirty="0" smtClean="0">
-                <a:solidFill>
-                  <a:srgbClr val="FF6600"/>
-                </a:solidFill>
-                <a:latin typeface="Monaco"/>
-                <a:cs typeface="Monaco"/>
-              </a:rPr>
-              <a:t> </a:t>
-            </a:r>
-            <a:r>
-              <a:rPr lang="ru-RU" sz="1400" dirty="0">
-                <a:latin typeface="Monaco"/>
-                <a:cs typeface="Monaco"/>
-              </a:rPr>
-              <a:t>ввожу в поле Логин "User12"</a:t>
-            </a:r>
-          </a:p>
-          <a:p>
-            <a:r>
-              <a:rPr lang="en-US" sz="1400" b="1" dirty="0" smtClean="0">
-                <a:latin typeface="Monaco"/>
-                <a:cs typeface="Monaco"/>
-              </a:rPr>
-              <a:t>	</a:t>
-            </a:r>
-            <a:r>
-              <a:rPr lang="ru-RU" sz="1400" b="1" dirty="0" smtClean="0">
-                <a:solidFill>
-                  <a:srgbClr val="FF6600"/>
-                </a:solidFill>
-                <a:latin typeface="Monaco"/>
-                <a:cs typeface="Monaco"/>
-              </a:rPr>
-              <a:t>И</a:t>
-            </a:r>
-            <a:r>
-              <a:rPr lang="ru-RU" sz="1400" dirty="0" smtClean="0">
-                <a:latin typeface="Monaco"/>
-                <a:cs typeface="Monaco"/>
-              </a:rPr>
-              <a:t> </a:t>
-            </a:r>
-            <a:r>
-              <a:rPr lang="ru-RU" sz="1400" dirty="0">
-                <a:latin typeface="Monaco"/>
-                <a:cs typeface="Monaco"/>
-              </a:rPr>
-              <a:t>ввожу в поле Пароль "User1212"</a:t>
-            </a:r>
-          </a:p>
-          <a:p>
-            <a:r>
-              <a:rPr lang="en-US" sz="1400" b="1" dirty="0" smtClean="0">
-                <a:latin typeface="Monaco"/>
-                <a:cs typeface="Monaco"/>
-              </a:rPr>
-              <a:t>	</a:t>
-            </a:r>
-            <a:r>
-              <a:rPr lang="ru-RU" sz="1400" b="1" dirty="0" smtClean="0">
-                <a:solidFill>
-                  <a:srgbClr val="FF6600"/>
-                </a:solidFill>
-                <a:latin typeface="Monaco"/>
-                <a:cs typeface="Monaco"/>
-              </a:rPr>
-              <a:t>И</a:t>
-            </a:r>
-            <a:r>
-              <a:rPr lang="ru-RU" sz="1400" dirty="0" smtClean="0">
-                <a:latin typeface="Monaco"/>
-                <a:cs typeface="Monaco"/>
-              </a:rPr>
-              <a:t> </a:t>
-            </a:r>
-            <a:r>
-              <a:rPr lang="ru-RU" sz="1400" dirty="0">
-                <a:latin typeface="Monaco"/>
-                <a:cs typeface="Monaco"/>
-              </a:rPr>
-              <a:t>кликаю кнопку "Войти"</a:t>
-            </a:r>
-          </a:p>
-          <a:p>
-            <a:r>
-              <a:rPr lang="en-US" sz="1400" b="1" dirty="0" smtClean="0">
-                <a:latin typeface="Monaco"/>
-                <a:cs typeface="Monaco"/>
-              </a:rPr>
-              <a:t>	</a:t>
-            </a:r>
-            <a:r>
-              <a:rPr lang="ru-RU" sz="1400" b="1" dirty="0" smtClean="0">
-                <a:solidFill>
-                  <a:srgbClr val="FF6600"/>
-                </a:solidFill>
-                <a:latin typeface="Monaco"/>
-                <a:cs typeface="Monaco"/>
-              </a:rPr>
-              <a:t>То</a:t>
-            </a:r>
-            <a:r>
-              <a:rPr lang="ru-RU" sz="1400" dirty="0" smtClean="0">
-                <a:solidFill>
-                  <a:srgbClr val="FF6600"/>
-                </a:solidFill>
-                <a:latin typeface="Monaco"/>
-                <a:cs typeface="Monaco"/>
-              </a:rPr>
-              <a:t> </a:t>
-            </a:r>
-            <a:r>
-              <a:rPr lang="ru-RU" sz="1400" dirty="0">
-                <a:latin typeface="Monaco"/>
-                <a:cs typeface="Monaco"/>
-              </a:rPr>
-              <a:t>я должен увидеть уведомление "Добро пожаловать!"</a:t>
-            </a:r>
-          </a:p>
-          <a:p>
-            <a:r>
-              <a:rPr lang="en-US" sz="1400" b="1" dirty="0" smtClean="0">
-                <a:latin typeface="Monaco"/>
-                <a:cs typeface="Monaco"/>
-              </a:rPr>
-              <a:t>	</a:t>
-            </a:r>
-            <a:r>
-              <a:rPr lang="ru-RU" sz="1400" b="1" dirty="0" smtClean="0">
-                <a:solidFill>
-                  <a:srgbClr val="FF6600"/>
-                </a:solidFill>
-                <a:latin typeface="Monaco"/>
-                <a:cs typeface="Monaco"/>
-              </a:rPr>
-              <a:t>И</a:t>
-            </a:r>
-            <a:r>
-              <a:rPr lang="ru-RU" sz="1400" dirty="0" smtClean="0">
-                <a:latin typeface="Monaco"/>
-                <a:cs typeface="Monaco"/>
-              </a:rPr>
-              <a:t> </a:t>
-            </a:r>
-            <a:r>
-              <a:rPr lang="ru-RU" sz="1400" dirty="0">
-                <a:latin typeface="Monaco"/>
-                <a:cs typeface="Monaco"/>
-              </a:rPr>
-              <a:t>я должен оказаться на странице Страница пользователя</a:t>
-            </a:r>
-            <a:endParaRPr lang="en-US" sz="1400" dirty="0">
-              <a:latin typeface="Monaco"/>
-              <a:cs typeface="Monaco"/>
-            </a:endParaRPr>
-          </a:p>
-        </p:txBody>
-      </p:sp>
-    </p:spTree>
-    <p:extLst>
-      <p:ext uri="{BB962C8B-B14F-4D97-AF65-F5344CB8AC3E}">
-        <p14:creationId xmlns:p14="http://schemas.microsoft.com/office/powerpoint/2010/main" val="3079526988"/>
-      </p:ext>
-    </p:extLst>
-  </p:cSld>
-  <p:clrMapOvr>
-    <a:masterClrMapping/>
-  </p:clrMapOvr>
-  <mc:AlternateContent xmlns:mc="http://schemas.openxmlformats.org/markup-compatibility/2006">
-    <mc:Choice xmlns:p14="http://schemas.microsoft.com/office/powerpoint/2010/main" Requires="p14">
-      <p:transition p14:dur="0"/>
-    </mc:Choice>
-    <mc:Fallback>
-      <p:transition/>
-    </mc:Fallback>
-  </mc:AlternateContent>
-  <p:timing>
-    <p:tnLst>
-      <p:par>
-        <p:cTn id="1" dur="indefinite" restart="never" nodeType="tmRoot"/>
+        <p:cTn xmlns:p14="http://schemas.microsoft.com/office/powerpoint/2010/main" id="1" dur="indefinite" restart="never" nodeType="tmRoot"/>
       </p:par>
     </p:tnLst>
   </p:timing>
@@ -18463,6 +18525,587 @@
     </p:spTree>
     <p:extLst>
       <p:ext uri="{BB962C8B-B14F-4D97-AF65-F5344CB8AC3E}">
+        <p14:creationId xmlns:p14="http://schemas.microsoft.com/office/powerpoint/2010/main" val="3079526988"/>
+      </p:ext>
+    </p:extLst>
+  </p:cSld>
+  <p:clrMapOvr>
+    <a:masterClrMapping/>
+  </p:clrMapOvr>
+  <mc:AlternateContent xmlns:mc="http://schemas.openxmlformats.org/markup-compatibility/2006" xmlns:p14="http://schemas.microsoft.com/office/powerpoint/2010/main">
+    <mc:Choice Requires="p14">
+      <p:transition p14:dur="0"/>
+    </mc:Choice>
+    <mc:Fallback xmlns="">
+      <p:transition/>
+    </mc:Fallback>
+  </mc:AlternateContent>
+  <p:timing>
+    <p:tnLst>
+      <p:par>
+        <p:cTn xmlns:p14="http://schemas.microsoft.com/office/powerpoint/2010/main" id="1" dur="indefinite" restart="never" nodeType="tmRoot"/>
+      </p:par>
+    </p:tnLst>
+  </p:timing>
+</p:sld>
+</file>
+
+<file path=ppt/slides/slide14.xml><?xml version="1.0" encoding="utf-8"?>
+<p:sld xmlns:a="http://schemas.openxmlformats.org/drawingml/2006/main" xmlns:r="http://schemas.openxmlformats.org/officeDocument/2006/relationships" xmlns:p="http://schemas.openxmlformats.org/presentationml/2006/main">
+  <p:cSld>
+    <p:spTree>
+      <p:nvGrpSpPr>
+        <p:cNvPr id="1" name=""/>
+        <p:cNvGrpSpPr/>
+        <p:nvPr/>
+      </p:nvGrpSpPr>
+      <p:grpSpPr>
+        <a:xfrm>
+          <a:off x="0" y="0"/>
+          <a:ext cx="0" cy="0"/>
+          <a:chOff x="0" y="0"/>
+          <a:chExt cx="0" cy="0"/>
+        </a:xfrm>
+      </p:grpSpPr>
+      <p:sp>
+        <p:nvSpPr>
+          <p:cNvPr id="2" name="Title 1"/>
+          <p:cNvSpPr>
+            <a:spLocks noGrp="1"/>
+          </p:cNvSpPr>
+          <p:nvPr>
+            <p:ph type="title"/>
+          </p:nvPr>
+        </p:nvSpPr>
+        <p:spPr/>
+        <p:txBody>
+          <a:bodyPr/>
+          <a:lstStyle/>
+          <a:p>
+            <a:r>
+              <a:rPr lang="en-US" dirty="0" smtClean="0">
+                <a:solidFill>
+                  <a:srgbClr val="161645"/>
+                </a:solidFill>
+              </a:rPr>
+              <a:t>*.feature</a:t>
+            </a:r>
+            <a:endParaRPr lang="en-US" dirty="0">
+              <a:solidFill>
+                <a:srgbClr val="161645"/>
+              </a:solidFill>
+            </a:endParaRPr>
+          </a:p>
+        </p:txBody>
+      </p:sp>
+      <p:sp>
+        <p:nvSpPr>
+          <p:cNvPr id="4" name="Rectangle 3"/>
+          <p:cNvSpPr/>
+          <p:nvPr/>
+        </p:nvSpPr>
+        <p:spPr>
+          <a:xfrm>
+            <a:off x="444500" y="1016000"/>
+            <a:ext cx="8318500" cy="3323987"/>
+          </a:xfrm>
+          <a:prstGeom prst="rect">
+            <a:avLst/>
+          </a:prstGeom>
+        </p:spPr>
+        <p:txBody>
+          <a:bodyPr wrap="square">
+            <a:spAutoFit/>
+          </a:bodyPr>
+          <a:lstStyle/>
+          <a:p>
+            <a:r>
+              <a:rPr lang="ru-RU" sz="1400" i="1" dirty="0">
+                <a:solidFill>
+                  <a:schemeClr val="bg2">
+                    <a:lumMod val="75000"/>
+                  </a:schemeClr>
+                </a:solidFill>
+                <a:latin typeface="Monaco"/>
+                <a:cs typeface="Monaco"/>
+              </a:rPr>
+              <a:t># </a:t>
+            </a:r>
+            <a:r>
+              <a:rPr lang="ru-RU" sz="1400" i="1" dirty="0" err="1">
+                <a:solidFill>
+                  <a:schemeClr val="bg2">
+                    <a:lumMod val="75000"/>
+                  </a:schemeClr>
+                </a:solidFill>
+                <a:latin typeface="Monaco"/>
+                <a:cs typeface="Monaco"/>
+              </a:rPr>
+              <a:t>language</a:t>
+            </a:r>
+            <a:r>
+              <a:rPr lang="ru-RU" sz="1400" i="1" dirty="0">
+                <a:solidFill>
+                  <a:schemeClr val="bg2">
+                    <a:lumMod val="75000"/>
+                  </a:schemeClr>
+                </a:solidFill>
+                <a:latin typeface="Monaco"/>
+                <a:cs typeface="Monaco"/>
+              </a:rPr>
+              <a:t>: </a:t>
+            </a:r>
+            <a:r>
+              <a:rPr lang="ru-RU" sz="1400" i="1" dirty="0" err="1">
+                <a:solidFill>
+                  <a:schemeClr val="bg2">
+                    <a:lumMod val="75000"/>
+                  </a:schemeClr>
+                </a:solidFill>
+                <a:latin typeface="Monaco"/>
+                <a:cs typeface="Monaco"/>
+              </a:rPr>
+              <a:t>ru</a:t>
+            </a:r>
+            <a:endParaRPr lang="ru-RU" sz="1400" i="1" dirty="0">
+              <a:solidFill>
+                <a:schemeClr val="bg2">
+                  <a:lumMod val="75000"/>
+                </a:schemeClr>
+              </a:solidFill>
+              <a:latin typeface="Monaco"/>
+              <a:cs typeface="Monaco"/>
+            </a:endParaRPr>
+          </a:p>
+          <a:p>
+            <a:r>
+              <a:rPr lang="ru-RU" sz="1400" b="1" dirty="0">
+                <a:solidFill>
+                  <a:srgbClr val="FF6600"/>
+                </a:solidFill>
+                <a:latin typeface="Monaco"/>
+                <a:cs typeface="Monaco"/>
+              </a:rPr>
+              <a:t>Функционал: </a:t>
+            </a:r>
+            <a:r>
+              <a:rPr lang="ru-RU" sz="1400" dirty="0">
+                <a:solidFill>
+                  <a:srgbClr val="008000"/>
+                </a:solidFill>
+                <a:latin typeface="Monaco"/>
+                <a:cs typeface="Monaco"/>
+              </a:rPr>
+              <a:t>Авторизация пользователей</a:t>
+            </a:r>
+          </a:p>
+          <a:p>
+            <a:endParaRPr lang="ru-RU" sz="1400" dirty="0">
+              <a:latin typeface="Monaco"/>
+              <a:cs typeface="Monaco"/>
+            </a:endParaRPr>
+          </a:p>
+          <a:p>
+            <a:r>
+              <a:rPr lang="en-US" sz="1400" dirty="0" smtClean="0">
+                <a:latin typeface="Monaco"/>
+                <a:cs typeface="Monaco"/>
+              </a:rPr>
+              <a:t>	</a:t>
+            </a:r>
+            <a:r>
+              <a:rPr lang="ru-RU" sz="1400" dirty="0" smtClean="0">
+                <a:latin typeface="Monaco"/>
+                <a:cs typeface="Monaco"/>
+              </a:rPr>
+              <a:t>Чтобы </a:t>
+            </a:r>
+            <a:r>
+              <a:rPr lang="ru-RU" sz="1400" dirty="0">
+                <a:latin typeface="Monaco"/>
+                <a:cs typeface="Monaco"/>
+              </a:rPr>
+              <a:t>указывать себя автором </a:t>
+            </a:r>
+            <a:r>
+              <a:rPr lang="ru-RU" sz="1400" dirty="0" err="1">
+                <a:latin typeface="Monaco"/>
+                <a:cs typeface="Monaco"/>
+              </a:rPr>
+              <a:t>снипетов</a:t>
+            </a:r>
+            <a:r>
+              <a:rPr lang="ru-RU" sz="1400" dirty="0">
+                <a:latin typeface="Monaco"/>
+                <a:cs typeface="Monaco"/>
+              </a:rPr>
+              <a:t>, голосовать за </a:t>
+            </a:r>
+            <a:r>
+              <a:rPr lang="en-US" sz="1400" dirty="0" smtClean="0">
+                <a:latin typeface="Monaco"/>
+                <a:cs typeface="Monaco"/>
+              </a:rPr>
+              <a:t>	</a:t>
+            </a:r>
+          </a:p>
+          <a:p>
+            <a:r>
+              <a:rPr lang="en-US" sz="1400" dirty="0">
+                <a:latin typeface="Monaco"/>
+                <a:cs typeface="Monaco"/>
+              </a:rPr>
+              <a:t>	</a:t>
+            </a:r>
+            <a:r>
+              <a:rPr lang="ru-RU" sz="1400" dirty="0" err="1" smtClean="0">
+                <a:latin typeface="Monaco"/>
+                <a:cs typeface="Monaco"/>
+              </a:rPr>
+              <a:t>снипеты</a:t>
+            </a:r>
+            <a:r>
+              <a:rPr lang="ru-RU" sz="1400" dirty="0" smtClean="0">
+                <a:latin typeface="Monaco"/>
+                <a:cs typeface="Monaco"/>
+              </a:rPr>
+              <a:t> </a:t>
+            </a:r>
+            <a:r>
+              <a:rPr lang="ru-RU" sz="1400" dirty="0">
+                <a:latin typeface="Monaco"/>
+                <a:cs typeface="Monaco"/>
+              </a:rPr>
+              <a:t>и нарабатывать карму, пользователи должны иметь </a:t>
+            </a:r>
+            <a:r>
+              <a:rPr lang="en-US" sz="1400" dirty="0" smtClean="0">
+                <a:latin typeface="Monaco"/>
+                <a:cs typeface="Monaco"/>
+              </a:rPr>
+              <a:t>	</a:t>
+            </a:r>
+          </a:p>
+          <a:p>
+            <a:r>
+              <a:rPr lang="en-US" sz="1400" dirty="0">
+                <a:latin typeface="Monaco"/>
+                <a:cs typeface="Monaco"/>
+              </a:rPr>
+              <a:t>	</a:t>
+            </a:r>
+            <a:r>
+              <a:rPr lang="ru-RU" sz="1400" dirty="0" smtClean="0">
+                <a:latin typeface="Monaco"/>
+                <a:cs typeface="Monaco"/>
+              </a:rPr>
+              <a:t>возможность регистрироваться</a:t>
+            </a:r>
+            <a:endParaRPr lang="en-US" sz="1400" dirty="0" smtClean="0">
+              <a:latin typeface="Monaco"/>
+              <a:cs typeface="Monaco"/>
+            </a:endParaRPr>
+          </a:p>
+          <a:p>
+            <a:endParaRPr lang="ru-RU" sz="1400" dirty="0">
+              <a:latin typeface="Monaco"/>
+              <a:cs typeface="Monaco"/>
+            </a:endParaRPr>
+          </a:p>
+          <a:p>
+            <a:r>
+              <a:rPr lang="en-US" sz="1400" b="1" dirty="0" smtClean="0">
+                <a:solidFill>
+                  <a:srgbClr val="FF6600"/>
+                </a:solidFill>
+                <a:latin typeface="Monaco"/>
+                <a:cs typeface="Monaco"/>
+              </a:rPr>
+              <a:t>	</a:t>
+            </a:r>
+            <a:r>
+              <a:rPr lang="ru-RU" sz="1400" b="1" dirty="0" smtClean="0">
+                <a:solidFill>
+                  <a:srgbClr val="FF6600"/>
+                </a:solidFill>
+                <a:latin typeface="Monaco"/>
+                <a:cs typeface="Monaco"/>
+              </a:rPr>
+              <a:t>Сценарий</a:t>
+            </a:r>
+            <a:r>
+              <a:rPr lang="ru-RU" sz="1400" b="1" dirty="0">
+                <a:solidFill>
+                  <a:srgbClr val="FF6600"/>
+                </a:solidFill>
+                <a:latin typeface="Monaco"/>
+                <a:cs typeface="Monaco"/>
+              </a:rPr>
+              <a:t>: </a:t>
+            </a:r>
+            <a:r>
+              <a:rPr lang="ru-RU" sz="1400" dirty="0">
+                <a:solidFill>
+                  <a:srgbClr val="008000"/>
+                </a:solidFill>
+                <a:latin typeface="Monaco"/>
+                <a:cs typeface="Monaco"/>
+              </a:rPr>
+              <a:t>Успешная авторизация с указываемыми логином и паролем</a:t>
+            </a:r>
+          </a:p>
+          <a:p>
+            <a:r>
+              <a:rPr lang="en-US" sz="1400" b="1" dirty="0" smtClean="0">
+                <a:solidFill>
+                  <a:srgbClr val="FF6600"/>
+                </a:solidFill>
+                <a:latin typeface="Monaco"/>
+                <a:cs typeface="Monaco"/>
+              </a:rPr>
+              <a:t>	</a:t>
+            </a:r>
+            <a:r>
+              <a:rPr lang="ru-RU" sz="1400" b="1" dirty="0" smtClean="0">
+                <a:solidFill>
+                  <a:srgbClr val="FF6600"/>
+                </a:solidFill>
+                <a:latin typeface="Monaco"/>
+                <a:cs typeface="Monaco"/>
+              </a:rPr>
+              <a:t>Допустим</a:t>
+            </a:r>
+            <a:r>
+              <a:rPr lang="ru-RU" sz="1400" dirty="0" smtClean="0">
+                <a:solidFill>
+                  <a:srgbClr val="FF6600"/>
+                </a:solidFill>
+                <a:latin typeface="Monaco"/>
+                <a:cs typeface="Monaco"/>
+              </a:rPr>
+              <a:t> </a:t>
+            </a:r>
+            <a:r>
+              <a:rPr lang="ru-RU" sz="1400" dirty="0">
+                <a:latin typeface="Monaco"/>
+                <a:cs typeface="Monaco"/>
+              </a:rPr>
+              <a:t>я зарегистрированный пользователь "User12" с паролем "User1212"</a:t>
+            </a:r>
+          </a:p>
+          <a:p>
+            <a:r>
+              <a:rPr lang="en-US" sz="1400" b="1" dirty="0" smtClean="0">
+                <a:latin typeface="Monaco"/>
+                <a:cs typeface="Monaco"/>
+              </a:rPr>
+              <a:t>	</a:t>
+            </a:r>
+            <a:r>
+              <a:rPr lang="ru-RU" sz="1400" b="1" dirty="0" smtClean="0">
+                <a:solidFill>
+                  <a:srgbClr val="FF6600"/>
+                </a:solidFill>
+                <a:latin typeface="Monaco"/>
+                <a:cs typeface="Monaco"/>
+              </a:rPr>
+              <a:t>И</a:t>
+            </a:r>
+            <a:r>
+              <a:rPr lang="ru-RU" sz="1400" dirty="0" smtClean="0">
+                <a:latin typeface="Monaco"/>
+                <a:cs typeface="Monaco"/>
+              </a:rPr>
+              <a:t> </a:t>
+            </a:r>
+            <a:r>
+              <a:rPr lang="ru-RU" sz="1400" dirty="0">
+                <a:latin typeface="Monaco"/>
+                <a:cs typeface="Monaco"/>
+              </a:rPr>
+              <a:t>я на странице Авторизация</a:t>
+            </a:r>
+          </a:p>
+          <a:p>
+            <a:r>
+              <a:rPr lang="en-US" sz="1400" b="1" dirty="0" smtClean="0">
+                <a:latin typeface="Monaco"/>
+                <a:cs typeface="Monaco"/>
+              </a:rPr>
+              <a:t>	</a:t>
+            </a:r>
+            <a:r>
+              <a:rPr lang="ru-RU" sz="1400" b="1" dirty="0" smtClean="0">
+                <a:solidFill>
+                  <a:srgbClr val="FF6600"/>
+                </a:solidFill>
+                <a:latin typeface="Monaco"/>
+                <a:cs typeface="Monaco"/>
+              </a:rPr>
+              <a:t>Если</a:t>
+            </a:r>
+            <a:r>
+              <a:rPr lang="ru-RU" sz="1400" dirty="0" smtClean="0">
+                <a:solidFill>
+                  <a:srgbClr val="FF6600"/>
+                </a:solidFill>
+                <a:latin typeface="Monaco"/>
+                <a:cs typeface="Monaco"/>
+              </a:rPr>
+              <a:t> </a:t>
+            </a:r>
+            <a:r>
+              <a:rPr lang="ru-RU" sz="1400" dirty="0">
+                <a:latin typeface="Monaco"/>
+                <a:cs typeface="Monaco"/>
+              </a:rPr>
+              <a:t>ввожу в поле Логин "User12"</a:t>
+            </a:r>
+          </a:p>
+          <a:p>
+            <a:r>
+              <a:rPr lang="en-US" sz="1400" b="1" dirty="0" smtClean="0">
+                <a:latin typeface="Monaco"/>
+                <a:cs typeface="Monaco"/>
+              </a:rPr>
+              <a:t>	</a:t>
+            </a:r>
+            <a:r>
+              <a:rPr lang="ru-RU" sz="1400" b="1" dirty="0" smtClean="0">
+                <a:solidFill>
+                  <a:srgbClr val="FF6600"/>
+                </a:solidFill>
+                <a:latin typeface="Monaco"/>
+                <a:cs typeface="Monaco"/>
+              </a:rPr>
+              <a:t>И</a:t>
+            </a:r>
+            <a:r>
+              <a:rPr lang="ru-RU" sz="1400" dirty="0" smtClean="0">
+                <a:latin typeface="Monaco"/>
+                <a:cs typeface="Monaco"/>
+              </a:rPr>
+              <a:t> </a:t>
+            </a:r>
+            <a:r>
+              <a:rPr lang="ru-RU" sz="1400" dirty="0">
+                <a:latin typeface="Monaco"/>
+                <a:cs typeface="Monaco"/>
+              </a:rPr>
+              <a:t>ввожу в поле Пароль "User1212"</a:t>
+            </a:r>
+          </a:p>
+          <a:p>
+            <a:r>
+              <a:rPr lang="en-US" sz="1400" b="1" dirty="0" smtClean="0">
+                <a:latin typeface="Monaco"/>
+                <a:cs typeface="Monaco"/>
+              </a:rPr>
+              <a:t>	</a:t>
+            </a:r>
+            <a:r>
+              <a:rPr lang="ru-RU" sz="1400" b="1" dirty="0" smtClean="0">
+                <a:solidFill>
+                  <a:srgbClr val="FF6600"/>
+                </a:solidFill>
+                <a:latin typeface="Monaco"/>
+                <a:cs typeface="Monaco"/>
+              </a:rPr>
+              <a:t>И</a:t>
+            </a:r>
+            <a:r>
+              <a:rPr lang="ru-RU" sz="1400" dirty="0" smtClean="0">
+                <a:latin typeface="Monaco"/>
+                <a:cs typeface="Monaco"/>
+              </a:rPr>
+              <a:t> </a:t>
+            </a:r>
+            <a:r>
+              <a:rPr lang="ru-RU" sz="1400" dirty="0">
+                <a:latin typeface="Monaco"/>
+                <a:cs typeface="Monaco"/>
+              </a:rPr>
+              <a:t>кликаю кнопку "Войти"</a:t>
+            </a:r>
+          </a:p>
+          <a:p>
+            <a:r>
+              <a:rPr lang="en-US" sz="1400" b="1" dirty="0" smtClean="0">
+                <a:latin typeface="Monaco"/>
+                <a:cs typeface="Monaco"/>
+              </a:rPr>
+              <a:t>	</a:t>
+            </a:r>
+            <a:r>
+              <a:rPr lang="ru-RU" sz="1400" b="1" dirty="0" smtClean="0">
+                <a:solidFill>
+                  <a:srgbClr val="FF6600"/>
+                </a:solidFill>
+                <a:latin typeface="Monaco"/>
+                <a:cs typeface="Monaco"/>
+              </a:rPr>
+              <a:t>То</a:t>
+            </a:r>
+            <a:r>
+              <a:rPr lang="ru-RU" sz="1400" dirty="0" smtClean="0">
+                <a:solidFill>
+                  <a:srgbClr val="FF6600"/>
+                </a:solidFill>
+                <a:latin typeface="Monaco"/>
+                <a:cs typeface="Monaco"/>
+              </a:rPr>
+              <a:t> </a:t>
+            </a:r>
+            <a:r>
+              <a:rPr lang="ru-RU" sz="1400" dirty="0">
+                <a:latin typeface="Monaco"/>
+                <a:cs typeface="Monaco"/>
+              </a:rPr>
+              <a:t>я должен увидеть уведомление "Добро пожаловать!"</a:t>
+            </a:r>
+          </a:p>
+          <a:p>
+            <a:r>
+              <a:rPr lang="en-US" sz="1400" b="1" dirty="0" smtClean="0">
+                <a:latin typeface="Monaco"/>
+                <a:cs typeface="Monaco"/>
+              </a:rPr>
+              <a:t>	</a:t>
+            </a:r>
+            <a:r>
+              <a:rPr lang="ru-RU" sz="1400" b="1" dirty="0" smtClean="0">
+                <a:solidFill>
+                  <a:srgbClr val="FF6600"/>
+                </a:solidFill>
+                <a:latin typeface="Monaco"/>
+                <a:cs typeface="Monaco"/>
+              </a:rPr>
+              <a:t>И</a:t>
+            </a:r>
+            <a:r>
+              <a:rPr lang="ru-RU" sz="1400" dirty="0" smtClean="0">
+                <a:latin typeface="Monaco"/>
+                <a:cs typeface="Monaco"/>
+              </a:rPr>
+              <a:t> </a:t>
+            </a:r>
+            <a:r>
+              <a:rPr lang="ru-RU" sz="1400" dirty="0">
+                <a:latin typeface="Monaco"/>
+                <a:cs typeface="Monaco"/>
+              </a:rPr>
+              <a:t>я должен оказаться на странице Страница пользователя</a:t>
+            </a:r>
+            <a:endParaRPr lang="en-US" sz="1400" dirty="0">
+              <a:latin typeface="Monaco"/>
+              <a:cs typeface="Monaco"/>
+            </a:endParaRPr>
+          </a:p>
+        </p:txBody>
+      </p:sp>
+    </p:spTree>
+    <p:extLst>
+      <p:ext uri="{BB962C8B-B14F-4D97-AF65-F5344CB8AC3E}">
         <p14:creationId xmlns:p14="http://schemas.microsoft.com/office/powerpoint/2010/main" val="2958319018"/>
       </p:ext>
     </p:extLst>
@@ -18470,25 +19113,25 @@
   <p:clrMapOvr>
     <a:masterClrMapping/>
   </p:clrMapOvr>
-  <mc:AlternateContent xmlns:mc="http://schemas.openxmlformats.org/markup-compatibility/2006">
-    <mc:Choice xmlns:p14="http://schemas.microsoft.com/office/powerpoint/2010/main" Requires="p14">
+  <mc:AlternateContent xmlns:mc="http://schemas.openxmlformats.org/markup-compatibility/2006" xmlns:p14="http://schemas.microsoft.com/office/powerpoint/2010/main">
+    <mc:Choice Requires="p14">
       <p:transition p14:dur="0"/>
     </mc:Choice>
-    <mc:Fallback>
+    <mc:Fallback xmlns="">
       <p:transition/>
     </mc:Fallback>
   </mc:AlternateContent>
   <p:timing>
     <p:tnLst>
       <p:par>
-        <p:cTn id="1" dur="indefinite" restart="never" nodeType="tmRoot"/>
+        <p:cTn xmlns:p14="http://schemas.microsoft.com/office/powerpoint/2010/main" id="1" dur="indefinite" restart="never" nodeType="tmRoot"/>
       </p:par>
     </p:tnLst>
   </p:timing>
 </p:sld>
 </file>
 
-<file path=ppt/slides/slide14.xml><?xml version="1.0" encoding="utf-8"?>
+<file path=ppt/slides/slide15.xml><?xml version="1.0" encoding="utf-8"?>
 <p:sld xmlns:a="http://schemas.openxmlformats.org/drawingml/2006/main" xmlns:r="http://schemas.openxmlformats.org/officeDocument/2006/relationships" xmlns:p="http://schemas.openxmlformats.org/presentationml/2006/main">
   <p:cSld>
     <p:spTree>
@@ -18543,25 +19186,25 @@
   <p:clrMapOvr>
     <a:masterClrMapping/>
   </p:clrMapOvr>
-  <mc:AlternateContent xmlns:mc="http://schemas.openxmlformats.org/markup-compatibility/2006">
-    <mc:Choice xmlns:p14="http://schemas.microsoft.com/office/powerpoint/2010/main" Requires="p14">
+  <mc:AlternateContent xmlns:mc="http://schemas.openxmlformats.org/markup-compatibility/2006" xmlns:p14="http://schemas.microsoft.com/office/powerpoint/2010/main">
+    <mc:Choice Requires="p14">
       <p:transition p14:dur="0"/>
     </mc:Choice>
-    <mc:Fallback>
+    <mc:Fallback xmlns="">
       <p:transition/>
     </mc:Fallback>
   </mc:AlternateContent>
   <p:timing>
     <p:tnLst>
       <p:par>
-        <p:cTn id="1" dur="indefinite" restart="never" nodeType="tmRoot"/>
+        <p:cTn xmlns:p14="http://schemas.microsoft.com/office/powerpoint/2010/main" id="1" dur="indefinite" restart="never" nodeType="tmRoot"/>
       </p:par>
     </p:tnLst>
   </p:timing>
 </p:sld>
 </file>
 
-<file path=ppt/slides/slide15.xml><?xml version="1.0" encoding="utf-8"?>
+<file path=ppt/slides/slide16.xml><?xml version="1.0" encoding="utf-8"?>
 <p:sld xmlns:a="http://schemas.openxmlformats.org/drawingml/2006/main" xmlns:r="http://schemas.openxmlformats.org/officeDocument/2006/relationships" xmlns:p="http://schemas.openxmlformats.org/presentationml/2006/main">
   <p:cSld>
     <p:spTree>
@@ -18774,18 +19417,18 @@
   <p:clrMapOvr>
     <a:masterClrMapping/>
   </p:clrMapOvr>
-  <mc:AlternateContent xmlns:mc="http://schemas.openxmlformats.org/markup-compatibility/2006">
-    <mc:Choice xmlns:p14="http://schemas.microsoft.com/office/powerpoint/2010/main" Requires="p14">
+  <mc:AlternateContent xmlns:mc="http://schemas.openxmlformats.org/markup-compatibility/2006" xmlns:p14="http://schemas.microsoft.com/office/powerpoint/2010/main">
+    <mc:Choice Requires="p14">
       <p:transition p14:dur="0"/>
     </mc:Choice>
-    <mc:Fallback>
+    <mc:Fallback xmlns="">
       <p:transition/>
     </mc:Fallback>
   </mc:AlternateContent>
   <p:timing>
     <p:tnLst>
       <p:par>
-        <p:cTn id="1" dur="indefinite" restart="never" nodeType="tmRoot"/>
+        <p:cTn xmlns:p14="http://schemas.microsoft.com/office/powerpoint/2010/main" id="1" dur="indefinite" restart="never" nodeType="tmRoot"/>
       </p:par>
     </p:tnLst>
   </p:timing>
@@ -20738,18 +21381,18 @@
   <p:clrMapOvr>
     <a:masterClrMapping/>
   </p:clrMapOvr>
-  <mc:AlternateContent xmlns:mc="http://schemas.openxmlformats.org/markup-compatibility/2006">
-    <mc:Choice xmlns:p14="http://schemas.microsoft.com/office/powerpoint/2010/main" Requires="p14">
+  <mc:AlternateContent xmlns:mc="http://schemas.openxmlformats.org/markup-compatibility/2006" xmlns:p14="http://schemas.microsoft.com/office/powerpoint/2010/main">
+    <mc:Choice Requires="p14">
       <p:transition p14:dur="0"/>
     </mc:Choice>
-    <mc:Fallback>
+    <mc:Fallback xmlns="">
       <p:transition/>
     </mc:Fallback>
   </mc:AlternateContent>
   <p:timing>
     <p:tnLst>
       <p:par>
-        <p:cTn id="1" dur="indefinite" restart="never" nodeType="tmRoot"/>
+        <p:cTn xmlns:p14="http://schemas.microsoft.com/office/powerpoint/2010/main" id="1" dur="indefinite" restart="never" nodeType="tmRoot"/>
       </p:par>
     </p:tnLst>
   </p:timing>
@@ -20757,6 +21400,300 @@
 </file>
 
 <file path=ppt/slides/slide3.xml><?xml version="1.0" encoding="utf-8"?>
+<p:sld xmlns:a="http://schemas.openxmlformats.org/drawingml/2006/main" xmlns:r="http://schemas.openxmlformats.org/officeDocument/2006/relationships" xmlns:p="http://schemas.openxmlformats.org/presentationml/2006/main">
+  <p:cSld>
+    <p:spTree>
+      <p:nvGrpSpPr>
+        <p:cNvPr id="1" name=""/>
+        <p:cNvGrpSpPr/>
+        <p:nvPr/>
+      </p:nvGrpSpPr>
+      <p:grpSpPr>
+        <a:xfrm>
+          <a:off x="0" y="0"/>
+          <a:ext cx="0" cy="0"/>
+          <a:chOff x="0" y="0"/>
+          <a:chExt cx="0" cy="0"/>
+        </a:xfrm>
+      </p:grpSpPr>
+      <p:pic>
+        <p:nvPicPr>
+          <p:cNvPr id="7172" name="Picture 4" descr="http://assertselenium.files.wordpress.com/2012/11/screen-shot-2012-11-05-at-12-19-44-am.png?w=640"/>
+          <p:cNvPicPr>
+            <a:picLocks noChangeAspect="1" noChangeArrowheads="1"/>
+          </p:cNvPicPr>
+          <p:nvPr/>
+        </p:nvPicPr>
+        <p:blipFill>
+          <a:blip r:embed="rId5">
+            <a:extLst>
+              <a:ext uri="{28A0092B-C50C-407E-A947-70E740481C1C}">
+                <a14:useLocalDpi xmlns:a14="http://schemas.microsoft.com/office/drawing/2010/main" val="0"/>
+              </a:ext>
+            </a:extLst>
+          </a:blip>
+          <a:srcRect/>
+          <a:stretch>
+            <a:fillRect/>
+          </a:stretch>
+        </p:blipFill>
+        <p:spPr bwMode="auto">
+          <a:xfrm>
+            <a:off x="2438400" y="1981200"/>
+            <a:ext cx="4743450" cy="3543300"/>
+          </a:xfrm>
+          <a:prstGeom prst="rect">
+            <a:avLst/>
+          </a:prstGeom>
+          <a:noFill/>
+          <a:extLst>
+            <a:ext uri="{909E8E84-426E-40dd-AFC4-6F175D3DCCD1}">
+              <a14:hiddenFill xmlns:a14="http://schemas.microsoft.com/office/drawing/2010/main">
+                <a:solidFill>
+                  <a:srgbClr val="FFFFFF"/>
+                </a:solidFill>
+              </a14:hiddenFill>
+            </a:ext>
+          </a:extLst>
+        </p:spPr>
+      </p:pic>
+      <p:sp>
+        <p:nvSpPr>
+          <p:cNvPr id="2" name="Title 1"/>
+          <p:cNvSpPr>
+            <a:spLocks noGrp="1"/>
+          </p:cNvSpPr>
+          <p:nvPr>
+            <p:ph type="title"/>
+          </p:nvPr>
+        </p:nvSpPr>
+        <p:spPr/>
+        <p:txBody>
+          <a:bodyPr/>
+          <a:lstStyle/>
+          <a:p>
+            <a:r>
+              <a:rPr lang="en-US" dirty="0"/>
+              <a:t>Difference between TDD, BDD &amp; ATDD</a:t>
+            </a:r>
+          </a:p>
+        </p:txBody>
+      </p:sp>
+      <p:sp>
+        <p:nvSpPr>
+          <p:cNvPr id="8" name="Rectangle 4"/>
+          <p:cNvSpPr>
+            <a:spLocks noChangeArrowheads="1"/>
+          </p:cNvSpPr>
+          <p:nvPr>
+            <p:custDataLst>
+              <p:tags r:id="rId1"/>
+            </p:custDataLst>
+          </p:nvPr>
+        </p:nvSpPr>
+        <p:spPr bwMode="auto">
+          <a:xfrm>
+            <a:off x="1176337" y="1722894"/>
+            <a:ext cx="1524000" cy="516612"/>
+          </a:xfrm>
+          <a:prstGeom prst="rect">
+            <a:avLst/>
+          </a:prstGeom>
+          <a:noFill/>
+          <a:ln w="19050">
+            <a:noFill/>
+            <a:miter lim="800000"/>
+            <a:headEnd/>
+            <a:tailEnd/>
+          </a:ln>
+        </p:spPr>
+        <p:txBody>
+          <a:bodyPr wrap="square" lIns="93296" tIns="144000" rIns="93296" bIns="93296">
+            <a:spAutoFit/>
+          </a:bodyPr>
+          <a:lstStyle/>
+          <a:p>
+            <a:pPr algn="ctr" defTabSz="803275">
+              <a:buClr>
+                <a:srgbClr val="FF6600"/>
+              </a:buClr>
+              <a:buSzPct val="125000"/>
+            </a:pPr>
+            <a:r>
+              <a:rPr lang="en-US" dirty="0" smtClean="0">
+                <a:solidFill>
+                  <a:srgbClr val="004080"/>
+                </a:solidFill>
+                <a:cs typeface="Tahoma" charset="0"/>
+              </a:rPr>
+              <a:t>TDD</a:t>
+            </a:r>
+          </a:p>
+        </p:txBody>
+      </p:sp>
+      <p:pic>
+        <p:nvPicPr>
+          <p:cNvPr id="7170" name="Picture 2" descr="http://assertselenium.files.wordpress.com/2012/11/tdd_cycle.jpeg?w=640"/>
+          <p:cNvPicPr>
+            <a:picLocks noChangeAspect="1" noChangeArrowheads="1"/>
+          </p:cNvPicPr>
+          <p:nvPr/>
+        </p:nvPicPr>
+        <p:blipFill>
+          <a:blip r:embed="rId6">
+            <a:extLst>
+              <a:ext uri="{28A0092B-C50C-407E-A947-70E740481C1C}">
+                <a14:useLocalDpi xmlns:a14="http://schemas.microsoft.com/office/drawing/2010/main" val="0"/>
+              </a:ext>
+            </a:extLst>
+          </a:blip>
+          <a:srcRect/>
+          <a:stretch>
+            <a:fillRect/>
+          </a:stretch>
+        </p:blipFill>
+        <p:spPr bwMode="auto">
+          <a:xfrm>
+            <a:off x="533400" y="2347912"/>
+            <a:ext cx="2809875" cy="2809876"/>
+          </a:xfrm>
+          <a:prstGeom prst="rect">
+            <a:avLst/>
+          </a:prstGeom>
+          <a:noFill/>
+          <a:extLst>
+            <a:ext uri="{909E8E84-426E-40dd-AFC4-6F175D3DCCD1}">
+              <a14:hiddenFill xmlns:a14="http://schemas.microsoft.com/office/drawing/2010/main">
+                <a:solidFill>
+                  <a:srgbClr val="FFFFFF"/>
+                </a:solidFill>
+              </a14:hiddenFill>
+            </a:ext>
+          </a:extLst>
+        </p:spPr>
+      </p:pic>
+      <p:pic>
+        <p:nvPicPr>
+          <p:cNvPr id="7174" name="Picture 6" descr="http://assertselenium.files.wordpress.com/2012/11/screen-shot-2012-11-05-at-12-51-39-am.png?w=300&amp;h=258"/>
+          <p:cNvPicPr>
+            <a:picLocks noChangeAspect="1" noChangeArrowheads="1"/>
+          </p:cNvPicPr>
+          <p:nvPr/>
+        </p:nvPicPr>
+        <p:blipFill>
+          <a:blip r:embed="rId7">
+            <a:extLst>
+              <a:ext uri="{28A0092B-C50C-407E-A947-70E740481C1C}">
+                <a14:useLocalDpi xmlns:a14="http://schemas.microsoft.com/office/drawing/2010/main" val="0"/>
+              </a:ext>
+            </a:extLst>
+          </a:blip>
+          <a:srcRect/>
+          <a:stretch>
+            <a:fillRect/>
+          </a:stretch>
+        </p:blipFill>
+        <p:spPr bwMode="auto">
+          <a:xfrm>
+            <a:off x="6305550" y="2524125"/>
+            <a:ext cx="2857500" cy="2457451"/>
+          </a:xfrm>
+          <a:prstGeom prst="rect">
+            <a:avLst/>
+          </a:prstGeom>
+          <a:noFill/>
+          <a:extLst>
+            <a:ext uri="{909E8E84-426E-40dd-AFC4-6F175D3DCCD1}">
+              <a14:hiddenFill xmlns:a14="http://schemas.microsoft.com/office/drawing/2010/main">
+                <a:solidFill>
+                  <a:srgbClr val="FFFFFF"/>
+                </a:solidFill>
+              </a14:hiddenFill>
+            </a:ext>
+          </a:extLst>
+        </p:spPr>
+      </p:pic>
+      <p:sp>
+        <p:nvSpPr>
+          <p:cNvPr id="9" name="Rectangle 4"/>
+          <p:cNvSpPr>
+            <a:spLocks noChangeArrowheads="1"/>
+          </p:cNvSpPr>
+          <p:nvPr>
+            <p:custDataLst>
+              <p:tags r:id="rId2"/>
+            </p:custDataLst>
+          </p:nvPr>
+        </p:nvSpPr>
+        <p:spPr bwMode="auto">
+          <a:xfrm>
+            <a:off x="6965950" y="1831300"/>
+            <a:ext cx="1524000" cy="516612"/>
+          </a:xfrm>
+          <a:prstGeom prst="rect">
+            <a:avLst/>
+          </a:prstGeom>
+          <a:noFill/>
+          <a:ln w="19050">
+            <a:noFill/>
+            <a:miter lim="800000"/>
+            <a:headEnd/>
+            <a:tailEnd/>
+          </a:ln>
+        </p:spPr>
+        <p:txBody>
+          <a:bodyPr wrap="square" lIns="93296" tIns="144000" rIns="93296" bIns="93296">
+            <a:spAutoFit/>
+          </a:bodyPr>
+          <a:lstStyle/>
+          <a:p>
+            <a:pPr algn="ctr" defTabSz="803275">
+              <a:buClr>
+                <a:srgbClr val="FF6600"/>
+              </a:buClr>
+              <a:buSzPct val="125000"/>
+            </a:pPr>
+            <a:r>
+              <a:rPr lang="en-US" dirty="0" smtClean="0">
+                <a:solidFill>
+                  <a:srgbClr val="004080"/>
+                </a:solidFill>
+                <a:cs typeface="Tahoma" charset="0"/>
+              </a:rPr>
+              <a:t>ATDD</a:t>
+            </a:r>
+          </a:p>
+        </p:txBody>
+      </p:sp>
+    </p:spTree>
+    <p:extLst>
+      <p:ext uri="{BB962C8B-B14F-4D97-AF65-F5344CB8AC3E}">
+        <p14:creationId xmlns:p14="http://schemas.microsoft.com/office/powerpoint/2010/main" val="1389130934"/>
+      </p:ext>
+    </p:extLst>
+  </p:cSld>
+  <p:clrMapOvr>
+    <a:masterClrMapping/>
+  </p:clrMapOvr>
+  <mc:AlternateContent xmlns:mc="http://schemas.openxmlformats.org/markup-compatibility/2006" xmlns:p14="http://schemas.microsoft.com/office/powerpoint/2010/main">
+    <mc:Choice Requires="p14">
+      <p:transition p14:dur="0"/>
+    </mc:Choice>
+    <mc:Fallback xmlns="">
+      <p:transition xmlns:p14="http://schemas.microsoft.com/office/powerpoint/2010/main"/>
+    </mc:Fallback>
+  </mc:AlternateContent>
+  <p:timing>
+    <p:tnLst>
+      <p:par>
+        <p:cTn xmlns:p14="http://schemas.microsoft.com/office/powerpoint/2010/main" id="1" dur="indefinite" restart="never" nodeType="tmRoot"/>
+      </p:par>
+    </p:tnLst>
+  </p:timing>
+</p:sld>
+</file>
+
+<file path=ppt/slides/slide4.xml><?xml version="1.0" encoding="utf-8"?>
 <p:sld xmlns:a="http://schemas.openxmlformats.org/drawingml/2006/main" xmlns:r="http://schemas.openxmlformats.org/officeDocument/2006/relationships" xmlns:p="http://schemas.openxmlformats.org/presentationml/2006/main">
   <p:cSld>
     <p:spTree>
@@ -21050,25 +21987,25 @@
   <p:clrMapOvr>
     <a:masterClrMapping/>
   </p:clrMapOvr>
-  <mc:AlternateContent xmlns:mc="http://schemas.openxmlformats.org/markup-compatibility/2006">
-    <mc:Choice xmlns:p14="http://schemas.microsoft.com/office/powerpoint/2010/main" Requires="p14">
+  <mc:AlternateContent xmlns:mc="http://schemas.openxmlformats.org/markup-compatibility/2006" xmlns:p14="http://schemas.microsoft.com/office/powerpoint/2010/main">
+    <mc:Choice Requires="p14">
       <p:transition p14:dur="0"/>
     </mc:Choice>
-    <mc:Fallback>
+    <mc:Fallback xmlns="">
       <p:transition/>
     </mc:Fallback>
   </mc:AlternateContent>
   <p:timing>
     <p:tnLst>
       <p:par>
-        <p:cTn id="1" dur="indefinite" restart="never" nodeType="tmRoot"/>
+        <p:cTn xmlns:p14="http://schemas.microsoft.com/office/powerpoint/2010/main" id="1" dur="indefinite" restart="never" nodeType="tmRoot"/>
       </p:par>
     </p:tnLst>
   </p:timing>
 </p:sld>
 </file>
 
-<file path=ppt/slides/slide4.xml><?xml version="1.0" encoding="utf-8"?>
+<file path=ppt/slides/slide5.xml><?xml version="1.0" encoding="utf-8"?>
 <p:sld xmlns:a="http://schemas.openxmlformats.org/drawingml/2006/main" xmlns:r="http://schemas.openxmlformats.org/officeDocument/2006/relationships" xmlns:p="http://schemas.openxmlformats.org/presentationml/2006/main">
   <p:cSld>
     <p:spTree>
@@ -21389,25 +22326,25 @@
   <p:clrMapOvr>
     <a:masterClrMapping/>
   </p:clrMapOvr>
-  <mc:AlternateContent xmlns:mc="http://schemas.openxmlformats.org/markup-compatibility/2006">
-    <mc:Choice xmlns:p14="http://schemas.microsoft.com/office/powerpoint/2010/main" Requires="p14">
+  <mc:AlternateContent xmlns:mc="http://schemas.openxmlformats.org/markup-compatibility/2006" xmlns:p14="http://schemas.microsoft.com/office/powerpoint/2010/main">
+    <mc:Choice Requires="p14">
       <p:transition p14:dur="0"/>
     </mc:Choice>
-    <mc:Fallback>
+    <mc:Fallback xmlns="">
       <p:transition/>
     </mc:Fallback>
   </mc:AlternateContent>
   <p:timing>
     <p:tnLst>
       <p:par>
-        <p:cTn id="1" dur="indefinite" restart="never" nodeType="tmRoot"/>
+        <p:cTn xmlns:p14="http://schemas.microsoft.com/office/powerpoint/2010/main" id="1" dur="indefinite" restart="never" nodeType="tmRoot"/>
       </p:par>
     </p:tnLst>
   </p:timing>
 </p:sld>
 </file>
 
-<file path=ppt/slides/slide5.xml><?xml version="1.0" encoding="utf-8"?>
+<file path=ppt/slides/slide6.xml><?xml version="1.0" encoding="utf-8"?>
 <p:sld xmlns:a="http://schemas.openxmlformats.org/drawingml/2006/main" xmlns:r="http://schemas.openxmlformats.org/officeDocument/2006/relationships" xmlns:p="http://schemas.openxmlformats.org/presentationml/2006/main">
   <p:cSld>
     <p:spTree>
@@ -21786,15 +22723,7 @@
                   <a:srgbClr val="004080"/>
                 </a:solidFill>
               </a:rPr>
-              <a:t>Тестовый </a:t>
-            </a:r>
-            <a:r>
-              <a:rPr lang="ru-RU" dirty="0" smtClean="0">
-                <a:solidFill>
-                  <a:srgbClr val="004080"/>
-                </a:solidFill>
-              </a:rPr>
-              <a:t>случай (</a:t>
+              <a:t>Тестовый случай (</a:t>
             </a:r>
             <a:r>
               <a:rPr lang="en-US" dirty="0" smtClean="0">
@@ -21847,25 +22776,25 @@
   <p:clrMapOvr>
     <a:masterClrMapping/>
   </p:clrMapOvr>
-  <mc:AlternateContent xmlns:mc="http://schemas.openxmlformats.org/markup-compatibility/2006">
-    <mc:Choice xmlns:p14="http://schemas.microsoft.com/office/powerpoint/2010/main" Requires="p14">
+  <mc:AlternateContent xmlns:mc="http://schemas.openxmlformats.org/markup-compatibility/2006" xmlns:p14="http://schemas.microsoft.com/office/powerpoint/2010/main">
+    <mc:Choice Requires="p14">
       <p:transition p14:dur="0"/>
     </mc:Choice>
-    <mc:Fallback>
+    <mc:Fallback xmlns="">
       <p:transition/>
     </mc:Fallback>
   </mc:AlternateContent>
   <p:timing>
     <p:tnLst>
       <p:par>
-        <p:cTn id="1" dur="indefinite" restart="never" nodeType="tmRoot"/>
+        <p:cTn xmlns:p14="http://schemas.microsoft.com/office/powerpoint/2010/main" id="1" dur="indefinite" restart="never" nodeType="tmRoot"/>
       </p:par>
     </p:tnLst>
   </p:timing>
 </p:sld>
 </file>
 
-<file path=ppt/slides/slide6.xml><?xml version="1.0" encoding="utf-8"?>
+<file path=ppt/slides/slide7.xml><?xml version="1.0" encoding="utf-8"?>
 <p:sld xmlns:a="http://schemas.openxmlformats.org/drawingml/2006/main" xmlns:r="http://schemas.openxmlformats.org/officeDocument/2006/relationships" xmlns:p="http://schemas.openxmlformats.org/presentationml/2006/main">
   <p:cSld>
     <p:spTree>
@@ -22361,25 +23290,25 @@
   <p:clrMapOvr>
     <a:masterClrMapping/>
   </p:clrMapOvr>
-  <mc:AlternateContent xmlns:mc="http://schemas.openxmlformats.org/markup-compatibility/2006">
-    <mc:Choice xmlns:p14="http://schemas.microsoft.com/office/powerpoint/2010/main" Requires="p14">
+  <mc:AlternateContent xmlns:mc="http://schemas.openxmlformats.org/markup-compatibility/2006" xmlns:p14="http://schemas.microsoft.com/office/powerpoint/2010/main">
+    <mc:Choice Requires="p14">
       <p:transition p14:dur="0"/>
     </mc:Choice>
-    <mc:Fallback>
+    <mc:Fallback xmlns="">
       <p:transition/>
     </mc:Fallback>
   </mc:AlternateContent>
   <p:timing>
     <p:tnLst>
       <p:par>
-        <p:cTn id="1" dur="indefinite" restart="never" nodeType="tmRoot"/>
+        <p:cTn xmlns:p14="http://schemas.microsoft.com/office/powerpoint/2010/main" id="1" dur="indefinite" restart="never" nodeType="tmRoot"/>
       </p:par>
     </p:tnLst>
   </p:timing>
 </p:sld>
 </file>
 
-<file path=ppt/slides/slide7.xml><?xml version="1.0" encoding="utf-8"?>
+<file path=ppt/slides/slide8.xml><?xml version="1.0" encoding="utf-8"?>
 <p:sld xmlns:a="http://schemas.openxmlformats.org/drawingml/2006/main" xmlns:r="http://schemas.openxmlformats.org/officeDocument/2006/relationships" xmlns:p="http://schemas.openxmlformats.org/presentationml/2006/main">
   <p:cSld>
     <p:bg>
@@ -22457,118 +23386,18 @@
   <p:clrMapOvr>
     <a:masterClrMapping/>
   </p:clrMapOvr>
-  <mc:AlternateContent xmlns:mc="http://schemas.openxmlformats.org/markup-compatibility/2006">
-    <mc:Choice xmlns:p14="http://schemas.microsoft.com/office/powerpoint/2010/main" Requires="p14">
+  <mc:AlternateContent xmlns:mc="http://schemas.openxmlformats.org/markup-compatibility/2006" xmlns:p14="http://schemas.microsoft.com/office/powerpoint/2010/main">
+    <mc:Choice Requires="p14">
       <p:transition p14:dur="0"/>
     </mc:Choice>
-    <mc:Fallback>
+    <mc:Fallback xmlns="">
       <p:transition/>
     </mc:Fallback>
   </mc:AlternateContent>
   <p:timing>
     <p:tnLst>
       <p:par>
-        <p:cTn id="1" dur="indefinite" restart="never" nodeType="tmRoot"/>
-      </p:par>
-    </p:tnLst>
-  </p:timing>
-</p:sld>
-</file>
-
-<file path=ppt/slides/slide8.xml><?xml version="1.0" encoding="utf-8"?>
-<p:sld xmlns:a="http://schemas.openxmlformats.org/drawingml/2006/main" xmlns:r="http://schemas.openxmlformats.org/officeDocument/2006/relationships" xmlns:p="http://schemas.openxmlformats.org/presentationml/2006/main">
-  <p:cSld>
-    <p:spTree>
-      <p:nvGrpSpPr>
-        <p:cNvPr id="1" name=""/>
-        <p:cNvGrpSpPr/>
-        <p:nvPr/>
-      </p:nvGrpSpPr>
-      <p:grpSpPr>
-        <a:xfrm>
-          <a:off x="0" y="0"/>
-          <a:ext cx="0" cy="0"/>
-          <a:chOff x="0" y="0"/>
-          <a:chExt cx="0" cy="0"/>
-        </a:xfrm>
-      </p:grpSpPr>
-      <p:sp>
-        <p:nvSpPr>
-          <p:cNvPr id="2" name="Title 1"/>
-          <p:cNvSpPr>
-            <a:spLocks noGrp="1"/>
-          </p:cNvSpPr>
-          <p:nvPr>
-            <p:ph type="title"/>
-          </p:nvPr>
-        </p:nvSpPr>
-        <p:spPr/>
-        <p:txBody>
-          <a:bodyPr/>
-          <a:lstStyle/>
-          <a:p>
-            <a:r>
-              <a:rPr lang="en-US" dirty="0" smtClean="0">
-                <a:solidFill>
-                  <a:srgbClr val="161645"/>
-                </a:solidFill>
-              </a:rPr>
-              <a:t>Gherkin</a:t>
-            </a:r>
-            <a:endParaRPr lang="en-US" dirty="0">
-              <a:solidFill>
-                <a:srgbClr val="161645"/>
-              </a:solidFill>
-            </a:endParaRPr>
-          </a:p>
-        </p:txBody>
-      </p:sp>
-      <p:pic>
-        <p:nvPicPr>
-          <p:cNvPr id="5" name="Picture 4"/>
-          <p:cNvPicPr>
-            <a:picLocks noChangeAspect="1"/>
-          </p:cNvPicPr>
-          <p:nvPr/>
-        </p:nvPicPr>
-        <p:blipFill>
-          <a:blip r:embed="rId3"/>
-          <a:stretch>
-            <a:fillRect/>
-          </a:stretch>
-        </p:blipFill>
-        <p:spPr>
-          <a:xfrm>
-            <a:off x="177800" y="431800"/>
-            <a:ext cx="8788400" cy="5994400"/>
-          </a:xfrm>
-          <a:prstGeom prst="rect">
-            <a:avLst/>
-          </a:prstGeom>
-        </p:spPr>
-      </p:pic>
-    </p:spTree>
-    <p:extLst>
-      <p:ext uri="{BB962C8B-B14F-4D97-AF65-F5344CB8AC3E}">
-        <p14:creationId xmlns:p14="http://schemas.microsoft.com/office/powerpoint/2010/main" val="791992973"/>
-      </p:ext>
-    </p:extLst>
-  </p:cSld>
-  <p:clrMapOvr>
-    <a:masterClrMapping/>
-  </p:clrMapOvr>
-  <mc:AlternateContent xmlns:mc="http://schemas.openxmlformats.org/markup-compatibility/2006">
-    <mc:Choice xmlns:p14="http://schemas.microsoft.com/office/powerpoint/2010/main" Requires="p14">
-      <p:transition p14:dur="0"/>
-    </mc:Choice>
-    <mc:Fallback>
-      <p:transition/>
-    </mc:Fallback>
-  </mc:AlternateContent>
-  <p:timing>
-    <p:tnLst>
-      <p:par>
-        <p:cTn id="1" dur="indefinite" restart="never" nodeType="tmRoot"/>
+        <p:cTn xmlns:p14="http://schemas.microsoft.com/office/powerpoint/2010/main" id="1" dur="indefinite" restart="never" nodeType="tmRoot"/>
       </p:par>
     </p:tnLst>
   </p:timing>
@@ -22613,7 +23442,7 @@
                   <a:srgbClr val="161645"/>
                 </a:solidFill>
               </a:rPr>
-              <a:t>Cucumber</a:t>
+              <a:t>Gherkin</a:t>
             </a:r>
             <a:endParaRPr lang="en-US" dirty="0">
               <a:solidFill>
@@ -22623,222 +23452,70 @@
           </a:p>
         </p:txBody>
       </p:sp>
-      <p:sp>
-        <p:nvSpPr>
-          <p:cNvPr id="4" name="TextBox 3"/>
-          <p:cNvSpPr txBox="1"/>
+      <p:pic>
+        <p:nvPicPr>
+          <p:cNvPr id="5" name="Picture 4"/>
+          <p:cNvPicPr>
+            <a:picLocks noChangeAspect="1"/>
+          </p:cNvPicPr>
           <p:nvPr/>
-        </p:nvSpPr>
+        </p:nvPicPr>
+        <p:blipFill>
+          <a:blip r:embed="rId3"/>
+          <a:stretch>
+            <a:fillRect/>
+          </a:stretch>
+        </p:blipFill>
         <p:spPr>
           <a:xfrm>
-            <a:off x="1495426" y="2967335"/>
-            <a:ext cx="6153149" cy="369332"/>
+            <a:off x="177800" y="431800"/>
+            <a:ext cx="8788400" cy="5994400"/>
           </a:xfrm>
           <a:prstGeom prst="rect">
             <a:avLst/>
           </a:prstGeom>
-          <a:noFill/>
         </p:spPr>
-        <p:txBody>
-          <a:bodyPr wrap="square">
-            <a:spAutoFit/>
-          </a:bodyPr>
-          <a:lstStyle>
-            <a:lvl1pPr eaLnBrk="0" hangingPunct="0">
-              <a:defRPr>
-                <a:solidFill>
-                  <a:schemeClr val="tx1"/>
-                </a:solidFill>
-                <a:latin typeface="Arial" charset="0"/>
-                <a:ea typeface="ＭＳ Ｐゴシック" charset="0"/>
-                <a:cs typeface="Arial" charset="0"/>
-              </a:defRPr>
-            </a:lvl1pPr>
-            <a:lvl2pPr marL="742950" indent="-285750" eaLnBrk="0" hangingPunct="0">
-              <a:defRPr>
-                <a:solidFill>
-                  <a:schemeClr val="tx1"/>
-                </a:solidFill>
-                <a:latin typeface="Arial" charset="0"/>
-                <a:ea typeface="Arial" charset="0"/>
-                <a:cs typeface="Arial" charset="0"/>
-              </a:defRPr>
-            </a:lvl2pPr>
-            <a:lvl3pPr marL="1143000" indent="-228600" eaLnBrk="0" hangingPunct="0">
-              <a:defRPr>
-                <a:solidFill>
-                  <a:schemeClr val="tx1"/>
-                </a:solidFill>
-                <a:latin typeface="Arial" charset="0"/>
-                <a:ea typeface="Arial" charset="0"/>
-                <a:cs typeface="Arial" charset="0"/>
-              </a:defRPr>
-            </a:lvl3pPr>
-            <a:lvl4pPr marL="1600200" indent="-228600" eaLnBrk="0" hangingPunct="0">
-              <a:defRPr>
-                <a:solidFill>
-                  <a:schemeClr val="tx1"/>
-                </a:solidFill>
-                <a:latin typeface="Arial" charset="0"/>
-                <a:ea typeface="Arial" charset="0"/>
-                <a:cs typeface="Arial" charset="0"/>
-              </a:defRPr>
-            </a:lvl4pPr>
-            <a:lvl5pPr marL="2057400" indent="-228600" eaLnBrk="0" hangingPunct="0">
-              <a:defRPr>
-                <a:solidFill>
-                  <a:schemeClr val="tx1"/>
-                </a:solidFill>
-                <a:latin typeface="Arial" charset="0"/>
-                <a:ea typeface="Arial" charset="0"/>
-                <a:cs typeface="Arial" charset="0"/>
-              </a:defRPr>
-            </a:lvl5pPr>
-            <a:lvl6pPr marL="2514600" indent="-228600" eaLnBrk="0" fontAlgn="base" hangingPunct="0">
-              <a:spcBef>
-                <a:spcPct val="0"/>
-              </a:spcBef>
-              <a:spcAft>
-                <a:spcPct val="0"/>
-              </a:spcAft>
-              <a:defRPr>
-                <a:solidFill>
-                  <a:schemeClr val="tx1"/>
-                </a:solidFill>
-                <a:latin typeface="Arial" charset="0"/>
-                <a:ea typeface="Arial" charset="0"/>
-                <a:cs typeface="Arial" charset="0"/>
-              </a:defRPr>
-            </a:lvl6pPr>
-            <a:lvl7pPr marL="2971800" indent="-228600" eaLnBrk="0" fontAlgn="base" hangingPunct="0">
-              <a:spcBef>
-                <a:spcPct val="0"/>
-              </a:spcBef>
-              <a:spcAft>
-                <a:spcPct val="0"/>
-              </a:spcAft>
-              <a:defRPr>
-                <a:solidFill>
-                  <a:schemeClr val="tx1"/>
-                </a:solidFill>
-                <a:latin typeface="Arial" charset="0"/>
-                <a:ea typeface="Arial" charset="0"/>
-                <a:cs typeface="Arial" charset="0"/>
-              </a:defRPr>
-            </a:lvl7pPr>
-            <a:lvl8pPr marL="3429000" indent="-228600" eaLnBrk="0" fontAlgn="base" hangingPunct="0">
-              <a:spcBef>
-                <a:spcPct val="0"/>
-              </a:spcBef>
-              <a:spcAft>
-                <a:spcPct val="0"/>
-              </a:spcAft>
-              <a:defRPr>
-                <a:solidFill>
-                  <a:schemeClr val="tx1"/>
-                </a:solidFill>
-                <a:latin typeface="Arial" charset="0"/>
-                <a:ea typeface="Arial" charset="0"/>
-                <a:cs typeface="Arial" charset="0"/>
-              </a:defRPr>
-            </a:lvl8pPr>
-            <a:lvl9pPr marL="3886200" indent="-228600" eaLnBrk="0" fontAlgn="base" hangingPunct="0">
-              <a:spcBef>
-                <a:spcPct val="0"/>
-              </a:spcBef>
-              <a:spcAft>
-                <a:spcPct val="0"/>
-              </a:spcAft>
-              <a:defRPr>
-                <a:solidFill>
-                  <a:schemeClr val="tx1"/>
-                </a:solidFill>
-                <a:latin typeface="Arial" charset="0"/>
-                <a:ea typeface="Arial" charset="0"/>
-                <a:cs typeface="Arial" charset="0"/>
-              </a:defRPr>
-            </a:lvl9pPr>
-          </a:lstStyle>
-          <a:p>
-            <a:pPr algn="ctr" eaLnBrk="1" hangingPunct="1">
-              <a:buClr>
-                <a:schemeClr val="accent3"/>
-              </a:buClr>
-            </a:pPr>
-            <a:r>
-              <a:rPr lang="en-US" dirty="0" smtClean="0">
-                <a:solidFill>
-                  <a:srgbClr val="004080"/>
-                </a:solidFill>
-              </a:rPr>
-              <a:t>Cucumber syntax</a:t>
-            </a:r>
-            <a:r>
-              <a:rPr lang="ru-RU" dirty="0" smtClean="0">
-                <a:solidFill>
-                  <a:srgbClr val="004080"/>
-                </a:solidFill>
-              </a:rPr>
-              <a:t> </a:t>
-            </a:r>
-            <a:r>
-              <a:rPr lang="en-US" dirty="0" smtClean="0">
-                <a:solidFill>
-                  <a:srgbClr val="004080"/>
-                </a:solidFill>
-              </a:rPr>
-              <a:t>is readable</a:t>
-            </a:r>
-            <a:r>
-              <a:rPr lang="ru-RU" dirty="0" smtClean="0">
-                <a:solidFill>
-                  <a:srgbClr val="004080"/>
-                </a:solidFill>
-              </a:rPr>
-              <a:t> </a:t>
-            </a:r>
-            <a:r>
-              <a:rPr lang="en-US" dirty="0" smtClean="0">
-                <a:solidFill>
-                  <a:srgbClr val="004080"/>
-                </a:solidFill>
-              </a:rPr>
-              <a:t>by business guys</a:t>
-            </a:r>
-            <a:endParaRPr lang="ru-RU" dirty="0">
-              <a:solidFill>
-                <a:srgbClr val="004080"/>
-              </a:solidFill>
-            </a:endParaRPr>
-          </a:p>
-        </p:txBody>
-      </p:sp>
+      </p:pic>
     </p:spTree>
     <p:extLst>
       <p:ext uri="{BB962C8B-B14F-4D97-AF65-F5344CB8AC3E}">
-        <p14:creationId xmlns:p14="http://schemas.microsoft.com/office/powerpoint/2010/main" val="3107486302"/>
+        <p14:creationId xmlns:p14="http://schemas.microsoft.com/office/powerpoint/2010/main" val="791992973"/>
       </p:ext>
     </p:extLst>
   </p:cSld>
   <p:clrMapOvr>
     <a:masterClrMapping/>
   </p:clrMapOvr>
-  <mc:AlternateContent xmlns:mc="http://schemas.openxmlformats.org/markup-compatibility/2006">
-    <mc:Choice xmlns:p14="http://schemas.microsoft.com/office/powerpoint/2010/main" Requires="p14">
+  <mc:AlternateContent xmlns:mc="http://schemas.openxmlformats.org/markup-compatibility/2006" xmlns:p14="http://schemas.microsoft.com/office/powerpoint/2010/main">
+    <mc:Choice Requires="p14">
       <p:transition p14:dur="0"/>
     </mc:Choice>
-    <mc:Fallback>
+    <mc:Fallback xmlns="">
       <p:transition/>
     </mc:Fallback>
   </mc:AlternateContent>
   <p:timing>
     <p:tnLst>
       <p:par>
-        <p:cTn id="1" dur="indefinite" restart="never" nodeType="tmRoot"/>
+        <p:cTn xmlns:p14="http://schemas.microsoft.com/office/powerpoint/2010/main" id="1" dur="indefinite" restart="never" nodeType="tmRoot"/>
       </p:par>
     </p:tnLst>
   </p:timing>
 </p:sld>
+</file>
+
+<file path=ppt/tags/tag1.xml><?xml version="1.0" encoding="utf-8"?>
+<p:tagLst xmlns:a="http://schemas.openxmlformats.org/drawingml/2006/main" xmlns:r="http://schemas.openxmlformats.org/officeDocument/2006/relationships" xmlns:p="http://schemas.openxmlformats.org/presentationml/2006/main">
+  <p:tag name="LTOP" val=" 238.25"/>
+  <p:tag name="LLEFT" val=" 144.125"/>
+</p:tagLst>
+</file>
+
+<file path=ppt/tags/tag2.xml><?xml version="1.0" encoding="utf-8"?>
+<p:tagLst xmlns:a="http://schemas.openxmlformats.org/drawingml/2006/main" xmlns:r="http://schemas.openxmlformats.org/officeDocument/2006/relationships" xmlns:p="http://schemas.openxmlformats.org/presentationml/2006/main">
+  <p:tag name="LTOP" val=" 238.25"/>
+  <p:tag name="LLEFT" val=" 144.125"/>
+</p:tagLst>
 </file>
 
 <file path=ppt/theme/theme1.xml><?xml version="1.0" encoding="utf-8"?>
